--- a/Project Concepts/PROJ216 Slides Day2.pptx
+++ b/Project Concepts/PROJ216 Slides Day2.pptx
@@ -325,7 +325,7 @@
               <a:pPr>
                 <a:defRPr/>
               </a:pPr>
-              <a:t>2/8/2019</a:t>
+              <a:t>2/11/2019</a:t>
             </a:fld>
             <a:endParaRPr lang="en-US"/>
           </a:p>
@@ -574,35 +574,35 @@
           <a:p>
             <a:pPr lvl="0"/>
             <a:r>
-              <a:rPr lang="en-US" noProof="0" smtClean="0"/>
+              <a:rPr lang="en-US" noProof="0"/>
               <a:t>Click to edit Master text styles</a:t>
             </a:r>
           </a:p>
           <a:p>
             <a:pPr lvl="1"/>
             <a:r>
-              <a:rPr lang="en-US" noProof="0" smtClean="0"/>
+              <a:rPr lang="en-US" noProof="0"/>
               <a:t>Second level</a:t>
             </a:r>
           </a:p>
           <a:p>
             <a:pPr lvl="2"/>
             <a:r>
-              <a:rPr lang="en-US" noProof="0" smtClean="0"/>
+              <a:rPr lang="en-US" noProof="0"/>
               <a:t>Third level</a:t>
             </a:r>
           </a:p>
           <a:p>
             <a:pPr lvl="3"/>
             <a:r>
-              <a:rPr lang="en-US" noProof="0" smtClean="0"/>
+              <a:rPr lang="en-US" noProof="0"/>
               <a:t>Fourth level</a:t>
             </a:r>
           </a:p>
           <a:p>
             <a:pPr lvl="4"/>
             <a:r>
-              <a:rPr lang="en-US" noProof="0" smtClean="0"/>
+              <a:rPr lang="en-US" noProof="0"/>
               <a:t>Fifth level</a:t>
             </a:r>
           </a:p>
@@ -654,7 +654,7 @@
               <a:pPr>
                 <a:defRPr/>
               </a:pPr>
-              <a:t>2/8/2019</a:t>
+              <a:t>2/11/2019</a:t>
             </a:fld>
             <a:endParaRPr lang="en-US"/>
           </a:p>
@@ -1097,7 +1097,7 @@
           </a:lstStyle>
           <a:p>
             <a:r>
-              <a:rPr lang="en-US" smtClean="0"/>
+              <a:rPr lang="en-US"/>
               <a:t>Click to edit Master subtitle style</a:t>
             </a:r>
             <a:endParaRPr lang="en-CA" dirty="0"/>
@@ -1167,7 +1167,7 @@
               <a:defRPr/>
             </a:pPr>
             <a:r>
-              <a:rPr lang="en-CA" sz="1400" i="1" dirty="0" smtClean="0">
+              <a:rPr lang="en-CA" sz="1400" i="1" dirty="0">
                 <a:solidFill>
                   <a:srgbClr val="333399">
                     <a:lumMod val="50000"/>
@@ -1177,18 +1177,8 @@
               </a:rPr>
               <a:t>– Software Project Concepts –</a:t>
             </a:r>
-            <a:r>
-              <a:rPr lang="en-CA" sz="2800" i="1" dirty="0" smtClean="0">
-                <a:solidFill>
-                  <a:srgbClr val="333399">
-                    <a:lumMod val="50000"/>
-                  </a:srgbClr>
-                </a:solidFill>
-              </a:rPr>
-              <a:t/>
-            </a:r>
             <a:br>
-              <a:rPr lang="en-CA" sz="2800" i="1" dirty="0" smtClean="0">
+              <a:rPr lang="en-CA" sz="2800" i="1" dirty="0">
                 <a:solidFill>
                   <a:srgbClr val="333399">
                     <a:lumMod val="50000"/>
@@ -1197,7 +1187,7 @@
               </a:rPr>
             </a:br>
             <a:r>
-              <a:rPr lang="en-CA" sz="2000" dirty="0" smtClean="0">
+              <a:rPr lang="en-CA" sz="2000" dirty="0">
                 <a:solidFill>
                   <a:srgbClr val="333399">
                     <a:lumMod val="50000"/>
@@ -1264,10 +1254,9 @@
           <a:lstStyle/>
           <a:p>
             <a:r>
-              <a:rPr lang="en-US" smtClean="0"/>
+              <a:rPr lang="en-US"/>
               <a:t>Click to edit Master title style</a:t>
             </a:r>
-            <a:endParaRPr lang="en-US"/>
           </a:p>
         </p:txBody>
       </p:sp>
@@ -1288,38 +1277,37 @@
           <a:p>
             <a:pPr lvl="0"/>
             <a:r>
-              <a:rPr lang="en-US" smtClean="0"/>
+              <a:rPr lang="en-US"/>
               <a:t>Click to edit Master text styles</a:t>
             </a:r>
           </a:p>
           <a:p>
             <a:pPr lvl="1"/>
             <a:r>
-              <a:rPr lang="en-US" smtClean="0"/>
+              <a:rPr lang="en-US"/>
               <a:t>Second level</a:t>
             </a:r>
           </a:p>
           <a:p>
             <a:pPr lvl="2"/>
             <a:r>
-              <a:rPr lang="en-US" smtClean="0"/>
+              <a:rPr lang="en-US"/>
               <a:t>Third level</a:t>
             </a:r>
           </a:p>
           <a:p>
             <a:pPr lvl="3"/>
             <a:r>
-              <a:rPr lang="en-US" smtClean="0"/>
+              <a:rPr lang="en-US"/>
               <a:t>Fourth level</a:t>
             </a:r>
           </a:p>
           <a:p>
             <a:pPr lvl="4"/>
             <a:r>
-              <a:rPr lang="en-US" smtClean="0"/>
+              <a:rPr lang="en-US"/>
               <a:t>Fifth level</a:t>
             </a:r>
-            <a:endParaRPr lang="en-US"/>
           </a:p>
         </p:txBody>
       </p:sp>
@@ -1374,10 +1362,9 @@
           <a:lstStyle/>
           <a:p>
             <a:r>
-              <a:rPr lang="en-US" smtClean="0"/>
+              <a:rPr lang="en-US"/>
               <a:t>Click to edit Master title style</a:t>
             </a:r>
-            <a:endParaRPr lang="en-US"/>
           </a:p>
         </p:txBody>
       </p:sp>
@@ -1403,38 +1390,37 @@
           <a:p>
             <a:pPr lvl="0"/>
             <a:r>
-              <a:rPr lang="en-US" smtClean="0"/>
+              <a:rPr lang="en-US"/>
               <a:t>Click to edit Master text styles</a:t>
             </a:r>
           </a:p>
           <a:p>
             <a:pPr lvl="1"/>
             <a:r>
-              <a:rPr lang="en-US" smtClean="0"/>
+              <a:rPr lang="en-US"/>
               <a:t>Second level</a:t>
             </a:r>
           </a:p>
           <a:p>
             <a:pPr lvl="2"/>
             <a:r>
-              <a:rPr lang="en-US" smtClean="0"/>
+              <a:rPr lang="en-US"/>
               <a:t>Third level</a:t>
             </a:r>
           </a:p>
           <a:p>
             <a:pPr lvl="3"/>
             <a:r>
-              <a:rPr lang="en-US" smtClean="0"/>
+              <a:rPr lang="en-US"/>
               <a:t>Fourth level</a:t>
             </a:r>
           </a:p>
           <a:p>
             <a:pPr lvl="4"/>
             <a:r>
-              <a:rPr lang="en-US" smtClean="0"/>
+              <a:rPr lang="en-US"/>
               <a:t>Fifth level</a:t>
             </a:r>
-            <a:endParaRPr lang="en-US"/>
           </a:p>
         </p:txBody>
       </p:sp>
@@ -1489,10 +1475,9 @@
           <a:lstStyle/>
           <a:p>
             <a:r>
-              <a:rPr lang="en-US" smtClean="0"/>
+              <a:rPr lang="en-US"/>
               <a:t>Click to edit Master title style</a:t>
             </a:r>
-            <a:endParaRPr lang="en-US"/>
           </a:p>
         </p:txBody>
       </p:sp>
@@ -1518,38 +1503,37 @@
           <a:p>
             <a:pPr lvl="0"/>
             <a:r>
-              <a:rPr lang="en-US" smtClean="0"/>
+              <a:rPr lang="en-US"/>
               <a:t>Click to edit Master text styles</a:t>
             </a:r>
           </a:p>
           <a:p>
             <a:pPr lvl="1"/>
             <a:r>
-              <a:rPr lang="en-US" smtClean="0"/>
+              <a:rPr lang="en-US"/>
               <a:t>Second level</a:t>
             </a:r>
           </a:p>
           <a:p>
             <a:pPr lvl="2"/>
             <a:r>
-              <a:rPr lang="en-US" smtClean="0"/>
+              <a:rPr lang="en-US"/>
               <a:t>Third level</a:t>
             </a:r>
           </a:p>
           <a:p>
             <a:pPr lvl="3"/>
             <a:r>
-              <a:rPr lang="en-US" smtClean="0"/>
+              <a:rPr lang="en-US"/>
               <a:t>Fourth level</a:t>
             </a:r>
           </a:p>
           <a:p>
             <a:pPr lvl="4"/>
             <a:r>
-              <a:rPr lang="en-US" smtClean="0"/>
+              <a:rPr lang="en-US"/>
               <a:t>Fifth level</a:t>
             </a:r>
-            <a:endParaRPr lang="en-US"/>
           </a:p>
         </p:txBody>
       </p:sp>
@@ -1575,38 +1559,37 @@
           <a:p>
             <a:pPr lvl="0"/>
             <a:r>
-              <a:rPr lang="en-US" smtClean="0"/>
+              <a:rPr lang="en-US"/>
               <a:t>Click to edit Master text styles</a:t>
             </a:r>
           </a:p>
           <a:p>
             <a:pPr lvl="1"/>
             <a:r>
-              <a:rPr lang="en-US" smtClean="0"/>
+              <a:rPr lang="en-US"/>
               <a:t>Second level</a:t>
             </a:r>
           </a:p>
           <a:p>
             <a:pPr lvl="2"/>
             <a:r>
-              <a:rPr lang="en-US" smtClean="0"/>
+              <a:rPr lang="en-US"/>
               <a:t>Third level</a:t>
             </a:r>
           </a:p>
           <a:p>
             <a:pPr lvl="3"/>
             <a:r>
-              <a:rPr lang="en-US" smtClean="0"/>
+              <a:rPr lang="en-US"/>
               <a:t>Fourth level</a:t>
             </a:r>
           </a:p>
           <a:p>
             <a:pPr lvl="4"/>
             <a:r>
-              <a:rPr lang="en-US" smtClean="0"/>
+              <a:rPr lang="en-US"/>
               <a:t>Fifth level</a:t>
             </a:r>
-            <a:endParaRPr lang="en-US"/>
           </a:p>
         </p:txBody>
       </p:sp>
@@ -1661,10 +1644,9 @@
           <a:lstStyle/>
           <a:p>
             <a:r>
-              <a:rPr lang="en-US" smtClean="0"/>
+              <a:rPr lang="en-US"/>
               <a:t>Click to edit Master title style</a:t>
             </a:r>
-            <a:endParaRPr lang="en-US"/>
           </a:p>
         </p:txBody>
       </p:sp>
@@ -1690,10 +1672,9 @@
           <a:p>
             <a:pPr lvl="0"/>
             <a:r>
-              <a:rPr lang="en-US" noProof="0" smtClean="0"/>
+              <a:rPr lang="en-US" noProof="0"/>
               <a:t>Click icon to add table</a:t>
             </a:r>
-            <a:endParaRPr lang="en-US" noProof="0"/>
           </a:p>
         </p:txBody>
       </p:sp>
@@ -1916,7 +1897,7 @@
           </a:lstStyle>
           <a:p>
             <a:r>
-              <a:rPr lang="en-US" smtClean="0"/>
+              <a:rPr lang="en-US"/>
               <a:t>Click to edit Master subtitle style</a:t>
             </a:r>
             <a:endParaRPr lang="en-CA" dirty="0"/>
@@ -1986,7 +1967,7 @@
               <a:defRPr/>
             </a:pPr>
             <a:r>
-              <a:rPr lang="en-CA" sz="1400" i="1" dirty="0" smtClean="0">
+              <a:rPr lang="en-CA" sz="1400" i="1" dirty="0">
                 <a:solidFill>
                   <a:srgbClr val="333399">
                     <a:lumMod val="50000"/>
@@ -1996,18 +1977,8 @@
               </a:rPr>
               <a:t>– Software Project Concepts –</a:t>
             </a:r>
-            <a:r>
-              <a:rPr lang="en-CA" sz="2800" i="1" dirty="0" smtClean="0">
-                <a:solidFill>
-                  <a:srgbClr val="333399">
-                    <a:lumMod val="50000"/>
-                  </a:srgbClr>
-                </a:solidFill>
-              </a:rPr>
-              <a:t/>
-            </a:r>
             <a:br>
-              <a:rPr lang="en-CA" sz="2800" i="1" dirty="0" smtClean="0">
+              <a:rPr lang="en-CA" sz="2800" i="1" dirty="0">
                 <a:solidFill>
                   <a:srgbClr val="333399">
                     <a:lumMod val="50000"/>
@@ -2016,7 +1987,7 @@
               </a:rPr>
             </a:br>
             <a:r>
-              <a:rPr lang="en-CA" sz="2000" dirty="0" smtClean="0">
+              <a:rPr lang="en-CA" sz="2000" dirty="0">
                 <a:solidFill>
                   <a:srgbClr val="333399">
                     <a:lumMod val="50000"/>
@@ -2083,10 +2054,9 @@
           <a:lstStyle/>
           <a:p>
             <a:r>
-              <a:rPr lang="en-US" smtClean="0"/>
+              <a:rPr lang="en-US"/>
               <a:t>Click to edit Master title style</a:t>
             </a:r>
-            <a:endParaRPr lang="en-US"/>
           </a:p>
         </p:txBody>
       </p:sp>
@@ -2123,35 +2093,35 @@
           <a:p>
             <a:pPr lvl="0"/>
             <a:r>
-              <a:rPr lang="en-US" smtClean="0"/>
+              <a:rPr lang="en-US"/>
               <a:t>Click to edit Master text styles</a:t>
             </a:r>
           </a:p>
           <a:p>
             <a:pPr lvl="1"/>
             <a:r>
-              <a:rPr lang="en-US" smtClean="0"/>
+              <a:rPr lang="en-US"/>
               <a:t>Second level</a:t>
             </a:r>
           </a:p>
           <a:p>
             <a:pPr lvl="2"/>
             <a:r>
-              <a:rPr lang="en-US" smtClean="0"/>
+              <a:rPr lang="en-US"/>
               <a:t>Third level</a:t>
             </a:r>
           </a:p>
           <a:p>
             <a:pPr lvl="3"/>
             <a:r>
-              <a:rPr lang="en-US" smtClean="0"/>
+              <a:rPr lang="en-US"/>
               <a:t>Fourth level</a:t>
             </a:r>
           </a:p>
           <a:p>
             <a:pPr lvl="4"/>
             <a:r>
-              <a:rPr lang="en-US" smtClean="0"/>
+              <a:rPr lang="en-US"/>
               <a:t>Fifth level</a:t>
             </a:r>
             <a:endParaRPr lang="en-US" dirty="0"/>
@@ -2213,10 +2183,9 @@
           </a:lstStyle>
           <a:p>
             <a:r>
-              <a:rPr lang="en-US" smtClean="0"/>
+              <a:rPr lang="en-US"/>
               <a:t>Click to edit Master title style</a:t>
             </a:r>
-            <a:endParaRPr lang="en-US"/>
           </a:p>
         </p:txBody>
       </p:sp>
@@ -2279,7 +2248,7 @@
           <a:p>
             <a:pPr lvl="0"/>
             <a:r>
-              <a:rPr lang="en-US" smtClean="0"/>
+              <a:rPr lang="en-US"/>
               <a:t>Click to edit Master text styles</a:t>
             </a:r>
           </a:p>
@@ -2331,10 +2300,9 @@
           <a:lstStyle/>
           <a:p>
             <a:r>
-              <a:rPr lang="en-US" smtClean="0"/>
+              <a:rPr lang="en-US"/>
               <a:t>Click to edit Master title style</a:t>
             </a:r>
-            <a:endParaRPr lang="en-US"/>
           </a:p>
         </p:txBody>
       </p:sp>
@@ -2388,38 +2356,37 @@
           <a:p>
             <a:pPr lvl="0"/>
             <a:r>
-              <a:rPr lang="en-US" smtClean="0"/>
+              <a:rPr lang="en-US"/>
               <a:t>Click to edit Master text styles</a:t>
             </a:r>
           </a:p>
           <a:p>
             <a:pPr lvl="1"/>
             <a:r>
-              <a:rPr lang="en-US" smtClean="0"/>
+              <a:rPr lang="en-US"/>
               <a:t>Second level</a:t>
             </a:r>
           </a:p>
           <a:p>
             <a:pPr lvl="2"/>
             <a:r>
-              <a:rPr lang="en-US" smtClean="0"/>
+              <a:rPr lang="en-US"/>
               <a:t>Third level</a:t>
             </a:r>
           </a:p>
           <a:p>
             <a:pPr lvl="3"/>
             <a:r>
-              <a:rPr lang="en-US" smtClean="0"/>
+              <a:rPr lang="en-US"/>
               <a:t>Fourth level</a:t>
             </a:r>
           </a:p>
           <a:p>
             <a:pPr lvl="4"/>
             <a:r>
-              <a:rPr lang="en-US" smtClean="0"/>
+              <a:rPr lang="en-US"/>
               <a:t>Fifth level</a:t>
             </a:r>
-            <a:endParaRPr lang="en-US"/>
           </a:p>
         </p:txBody>
       </p:sp>
@@ -2473,38 +2440,37 @@
           <a:p>
             <a:pPr lvl="0"/>
             <a:r>
-              <a:rPr lang="en-US" smtClean="0"/>
+              <a:rPr lang="en-US"/>
               <a:t>Click to edit Master text styles</a:t>
             </a:r>
           </a:p>
           <a:p>
             <a:pPr lvl="1"/>
             <a:r>
-              <a:rPr lang="en-US" smtClean="0"/>
+              <a:rPr lang="en-US"/>
               <a:t>Second level</a:t>
             </a:r>
           </a:p>
           <a:p>
             <a:pPr lvl="2"/>
             <a:r>
-              <a:rPr lang="en-US" smtClean="0"/>
+              <a:rPr lang="en-US"/>
               <a:t>Third level</a:t>
             </a:r>
           </a:p>
           <a:p>
             <a:pPr lvl="3"/>
             <a:r>
-              <a:rPr lang="en-US" smtClean="0"/>
+              <a:rPr lang="en-US"/>
               <a:t>Fourth level</a:t>
             </a:r>
           </a:p>
           <a:p>
             <a:pPr lvl="4"/>
             <a:r>
-              <a:rPr lang="en-US" smtClean="0"/>
+              <a:rPr lang="en-US"/>
               <a:t>Fifth level</a:t>
             </a:r>
-            <a:endParaRPr lang="en-US"/>
           </a:p>
         </p:txBody>
       </p:sp>
@@ -2563,10 +2529,9 @@
           </a:lstStyle>
           <a:p>
             <a:r>
-              <a:rPr lang="en-US" smtClean="0"/>
+              <a:rPr lang="en-US"/>
               <a:t>Click to edit Master title style</a:t>
             </a:r>
-            <a:endParaRPr lang="en-US"/>
           </a:p>
         </p:txBody>
       </p:sp>
@@ -2629,7 +2594,7 @@
           <a:p>
             <a:pPr lvl="0"/>
             <a:r>
-              <a:rPr lang="en-US" smtClean="0"/>
+              <a:rPr lang="en-US"/>
               <a:t>Click to edit Master text styles</a:t>
             </a:r>
           </a:p>
@@ -2685,35 +2650,35 @@
           <a:p>
             <a:pPr lvl="0"/>
             <a:r>
-              <a:rPr lang="en-US" smtClean="0"/>
+              <a:rPr lang="en-US"/>
               <a:t>Click to edit Master text styles</a:t>
             </a:r>
           </a:p>
           <a:p>
             <a:pPr lvl="1"/>
             <a:r>
-              <a:rPr lang="en-US" smtClean="0"/>
+              <a:rPr lang="en-US"/>
               <a:t>Second level</a:t>
             </a:r>
           </a:p>
           <a:p>
             <a:pPr lvl="2"/>
             <a:r>
-              <a:rPr lang="en-US" smtClean="0"/>
+              <a:rPr lang="en-US"/>
               <a:t>Third level</a:t>
             </a:r>
           </a:p>
           <a:p>
             <a:pPr lvl="3"/>
             <a:r>
-              <a:rPr lang="en-US" smtClean="0"/>
+              <a:rPr lang="en-US"/>
               <a:t>Fourth level</a:t>
             </a:r>
           </a:p>
           <a:p>
             <a:pPr lvl="4"/>
             <a:r>
-              <a:rPr lang="en-US" smtClean="0"/>
+              <a:rPr lang="en-US"/>
               <a:t>Fifth level</a:t>
             </a:r>
             <a:endParaRPr lang="en-US" dirty="0"/>
@@ -2779,7 +2744,7 @@
           <a:p>
             <a:pPr lvl="0"/>
             <a:r>
-              <a:rPr lang="en-US" smtClean="0"/>
+              <a:rPr lang="en-US"/>
               <a:t>Click to edit Master text styles</a:t>
             </a:r>
           </a:p>
@@ -2835,35 +2800,35 @@
           <a:p>
             <a:pPr lvl="0"/>
             <a:r>
-              <a:rPr lang="en-US" smtClean="0"/>
+              <a:rPr lang="en-US"/>
               <a:t>Click to edit Master text styles</a:t>
             </a:r>
           </a:p>
           <a:p>
             <a:pPr lvl="1"/>
             <a:r>
-              <a:rPr lang="en-US" smtClean="0"/>
+              <a:rPr lang="en-US"/>
               <a:t>Second level</a:t>
             </a:r>
           </a:p>
           <a:p>
             <a:pPr lvl="2"/>
             <a:r>
-              <a:rPr lang="en-US" smtClean="0"/>
+              <a:rPr lang="en-US"/>
               <a:t>Third level</a:t>
             </a:r>
           </a:p>
           <a:p>
             <a:pPr lvl="3"/>
             <a:r>
-              <a:rPr lang="en-US" smtClean="0"/>
+              <a:rPr lang="en-US"/>
               <a:t>Fourth level</a:t>
             </a:r>
           </a:p>
           <a:p>
             <a:pPr lvl="4"/>
             <a:r>
-              <a:rPr lang="en-US" smtClean="0"/>
+              <a:rPr lang="en-US"/>
               <a:t>Fifth level</a:t>
             </a:r>
             <a:endParaRPr lang="en-US" dirty="0"/>
@@ -2916,10 +2881,9 @@
           <a:lstStyle/>
           <a:p>
             <a:r>
-              <a:rPr lang="en-US" smtClean="0"/>
+              <a:rPr lang="en-US"/>
               <a:t>Click to edit Master title style</a:t>
             </a:r>
-            <a:endParaRPr lang="en-US"/>
           </a:p>
         </p:txBody>
       </p:sp>
@@ -2969,10 +2933,9 @@
           <a:lstStyle/>
           <a:p>
             <a:r>
-              <a:rPr lang="en-US" smtClean="0"/>
+              <a:rPr lang="en-US"/>
               <a:t>Click to edit Master title style</a:t>
             </a:r>
-            <a:endParaRPr lang="en-US"/>
           </a:p>
         </p:txBody>
       </p:sp>
@@ -3009,35 +2972,35 @@
           <a:p>
             <a:pPr lvl="0"/>
             <a:r>
-              <a:rPr lang="en-US" smtClean="0"/>
+              <a:rPr lang="en-US"/>
               <a:t>Click to edit Master text styles</a:t>
             </a:r>
           </a:p>
           <a:p>
             <a:pPr lvl="1"/>
             <a:r>
-              <a:rPr lang="en-US" smtClean="0"/>
+              <a:rPr lang="en-US"/>
               <a:t>Second level</a:t>
             </a:r>
           </a:p>
           <a:p>
             <a:pPr lvl="2"/>
             <a:r>
-              <a:rPr lang="en-US" smtClean="0"/>
+              <a:rPr lang="en-US"/>
               <a:t>Third level</a:t>
             </a:r>
           </a:p>
           <a:p>
             <a:pPr lvl="3"/>
             <a:r>
-              <a:rPr lang="en-US" smtClean="0"/>
+              <a:rPr lang="en-US"/>
               <a:t>Fourth level</a:t>
             </a:r>
           </a:p>
           <a:p>
             <a:pPr lvl="4"/>
             <a:r>
-              <a:rPr lang="en-US" smtClean="0"/>
+              <a:rPr lang="en-US"/>
               <a:t>Fifth level</a:t>
             </a:r>
             <a:endParaRPr lang="en-US" dirty="0"/>
@@ -3129,10 +3092,9 @@
           </a:lstStyle>
           <a:p>
             <a:r>
-              <a:rPr lang="en-US" smtClean="0"/>
+              <a:rPr lang="en-US"/>
               <a:t>Click to edit Master title style</a:t>
             </a:r>
-            <a:endParaRPr lang="en-US"/>
           </a:p>
         </p:txBody>
       </p:sp>
@@ -3186,38 +3148,37 @@
           <a:p>
             <a:pPr lvl="0"/>
             <a:r>
-              <a:rPr lang="en-US" smtClean="0"/>
+              <a:rPr lang="en-US"/>
               <a:t>Click to edit Master text styles</a:t>
             </a:r>
           </a:p>
           <a:p>
             <a:pPr lvl="1"/>
             <a:r>
-              <a:rPr lang="en-US" smtClean="0"/>
+              <a:rPr lang="en-US"/>
               <a:t>Second level</a:t>
             </a:r>
           </a:p>
           <a:p>
             <a:pPr lvl="2"/>
             <a:r>
-              <a:rPr lang="en-US" smtClean="0"/>
+              <a:rPr lang="en-US"/>
               <a:t>Third level</a:t>
             </a:r>
           </a:p>
           <a:p>
             <a:pPr lvl="3"/>
             <a:r>
-              <a:rPr lang="en-US" smtClean="0"/>
+              <a:rPr lang="en-US"/>
               <a:t>Fourth level</a:t>
             </a:r>
           </a:p>
           <a:p>
             <a:pPr lvl="4"/>
             <a:r>
-              <a:rPr lang="en-US" smtClean="0"/>
+              <a:rPr lang="en-US"/>
               <a:t>Fifth level</a:t>
             </a:r>
-            <a:endParaRPr lang="en-US"/>
           </a:p>
         </p:txBody>
       </p:sp>
@@ -3280,7 +3241,7 @@
           <a:p>
             <a:pPr lvl="0"/>
             <a:r>
-              <a:rPr lang="en-US" smtClean="0"/>
+              <a:rPr lang="en-US"/>
               <a:t>Click to edit Master text styles</a:t>
             </a:r>
           </a:p>
@@ -3341,10 +3302,9 @@
           </a:lstStyle>
           <a:p>
             <a:r>
-              <a:rPr lang="en-US" smtClean="0"/>
+              <a:rPr lang="en-US"/>
               <a:t>Click to edit Master title style</a:t>
             </a:r>
-            <a:endParaRPr lang="en-US"/>
           </a:p>
         </p:txBody>
       </p:sp>
@@ -3407,10 +3367,9 @@
           <a:p>
             <a:pPr lvl="0"/>
             <a:r>
-              <a:rPr lang="en-US" noProof="0" smtClean="0"/>
+              <a:rPr lang="en-US" noProof="0"/>
               <a:t>Click icon to add picture</a:t>
             </a:r>
-            <a:endParaRPr lang="en-US" noProof="0"/>
           </a:p>
         </p:txBody>
       </p:sp>
@@ -3473,7 +3432,7 @@
           <a:p>
             <a:pPr lvl="0"/>
             <a:r>
-              <a:rPr lang="en-US" smtClean="0"/>
+              <a:rPr lang="en-US"/>
               <a:t>Click to edit Master text styles</a:t>
             </a:r>
           </a:p>
@@ -3525,10 +3484,9 @@
           <a:lstStyle/>
           <a:p>
             <a:r>
-              <a:rPr lang="en-US" smtClean="0"/>
+              <a:rPr lang="en-US"/>
               <a:t>Click to edit Master title style</a:t>
             </a:r>
-            <a:endParaRPr lang="en-US"/>
           </a:p>
         </p:txBody>
       </p:sp>
@@ -3549,38 +3507,37 @@
           <a:p>
             <a:pPr lvl="0"/>
             <a:r>
-              <a:rPr lang="en-US" smtClean="0"/>
+              <a:rPr lang="en-US"/>
               <a:t>Click to edit Master text styles</a:t>
             </a:r>
           </a:p>
           <a:p>
             <a:pPr lvl="1"/>
             <a:r>
-              <a:rPr lang="en-US" smtClean="0"/>
+              <a:rPr lang="en-US"/>
               <a:t>Second level</a:t>
             </a:r>
           </a:p>
           <a:p>
             <a:pPr lvl="2"/>
             <a:r>
-              <a:rPr lang="en-US" smtClean="0"/>
+              <a:rPr lang="en-US"/>
               <a:t>Third level</a:t>
             </a:r>
           </a:p>
           <a:p>
             <a:pPr lvl="3"/>
             <a:r>
-              <a:rPr lang="en-US" smtClean="0"/>
+              <a:rPr lang="en-US"/>
               <a:t>Fourth level</a:t>
             </a:r>
           </a:p>
           <a:p>
             <a:pPr lvl="4"/>
             <a:r>
-              <a:rPr lang="en-US" smtClean="0"/>
+              <a:rPr lang="en-US"/>
               <a:t>Fifth level</a:t>
             </a:r>
-            <a:endParaRPr lang="en-US"/>
           </a:p>
         </p:txBody>
       </p:sp>
@@ -3635,10 +3592,9 @@
           <a:lstStyle/>
           <a:p>
             <a:r>
-              <a:rPr lang="en-US" smtClean="0"/>
+              <a:rPr lang="en-US"/>
               <a:t>Click to edit Master title style</a:t>
             </a:r>
-            <a:endParaRPr lang="en-US"/>
           </a:p>
         </p:txBody>
       </p:sp>
@@ -3664,38 +3620,37 @@
           <a:p>
             <a:pPr lvl="0"/>
             <a:r>
-              <a:rPr lang="en-US" smtClean="0"/>
+              <a:rPr lang="en-US"/>
               <a:t>Click to edit Master text styles</a:t>
             </a:r>
           </a:p>
           <a:p>
             <a:pPr lvl="1"/>
             <a:r>
-              <a:rPr lang="en-US" smtClean="0"/>
+              <a:rPr lang="en-US"/>
               <a:t>Second level</a:t>
             </a:r>
           </a:p>
           <a:p>
             <a:pPr lvl="2"/>
             <a:r>
-              <a:rPr lang="en-US" smtClean="0"/>
+              <a:rPr lang="en-US"/>
               <a:t>Third level</a:t>
             </a:r>
           </a:p>
           <a:p>
             <a:pPr lvl="3"/>
             <a:r>
-              <a:rPr lang="en-US" smtClean="0"/>
+              <a:rPr lang="en-US"/>
               <a:t>Fourth level</a:t>
             </a:r>
           </a:p>
           <a:p>
             <a:pPr lvl="4"/>
             <a:r>
-              <a:rPr lang="en-US" smtClean="0"/>
+              <a:rPr lang="en-US"/>
               <a:t>Fifth level</a:t>
             </a:r>
-            <a:endParaRPr lang="en-US"/>
           </a:p>
         </p:txBody>
       </p:sp>
@@ -3750,10 +3705,9 @@
           <a:lstStyle/>
           <a:p>
             <a:r>
-              <a:rPr lang="en-US" smtClean="0"/>
+              <a:rPr lang="en-US"/>
               <a:t>Click to edit Master title style</a:t>
             </a:r>
-            <a:endParaRPr lang="en-US"/>
           </a:p>
         </p:txBody>
       </p:sp>
@@ -3779,38 +3733,37 @@
           <a:p>
             <a:pPr lvl="0"/>
             <a:r>
-              <a:rPr lang="en-US" smtClean="0"/>
+              <a:rPr lang="en-US"/>
               <a:t>Click to edit Master text styles</a:t>
             </a:r>
           </a:p>
           <a:p>
             <a:pPr lvl="1"/>
             <a:r>
-              <a:rPr lang="en-US" smtClean="0"/>
+              <a:rPr lang="en-US"/>
               <a:t>Second level</a:t>
             </a:r>
           </a:p>
           <a:p>
             <a:pPr lvl="2"/>
             <a:r>
-              <a:rPr lang="en-US" smtClean="0"/>
+              <a:rPr lang="en-US"/>
               <a:t>Third level</a:t>
             </a:r>
           </a:p>
           <a:p>
             <a:pPr lvl="3"/>
             <a:r>
-              <a:rPr lang="en-US" smtClean="0"/>
+              <a:rPr lang="en-US"/>
               <a:t>Fourth level</a:t>
             </a:r>
           </a:p>
           <a:p>
             <a:pPr lvl="4"/>
             <a:r>
-              <a:rPr lang="en-US" smtClean="0"/>
+              <a:rPr lang="en-US"/>
               <a:t>Fifth level</a:t>
             </a:r>
-            <a:endParaRPr lang="en-US"/>
           </a:p>
         </p:txBody>
       </p:sp>
@@ -3836,38 +3789,37 @@
           <a:p>
             <a:pPr lvl="0"/>
             <a:r>
-              <a:rPr lang="en-US" smtClean="0"/>
+              <a:rPr lang="en-US"/>
               <a:t>Click to edit Master text styles</a:t>
             </a:r>
           </a:p>
           <a:p>
             <a:pPr lvl="1"/>
             <a:r>
-              <a:rPr lang="en-US" smtClean="0"/>
+              <a:rPr lang="en-US"/>
               <a:t>Second level</a:t>
             </a:r>
           </a:p>
           <a:p>
             <a:pPr lvl="2"/>
             <a:r>
-              <a:rPr lang="en-US" smtClean="0"/>
+              <a:rPr lang="en-US"/>
               <a:t>Third level</a:t>
             </a:r>
           </a:p>
           <a:p>
             <a:pPr lvl="3"/>
             <a:r>
-              <a:rPr lang="en-US" smtClean="0"/>
+              <a:rPr lang="en-US"/>
               <a:t>Fourth level</a:t>
             </a:r>
           </a:p>
           <a:p>
             <a:pPr lvl="4"/>
             <a:r>
-              <a:rPr lang="en-US" smtClean="0"/>
+              <a:rPr lang="en-US"/>
               <a:t>Fifth level</a:t>
             </a:r>
-            <a:endParaRPr lang="en-US"/>
           </a:p>
         </p:txBody>
       </p:sp>
@@ -3922,10 +3874,9 @@
           <a:lstStyle/>
           <a:p>
             <a:r>
-              <a:rPr lang="en-US" smtClean="0"/>
+              <a:rPr lang="en-US"/>
               <a:t>Click to edit Master title style</a:t>
             </a:r>
-            <a:endParaRPr lang="en-US"/>
           </a:p>
         </p:txBody>
       </p:sp>
@@ -3951,10 +3902,9 @@
           <a:p>
             <a:pPr lvl="0"/>
             <a:r>
-              <a:rPr lang="en-US" noProof="0" smtClean="0"/>
+              <a:rPr lang="en-US" noProof="0"/>
               <a:t>Click icon to add table</a:t>
             </a:r>
-            <a:endParaRPr lang="en-US" noProof="0"/>
           </a:p>
         </p:txBody>
       </p:sp>
@@ -4621,7 +4571,7 @@
           </a:lstStyle>
           <a:p>
             <a:r>
-              <a:rPr lang="en-US" smtClean="0"/>
+              <a:rPr lang="en-US"/>
               <a:t>Click to edit Master title style</a:t>
             </a:r>
             <a:endParaRPr lang="en-US" dirty="0"/>
@@ -4741,7 +4691,7 @@
           </a:lstStyle>
           <a:p>
             <a:r>
-              <a:rPr lang="en-US" smtClean="0"/>
+              <a:rPr lang="en-US"/>
               <a:t>Click to edit Master subtitle style</a:t>
             </a:r>
             <a:endParaRPr lang="en-US" dirty="0"/>
@@ -4766,7 +4716,7 @@
             <a:fld id="{B61BEF0D-F0BB-DE4B-95CE-6DB70DBA9567}" type="datetimeFigureOut">
               <a:rPr lang="en-US" dirty="0"/>
               <a:pPr/>
-              <a:t>2/8/2019</a:t>
+              <a:t>2/11/2019</a:t>
             </a:fld>
             <a:endParaRPr lang="en-US" dirty="0"/>
           </a:p>
@@ -4861,7 +4811,7 @@
           <a:lstStyle/>
           <a:p>
             <a:r>
-              <a:rPr lang="en-US" smtClean="0"/>
+              <a:rPr lang="en-US"/>
               <a:t>Click to edit Master title style</a:t>
             </a:r>
             <a:endParaRPr lang="en-US" dirty="0"/>
@@ -4885,35 +4835,35 @@
           <a:p>
             <a:pPr lvl="0"/>
             <a:r>
-              <a:rPr lang="en-US" smtClean="0"/>
+              <a:rPr lang="en-US"/>
               <a:t>Edit Master text styles</a:t>
             </a:r>
           </a:p>
           <a:p>
             <a:pPr lvl="1"/>
             <a:r>
-              <a:rPr lang="en-US" smtClean="0"/>
+              <a:rPr lang="en-US"/>
               <a:t>Second level</a:t>
             </a:r>
           </a:p>
           <a:p>
             <a:pPr lvl="2"/>
             <a:r>
-              <a:rPr lang="en-US" smtClean="0"/>
+              <a:rPr lang="en-US"/>
               <a:t>Third level</a:t>
             </a:r>
           </a:p>
           <a:p>
             <a:pPr lvl="3"/>
             <a:r>
-              <a:rPr lang="en-US" smtClean="0"/>
+              <a:rPr lang="en-US"/>
               <a:t>Fourth level</a:t>
             </a:r>
           </a:p>
           <a:p>
             <a:pPr lvl="4"/>
             <a:r>
-              <a:rPr lang="en-US" smtClean="0"/>
+              <a:rPr lang="en-US"/>
               <a:t>Fifth level</a:t>
             </a:r>
             <a:endParaRPr lang="en-US" dirty="0"/>
@@ -4947,7 +4897,7 @@
               <a:pPr eaLnBrk="1" hangingPunct="1">
                 <a:defRPr/>
               </a:pPr>
-              <a:t>08/02/2019</a:t>
+              <a:t>11/02/2019</a:t>
             </a:fld>
             <a:endParaRPr kumimoji="0" lang="en-US" sz="1800">
               <a:solidFill>
@@ -5068,7 +5018,7 @@
           </a:lstStyle>
           <a:p>
             <a:r>
-              <a:rPr lang="en-US" smtClean="0"/>
+              <a:rPr lang="en-US"/>
               <a:t>Click to edit Master title style</a:t>
             </a:r>
             <a:endParaRPr lang="en-US" dirty="0"/>
@@ -5189,7 +5139,7 @@
           <a:p>
             <a:pPr lvl="0"/>
             <a:r>
-              <a:rPr lang="en-US" smtClean="0"/>
+              <a:rPr lang="en-US"/>
               <a:t>Edit Master text styles</a:t>
             </a:r>
           </a:p>
@@ -5222,7 +5172,7 @@
               <a:pPr eaLnBrk="1" hangingPunct="1">
                 <a:defRPr/>
               </a:pPr>
-              <a:t>08/02/2019</a:t>
+              <a:t>11/02/2019</a:t>
             </a:fld>
             <a:endParaRPr kumimoji="0" lang="en-US" sz="1800">
               <a:solidFill>
@@ -5343,10 +5293,9 @@
           </a:lstStyle>
           <a:p>
             <a:r>
-              <a:rPr lang="en-US" smtClean="0"/>
+              <a:rPr lang="en-US"/>
               <a:t>Click to edit Master title style</a:t>
             </a:r>
-            <a:endParaRPr lang="en-US"/>
           </a:p>
         </p:txBody>
       </p:sp>
@@ -5409,7 +5358,7 @@
           <a:p>
             <a:pPr lvl="0"/>
             <a:r>
-              <a:rPr lang="en-US" smtClean="0"/>
+              <a:rPr lang="en-US"/>
               <a:t>Click to edit Master text styles</a:t>
             </a:r>
           </a:p>
@@ -5466,7 +5415,7 @@
           <a:lstStyle/>
           <a:p>
             <a:r>
-              <a:rPr lang="en-US" smtClean="0"/>
+              <a:rPr lang="en-US"/>
               <a:t>Click to edit Master title style</a:t>
             </a:r>
             <a:endParaRPr lang="en-US" dirty="0"/>
@@ -5525,35 +5474,35 @@
           <a:p>
             <a:pPr lvl="0"/>
             <a:r>
-              <a:rPr lang="en-US" smtClean="0"/>
+              <a:rPr lang="en-US"/>
               <a:t>Edit Master text styles</a:t>
             </a:r>
           </a:p>
           <a:p>
             <a:pPr lvl="1"/>
             <a:r>
-              <a:rPr lang="en-US" smtClean="0"/>
+              <a:rPr lang="en-US"/>
               <a:t>Second level</a:t>
             </a:r>
           </a:p>
           <a:p>
             <a:pPr lvl="2"/>
             <a:r>
-              <a:rPr lang="en-US" smtClean="0"/>
+              <a:rPr lang="en-US"/>
               <a:t>Third level</a:t>
             </a:r>
           </a:p>
           <a:p>
             <a:pPr lvl="3"/>
             <a:r>
-              <a:rPr lang="en-US" smtClean="0"/>
+              <a:rPr lang="en-US"/>
               <a:t>Fourth level</a:t>
             </a:r>
           </a:p>
           <a:p>
             <a:pPr lvl="4"/>
             <a:r>
-              <a:rPr lang="en-US" smtClean="0"/>
+              <a:rPr lang="en-US"/>
               <a:t>Fifth level</a:t>
             </a:r>
             <a:endParaRPr lang="en-US" dirty="0"/>
@@ -5612,35 +5561,35 @@
           <a:p>
             <a:pPr lvl="0"/>
             <a:r>
-              <a:rPr lang="en-US" smtClean="0"/>
+              <a:rPr lang="en-US"/>
               <a:t>Edit Master text styles</a:t>
             </a:r>
           </a:p>
           <a:p>
             <a:pPr lvl="1"/>
             <a:r>
-              <a:rPr lang="en-US" smtClean="0"/>
+              <a:rPr lang="en-US"/>
               <a:t>Second level</a:t>
             </a:r>
           </a:p>
           <a:p>
             <a:pPr lvl="2"/>
             <a:r>
-              <a:rPr lang="en-US" smtClean="0"/>
+              <a:rPr lang="en-US"/>
               <a:t>Third level</a:t>
             </a:r>
           </a:p>
           <a:p>
             <a:pPr lvl="3"/>
             <a:r>
-              <a:rPr lang="en-US" smtClean="0"/>
+              <a:rPr lang="en-US"/>
               <a:t>Fourth level</a:t>
             </a:r>
           </a:p>
           <a:p>
             <a:pPr lvl="4"/>
             <a:r>
-              <a:rPr lang="en-US" smtClean="0"/>
+              <a:rPr lang="en-US"/>
               <a:t>Fifth level</a:t>
             </a:r>
             <a:endParaRPr lang="en-US" dirty="0"/>
@@ -5674,7 +5623,7 @@
               <a:pPr eaLnBrk="1" hangingPunct="1">
                 <a:defRPr/>
               </a:pPr>
-              <a:t>08/02/2019</a:t>
+              <a:t>11/02/2019</a:t>
             </a:fld>
             <a:endParaRPr kumimoji="0" lang="en-US" sz="1800">
               <a:solidFill>
@@ -5795,7 +5744,7 @@
           </a:lstStyle>
           <a:p>
             <a:r>
-              <a:rPr lang="en-US" smtClean="0"/>
+              <a:rPr lang="en-US"/>
               <a:t>Click to edit Master title style</a:t>
             </a:r>
             <a:endParaRPr lang="en-US" dirty="0"/>
@@ -5863,7 +5812,7 @@
           <a:p>
             <a:pPr lvl="0"/>
             <a:r>
-              <a:rPr lang="en-US" smtClean="0"/>
+              <a:rPr lang="en-US"/>
               <a:t>Edit Master text styles</a:t>
             </a:r>
           </a:p>
@@ -5893,35 +5842,35 @@
           <a:p>
             <a:pPr lvl="0"/>
             <a:r>
-              <a:rPr lang="en-US" smtClean="0"/>
+              <a:rPr lang="en-US"/>
               <a:t>Edit Master text styles</a:t>
             </a:r>
           </a:p>
           <a:p>
             <a:pPr lvl="1"/>
             <a:r>
-              <a:rPr lang="en-US" smtClean="0"/>
+              <a:rPr lang="en-US"/>
               <a:t>Second level</a:t>
             </a:r>
           </a:p>
           <a:p>
             <a:pPr lvl="2"/>
             <a:r>
-              <a:rPr lang="en-US" smtClean="0"/>
+              <a:rPr lang="en-US"/>
               <a:t>Third level</a:t>
             </a:r>
           </a:p>
           <a:p>
             <a:pPr lvl="3"/>
             <a:r>
-              <a:rPr lang="en-US" smtClean="0"/>
+              <a:rPr lang="en-US"/>
               <a:t>Fourth level</a:t>
             </a:r>
           </a:p>
           <a:p>
             <a:pPr lvl="4"/>
             <a:r>
-              <a:rPr lang="en-US" smtClean="0"/>
+              <a:rPr lang="en-US"/>
               <a:t>Fifth level</a:t>
             </a:r>
             <a:endParaRPr lang="en-US" dirty="0"/>
@@ -5989,7 +5938,7 @@
           <a:p>
             <a:pPr lvl="0"/>
             <a:r>
-              <a:rPr lang="en-US" smtClean="0"/>
+              <a:rPr lang="en-US"/>
               <a:t>Edit Master text styles</a:t>
             </a:r>
           </a:p>
@@ -6019,35 +5968,35 @@
           <a:p>
             <a:pPr lvl="0"/>
             <a:r>
-              <a:rPr lang="en-US" smtClean="0"/>
+              <a:rPr lang="en-US"/>
               <a:t>Edit Master text styles</a:t>
             </a:r>
           </a:p>
           <a:p>
             <a:pPr lvl="1"/>
             <a:r>
-              <a:rPr lang="en-US" smtClean="0"/>
+              <a:rPr lang="en-US"/>
               <a:t>Second level</a:t>
             </a:r>
           </a:p>
           <a:p>
             <a:pPr lvl="2"/>
             <a:r>
-              <a:rPr lang="en-US" smtClean="0"/>
+              <a:rPr lang="en-US"/>
               <a:t>Third level</a:t>
             </a:r>
           </a:p>
           <a:p>
             <a:pPr lvl="3"/>
             <a:r>
-              <a:rPr lang="en-US" smtClean="0"/>
+              <a:rPr lang="en-US"/>
               <a:t>Fourth level</a:t>
             </a:r>
           </a:p>
           <a:p>
             <a:pPr lvl="4"/>
             <a:r>
-              <a:rPr lang="en-US" smtClean="0"/>
+              <a:rPr lang="en-US"/>
               <a:t>Fifth level</a:t>
             </a:r>
             <a:endParaRPr lang="en-US" dirty="0"/>
@@ -6081,7 +6030,7 @@
               <a:pPr eaLnBrk="1" hangingPunct="1">
                 <a:defRPr/>
               </a:pPr>
-              <a:t>08/02/2019</a:t>
+              <a:t>11/02/2019</a:t>
             </a:fld>
             <a:endParaRPr kumimoji="0" lang="en-US" sz="1800">
               <a:solidFill>
@@ -6198,7 +6147,7 @@
           <a:lstStyle/>
           <a:p>
             <a:r>
-              <a:rPr lang="en-US" smtClean="0"/>
+              <a:rPr lang="en-US"/>
               <a:t>Click to edit Master title style</a:t>
             </a:r>
             <a:endParaRPr lang="en-US" dirty="0"/>
@@ -6232,7 +6181,7 @@
               <a:pPr eaLnBrk="1" hangingPunct="1">
                 <a:defRPr/>
               </a:pPr>
-              <a:t>08/02/2019</a:t>
+              <a:t>11/02/2019</a:t>
             </a:fld>
             <a:endParaRPr kumimoji="0" lang="en-US" sz="1800">
               <a:solidFill>
@@ -6355,7 +6304,7 @@
               <a:pPr eaLnBrk="1" hangingPunct="1">
                 <a:defRPr/>
               </a:pPr>
-              <a:t>08/02/2019</a:t>
+              <a:t>11/02/2019</a:t>
             </a:fld>
             <a:endParaRPr kumimoji="0" lang="en-US" sz="1800">
               <a:solidFill>
@@ -6485,7 +6434,7 @@
           </a:lstStyle>
           <a:p>
             <a:r>
-              <a:rPr lang="en-US" smtClean="0"/>
+              <a:rPr lang="en-US"/>
               <a:t>Click to edit Master title style</a:t>
             </a:r>
             <a:endParaRPr lang="en-US" dirty="0"/>
@@ -6516,35 +6465,35 @@
           <a:p>
             <a:pPr lvl="0"/>
             <a:r>
-              <a:rPr lang="en-US" smtClean="0"/>
+              <a:rPr lang="en-US"/>
               <a:t>Edit Master text styles</a:t>
             </a:r>
           </a:p>
           <a:p>
             <a:pPr lvl="1"/>
             <a:r>
-              <a:rPr lang="en-US" smtClean="0"/>
+              <a:rPr lang="en-US"/>
               <a:t>Second level</a:t>
             </a:r>
           </a:p>
           <a:p>
             <a:pPr lvl="2"/>
             <a:r>
-              <a:rPr lang="en-US" smtClean="0"/>
+              <a:rPr lang="en-US"/>
               <a:t>Third level</a:t>
             </a:r>
           </a:p>
           <a:p>
             <a:pPr lvl="3"/>
             <a:r>
-              <a:rPr lang="en-US" smtClean="0"/>
+              <a:rPr lang="en-US"/>
               <a:t>Fourth level</a:t>
             </a:r>
           </a:p>
           <a:p>
             <a:pPr lvl="4"/>
             <a:r>
-              <a:rPr lang="en-US" smtClean="0"/>
+              <a:rPr lang="en-US"/>
               <a:t>Fifth level</a:t>
             </a:r>
             <a:endParaRPr lang="en-US" dirty="0"/>
@@ -6612,7 +6561,7 @@
           <a:p>
             <a:pPr lvl="0"/>
             <a:r>
-              <a:rPr lang="en-US" smtClean="0"/>
+              <a:rPr lang="en-US"/>
               <a:t>Edit Master text styles</a:t>
             </a:r>
           </a:p>
@@ -6645,7 +6594,7 @@
               <a:pPr eaLnBrk="1" hangingPunct="1">
                 <a:defRPr/>
               </a:pPr>
-              <a:t>08/02/2019</a:t>
+              <a:t>11/02/2019</a:t>
             </a:fld>
             <a:endParaRPr kumimoji="0" lang="en-US" sz="1800">
               <a:solidFill>
@@ -6775,7 +6724,7 @@
           </a:lstStyle>
           <a:p>
             <a:r>
-              <a:rPr lang="en-US" smtClean="0"/>
+              <a:rPr lang="en-US"/>
               <a:t>Click to edit Master title style</a:t>
             </a:r>
             <a:endParaRPr lang="en-US" dirty="0"/>
@@ -6842,7 +6791,7 @@
           </a:lstStyle>
           <a:p>
             <a:r>
-              <a:rPr lang="en-US" smtClean="0"/>
+              <a:rPr lang="en-US"/>
               <a:t>Click icon to add picture</a:t>
             </a:r>
             <a:endParaRPr lang="en-US" dirty="0"/>
@@ -6910,7 +6859,7 @@
           <a:p>
             <a:pPr lvl="0"/>
             <a:r>
-              <a:rPr lang="en-US" smtClean="0"/>
+              <a:rPr lang="en-US"/>
               <a:t>Edit Master text styles</a:t>
             </a:r>
           </a:p>
@@ -6943,7 +6892,7 @@
               <a:pPr eaLnBrk="1" hangingPunct="1">
                 <a:defRPr/>
               </a:pPr>
-              <a:t>08/02/2019</a:t>
+              <a:t>11/02/2019</a:t>
             </a:fld>
             <a:endParaRPr kumimoji="0" lang="en-US" sz="1800">
               <a:solidFill>
@@ -7073,7 +7022,7 @@
           </a:lstStyle>
           <a:p>
             <a:r>
-              <a:rPr lang="en-US" smtClean="0"/>
+              <a:rPr lang="en-US"/>
               <a:t>Click to edit Master title style</a:t>
             </a:r>
             <a:endParaRPr lang="en-US" dirty="0"/>
@@ -7196,7 +7145,7 @@
           <a:p>
             <a:pPr lvl="0"/>
             <a:r>
-              <a:rPr lang="en-US" smtClean="0"/>
+              <a:rPr lang="en-US"/>
               <a:t>Edit Master text styles</a:t>
             </a:r>
           </a:p>
@@ -7220,7 +7169,7 @@
             <a:fld id="{B61BEF0D-F0BB-DE4B-95CE-6DB70DBA9567}" type="datetimeFigureOut">
               <a:rPr lang="en-US" dirty="0"/>
               <a:pPr/>
-              <a:t>2/8/2019</a:t>
+              <a:t>2/11/2019</a:t>
             </a:fld>
             <a:endParaRPr lang="en-US" dirty="0"/>
           </a:p>
@@ -7326,7 +7275,7 @@
           </a:lstStyle>
           <a:p>
             <a:r>
-              <a:rPr lang="en-US" smtClean="0"/>
+              <a:rPr lang="en-US"/>
               <a:t>Click to edit Master title style</a:t>
             </a:r>
             <a:endParaRPr lang="en-US" dirty="0"/>
@@ -7390,7 +7339,7 @@
           <a:p>
             <a:pPr lvl="0"/>
             <a:r>
-              <a:rPr lang="en-US" smtClean="0"/>
+              <a:rPr lang="en-US"/>
               <a:t>Edit Master text styles</a:t>
             </a:r>
           </a:p>
@@ -7512,7 +7461,7 @@
           <a:p>
             <a:pPr lvl="0"/>
             <a:r>
-              <a:rPr lang="en-US" smtClean="0"/>
+              <a:rPr lang="en-US"/>
               <a:t>Edit Master text styles</a:t>
             </a:r>
           </a:p>
@@ -7536,7 +7485,7 @@
             <a:fld id="{B61BEF0D-F0BB-DE4B-95CE-6DB70DBA9567}" type="datetimeFigureOut">
               <a:rPr lang="en-US" dirty="0"/>
               <a:pPr/>
-              <a:t>2/8/2019</a:t>
+              <a:t>2/11/2019</a:t>
             </a:fld>
             <a:endParaRPr lang="en-US" dirty="0"/>
           </a:p>
@@ -7724,7 +7673,7 @@
           </a:lstStyle>
           <a:p>
             <a:r>
-              <a:rPr lang="en-US" smtClean="0"/>
+              <a:rPr lang="en-US"/>
               <a:t>Click to edit Master title style</a:t>
             </a:r>
             <a:endParaRPr lang="en-US" dirty="0"/>
@@ -7847,7 +7796,7 @@
           <a:p>
             <a:pPr lvl="0"/>
             <a:r>
-              <a:rPr lang="en-US" smtClean="0"/>
+              <a:rPr lang="en-US"/>
               <a:t>Edit Master text styles</a:t>
             </a:r>
           </a:p>
@@ -7871,7 +7820,7 @@
             <a:fld id="{B61BEF0D-F0BB-DE4B-95CE-6DB70DBA9567}" type="datetimeFigureOut">
               <a:rPr lang="en-US" dirty="0"/>
               <a:pPr/>
-              <a:t>2/8/2019</a:t>
+              <a:t>2/11/2019</a:t>
             </a:fld>
             <a:endParaRPr lang="en-US" dirty="0"/>
           </a:p>
@@ -7977,7 +7926,7 @@
           </a:lstStyle>
           <a:p>
             <a:r>
-              <a:rPr lang="en-US" smtClean="0"/>
+              <a:rPr lang="en-US"/>
               <a:t>Click to edit Master title style</a:t>
             </a:r>
             <a:endParaRPr lang="en-US" dirty="0"/>
@@ -8041,7 +7990,7 @@
           <a:p>
             <a:pPr lvl="0"/>
             <a:r>
-              <a:rPr lang="en-US" smtClean="0"/>
+              <a:rPr lang="en-US"/>
               <a:t>Edit Master text styles</a:t>
             </a:r>
           </a:p>
@@ -8163,7 +8112,7 @@
           <a:p>
             <a:pPr lvl="0"/>
             <a:r>
-              <a:rPr lang="en-US" smtClean="0"/>
+              <a:rPr lang="en-US"/>
               <a:t>Edit Master text styles</a:t>
             </a:r>
           </a:p>
@@ -8187,7 +8136,7 @@
             <a:fld id="{B61BEF0D-F0BB-DE4B-95CE-6DB70DBA9567}" type="datetimeFigureOut">
               <a:rPr lang="en-US" dirty="0"/>
               <a:pPr/>
-              <a:t>2/8/2019</a:t>
+              <a:t>2/11/2019</a:t>
             </a:fld>
             <a:endParaRPr lang="en-US" dirty="0"/>
           </a:p>
@@ -8364,10 +8313,9 @@
           <a:lstStyle/>
           <a:p>
             <a:r>
-              <a:rPr lang="en-US" smtClean="0"/>
+              <a:rPr lang="en-US"/>
               <a:t>Click to edit Master title style</a:t>
             </a:r>
-            <a:endParaRPr lang="en-US"/>
           </a:p>
         </p:txBody>
       </p:sp>
@@ -8421,38 +8369,37 @@
           <a:p>
             <a:pPr lvl="0"/>
             <a:r>
-              <a:rPr lang="en-US" smtClean="0"/>
+              <a:rPr lang="en-US"/>
               <a:t>Click to edit Master text styles</a:t>
             </a:r>
           </a:p>
           <a:p>
             <a:pPr lvl="1"/>
             <a:r>
-              <a:rPr lang="en-US" smtClean="0"/>
+              <a:rPr lang="en-US"/>
               <a:t>Second level</a:t>
             </a:r>
           </a:p>
           <a:p>
             <a:pPr lvl="2"/>
             <a:r>
-              <a:rPr lang="en-US" smtClean="0"/>
+              <a:rPr lang="en-US"/>
               <a:t>Third level</a:t>
             </a:r>
           </a:p>
           <a:p>
             <a:pPr lvl="3"/>
             <a:r>
-              <a:rPr lang="en-US" smtClean="0"/>
+              <a:rPr lang="en-US"/>
               <a:t>Fourth level</a:t>
             </a:r>
           </a:p>
           <a:p>
             <a:pPr lvl="4"/>
             <a:r>
-              <a:rPr lang="en-US" smtClean="0"/>
+              <a:rPr lang="en-US"/>
               <a:t>Fifth level</a:t>
             </a:r>
-            <a:endParaRPr lang="en-US"/>
           </a:p>
         </p:txBody>
       </p:sp>
@@ -8506,38 +8453,37 @@
           <a:p>
             <a:pPr lvl="0"/>
             <a:r>
-              <a:rPr lang="en-US" smtClean="0"/>
+              <a:rPr lang="en-US"/>
               <a:t>Click to edit Master text styles</a:t>
             </a:r>
           </a:p>
           <a:p>
             <a:pPr lvl="1"/>
             <a:r>
-              <a:rPr lang="en-US" smtClean="0"/>
+              <a:rPr lang="en-US"/>
               <a:t>Second level</a:t>
             </a:r>
           </a:p>
           <a:p>
             <a:pPr lvl="2"/>
             <a:r>
-              <a:rPr lang="en-US" smtClean="0"/>
+              <a:rPr lang="en-US"/>
               <a:t>Third level</a:t>
             </a:r>
           </a:p>
           <a:p>
             <a:pPr lvl="3"/>
             <a:r>
-              <a:rPr lang="en-US" smtClean="0"/>
+              <a:rPr lang="en-US"/>
               <a:t>Fourth level</a:t>
             </a:r>
           </a:p>
           <a:p>
             <a:pPr lvl="4"/>
             <a:r>
-              <a:rPr lang="en-US" smtClean="0"/>
+              <a:rPr lang="en-US"/>
               <a:t>Fifth level</a:t>
             </a:r>
-            <a:endParaRPr lang="en-US"/>
           </a:p>
         </p:txBody>
       </p:sp>
@@ -8598,7 +8544,7 @@
           </a:lstStyle>
           <a:p>
             <a:r>
-              <a:rPr lang="en-US" smtClean="0"/>
+              <a:rPr lang="en-US"/>
               <a:t>Click to edit Master title style</a:t>
             </a:r>
             <a:endParaRPr lang="en-US" dirty="0"/>
@@ -8659,7 +8605,7 @@
           <a:p>
             <a:pPr lvl="0"/>
             <a:r>
-              <a:rPr lang="en-US" smtClean="0"/>
+              <a:rPr lang="en-US"/>
               <a:t>Edit Master text styles</a:t>
             </a:r>
           </a:p>
@@ -8781,7 +8727,7 @@
           <a:p>
             <a:pPr lvl="0"/>
             <a:r>
-              <a:rPr lang="en-US" smtClean="0"/>
+              <a:rPr lang="en-US"/>
               <a:t>Edit Master text styles</a:t>
             </a:r>
           </a:p>
@@ -8805,7 +8751,7 @@
             <a:fld id="{B61BEF0D-F0BB-DE4B-95CE-6DB70DBA9567}" type="datetimeFigureOut">
               <a:rPr lang="en-US" dirty="0"/>
               <a:pPr/>
-              <a:t>2/8/2019</a:t>
+              <a:t>2/11/2019</a:t>
             </a:fld>
             <a:endParaRPr lang="en-US" dirty="0"/>
           </a:p>
@@ -8900,7 +8846,7 @@
           <a:lstStyle/>
           <a:p>
             <a:r>
-              <a:rPr lang="en-US" smtClean="0"/>
+              <a:rPr lang="en-US"/>
               <a:t>Click to edit Master title style</a:t>
             </a:r>
             <a:endParaRPr lang="en-US" dirty="0"/>
@@ -8924,35 +8870,35 @@
           <a:p>
             <a:pPr lvl="0"/>
             <a:r>
-              <a:rPr lang="en-US" smtClean="0"/>
+              <a:rPr lang="en-US"/>
               <a:t>Edit Master text styles</a:t>
             </a:r>
           </a:p>
           <a:p>
             <a:pPr lvl="1"/>
             <a:r>
-              <a:rPr lang="en-US" smtClean="0"/>
+              <a:rPr lang="en-US"/>
               <a:t>Second level</a:t>
             </a:r>
           </a:p>
           <a:p>
             <a:pPr lvl="2"/>
             <a:r>
-              <a:rPr lang="en-US" smtClean="0"/>
+              <a:rPr lang="en-US"/>
               <a:t>Third level</a:t>
             </a:r>
           </a:p>
           <a:p>
             <a:pPr lvl="3"/>
             <a:r>
-              <a:rPr lang="en-US" smtClean="0"/>
+              <a:rPr lang="en-US"/>
               <a:t>Fourth level</a:t>
             </a:r>
           </a:p>
           <a:p>
             <a:pPr lvl="4"/>
             <a:r>
-              <a:rPr lang="en-US" smtClean="0"/>
+              <a:rPr lang="en-US"/>
               <a:t>Fifth level</a:t>
             </a:r>
             <a:endParaRPr lang="en-US" dirty="0"/>
@@ -8986,7 +8932,7 @@
               <a:pPr eaLnBrk="1" hangingPunct="1">
                 <a:defRPr/>
               </a:pPr>
-              <a:t>08/02/2019</a:t>
+              <a:t>11/02/2019</a:t>
             </a:fld>
             <a:endParaRPr kumimoji="0" lang="en-US" sz="1800">
               <a:solidFill>
@@ -9110,7 +9056,7 @@
           <a:lstStyle/>
           <a:p>
             <a:r>
-              <a:rPr lang="en-US" smtClean="0"/>
+              <a:rPr lang="en-US"/>
               <a:t>Click to edit Master title style</a:t>
             </a:r>
             <a:endParaRPr lang="en-US" dirty="0"/>
@@ -9139,35 +9085,35 @@
           <a:p>
             <a:pPr lvl="0"/>
             <a:r>
-              <a:rPr lang="en-US" smtClean="0"/>
+              <a:rPr lang="en-US"/>
               <a:t>Edit Master text styles</a:t>
             </a:r>
           </a:p>
           <a:p>
             <a:pPr lvl="1"/>
             <a:r>
-              <a:rPr lang="en-US" smtClean="0"/>
+              <a:rPr lang="en-US"/>
               <a:t>Second level</a:t>
             </a:r>
           </a:p>
           <a:p>
             <a:pPr lvl="2"/>
             <a:r>
-              <a:rPr lang="en-US" smtClean="0"/>
+              <a:rPr lang="en-US"/>
               <a:t>Third level</a:t>
             </a:r>
           </a:p>
           <a:p>
             <a:pPr lvl="3"/>
             <a:r>
-              <a:rPr lang="en-US" smtClean="0"/>
+              <a:rPr lang="en-US"/>
               <a:t>Fourth level</a:t>
             </a:r>
           </a:p>
           <a:p>
             <a:pPr lvl="4"/>
             <a:r>
-              <a:rPr lang="en-US" smtClean="0"/>
+              <a:rPr lang="en-US"/>
               <a:t>Fifth level</a:t>
             </a:r>
             <a:endParaRPr lang="en-US" dirty="0"/>
@@ -9201,7 +9147,7 @@
               <a:pPr eaLnBrk="1" hangingPunct="1">
                 <a:defRPr/>
               </a:pPr>
-              <a:t>08/02/2019</a:t>
+              <a:t>11/02/2019</a:t>
             </a:fld>
             <a:endParaRPr kumimoji="0" lang="en-US" sz="1800">
               <a:solidFill>
@@ -9474,7 +9420,7 @@
           </a:lstStyle>
           <a:p>
             <a:r>
-              <a:rPr lang="en-US" smtClean="0"/>
+              <a:rPr lang="en-US"/>
               <a:t>Click to edit Master subtitle style</a:t>
             </a:r>
             <a:endParaRPr lang="en-CA" dirty="0"/>
@@ -9544,7 +9490,7 @@
               <a:defRPr/>
             </a:pPr>
             <a:r>
-              <a:rPr lang="en-CA" sz="1400" i="1" dirty="0" smtClean="0">
+              <a:rPr lang="en-CA" sz="1400" i="1" dirty="0">
                 <a:solidFill>
                   <a:schemeClr val="accent2">
                     <a:lumMod val="50000"/>
@@ -9554,18 +9500,8 @@
               </a:rPr>
               <a:t>– Software Project Concepts –</a:t>
             </a:r>
-            <a:r>
-              <a:rPr lang="en-CA" sz="2800" i="1" dirty="0" smtClean="0">
-                <a:solidFill>
-                  <a:schemeClr val="accent2">
-                    <a:lumMod val="50000"/>
-                  </a:schemeClr>
-                </a:solidFill>
-              </a:rPr>
-              <a:t/>
-            </a:r>
             <a:br>
-              <a:rPr lang="en-CA" sz="2800" i="1" dirty="0" smtClean="0">
+              <a:rPr lang="en-CA" sz="2800" i="1" dirty="0">
                 <a:solidFill>
                   <a:schemeClr val="accent2">
                     <a:lumMod val="50000"/>
@@ -9574,7 +9510,7 @@
               </a:rPr>
             </a:br>
             <a:r>
-              <a:rPr lang="en-CA" sz="2000" dirty="0" smtClean="0">
+              <a:rPr lang="en-CA" sz="2000" dirty="0">
                 <a:solidFill>
                   <a:schemeClr val="accent2">
                     <a:lumMod val="50000"/>
@@ -9645,10 +9581,9 @@
           </a:lstStyle>
           <a:p>
             <a:r>
-              <a:rPr lang="en-US" smtClean="0"/>
+              <a:rPr lang="en-US"/>
               <a:t>Click to edit Master title style</a:t>
             </a:r>
-            <a:endParaRPr lang="en-US"/>
           </a:p>
         </p:txBody>
       </p:sp>
@@ -9711,7 +9646,7 @@
           <a:p>
             <a:pPr lvl="0"/>
             <a:r>
-              <a:rPr lang="en-US" smtClean="0"/>
+              <a:rPr lang="en-US"/>
               <a:t>Click to edit Master text styles</a:t>
             </a:r>
           </a:p>
@@ -9767,35 +9702,35 @@
           <a:p>
             <a:pPr lvl="0"/>
             <a:r>
-              <a:rPr lang="en-US" smtClean="0"/>
+              <a:rPr lang="en-US"/>
               <a:t>Click to edit Master text styles</a:t>
             </a:r>
           </a:p>
           <a:p>
             <a:pPr lvl="1"/>
             <a:r>
-              <a:rPr lang="en-US" smtClean="0"/>
+              <a:rPr lang="en-US"/>
               <a:t>Second level</a:t>
             </a:r>
           </a:p>
           <a:p>
             <a:pPr lvl="2"/>
             <a:r>
-              <a:rPr lang="en-US" smtClean="0"/>
+              <a:rPr lang="en-US"/>
               <a:t>Third level</a:t>
             </a:r>
           </a:p>
           <a:p>
             <a:pPr lvl="3"/>
             <a:r>
-              <a:rPr lang="en-US" smtClean="0"/>
+              <a:rPr lang="en-US"/>
               <a:t>Fourth level</a:t>
             </a:r>
           </a:p>
           <a:p>
             <a:pPr lvl="4"/>
             <a:r>
-              <a:rPr lang="en-US" smtClean="0"/>
+              <a:rPr lang="en-US"/>
               <a:t>Fifth level</a:t>
             </a:r>
             <a:endParaRPr lang="en-US" dirty="0"/>
@@ -9861,7 +9796,7 @@
           <a:p>
             <a:pPr lvl="0"/>
             <a:r>
-              <a:rPr lang="en-US" smtClean="0"/>
+              <a:rPr lang="en-US"/>
               <a:t>Click to edit Master text styles</a:t>
             </a:r>
           </a:p>
@@ -9917,35 +9852,35 @@
           <a:p>
             <a:pPr lvl="0"/>
             <a:r>
-              <a:rPr lang="en-US" smtClean="0"/>
+              <a:rPr lang="en-US"/>
               <a:t>Click to edit Master text styles</a:t>
             </a:r>
           </a:p>
           <a:p>
             <a:pPr lvl="1"/>
             <a:r>
-              <a:rPr lang="en-US" smtClean="0"/>
+              <a:rPr lang="en-US"/>
               <a:t>Second level</a:t>
             </a:r>
           </a:p>
           <a:p>
             <a:pPr lvl="2"/>
             <a:r>
-              <a:rPr lang="en-US" smtClean="0"/>
+              <a:rPr lang="en-US"/>
               <a:t>Third level</a:t>
             </a:r>
           </a:p>
           <a:p>
             <a:pPr lvl="3"/>
             <a:r>
-              <a:rPr lang="en-US" smtClean="0"/>
+              <a:rPr lang="en-US"/>
               <a:t>Fourth level</a:t>
             </a:r>
           </a:p>
           <a:p>
             <a:pPr lvl="4"/>
             <a:r>
-              <a:rPr lang="en-US" smtClean="0"/>
+              <a:rPr lang="en-US"/>
               <a:t>Fifth level</a:t>
             </a:r>
             <a:endParaRPr lang="en-US" dirty="0"/>
@@ -9998,10 +9933,9 @@
           <a:lstStyle/>
           <a:p>
             <a:r>
-              <a:rPr lang="en-US" smtClean="0"/>
+              <a:rPr lang="en-US"/>
               <a:t>Click to edit Master title style</a:t>
             </a:r>
-            <a:endParaRPr lang="en-US"/>
           </a:p>
         </p:txBody>
       </p:sp>
@@ -10090,10 +10024,9 @@
           </a:lstStyle>
           <a:p>
             <a:r>
-              <a:rPr lang="en-US" smtClean="0"/>
+              <a:rPr lang="en-US"/>
               <a:t>Click to edit Master title style</a:t>
             </a:r>
-            <a:endParaRPr lang="en-US"/>
           </a:p>
         </p:txBody>
       </p:sp>
@@ -10147,38 +10080,37 @@
           <a:p>
             <a:pPr lvl="0"/>
             <a:r>
-              <a:rPr lang="en-US" smtClean="0"/>
+              <a:rPr lang="en-US"/>
               <a:t>Click to edit Master text styles</a:t>
             </a:r>
           </a:p>
           <a:p>
             <a:pPr lvl="1"/>
             <a:r>
-              <a:rPr lang="en-US" smtClean="0"/>
+              <a:rPr lang="en-US"/>
               <a:t>Second level</a:t>
             </a:r>
           </a:p>
           <a:p>
             <a:pPr lvl="2"/>
             <a:r>
-              <a:rPr lang="en-US" smtClean="0"/>
+              <a:rPr lang="en-US"/>
               <a:t>Third level</a:t>
             </a:r>
           </a:p>
           <a:p>
             <a:pPr lvl="3"/>
             <a:r>
-              <a:rPr lang="en-US" smtClean="0"/>
+              <a:rPr lang="en-US"/>
               <a:t>Fourth level</a:t>
             </a:r>
           </a:p>
           <a:p>
             <a:pPr lvl="4"/>
             <a:r>
-              <a:rPr lang="en-US" smtClean="0"/>
+              <a:rPr lang="en-US"/>
               <a:t>Fifth level</a:t>
             </a:r>
-            <a:endParaRPr lang="en-US"/>
           </a:p>
         </p:txBody>
       </p:sp>
@@ -10241,7 +10173,7 @@
           <a:p>
             <a:pPr lvl="0"/>
             <a:r>
-              <a:rPr lang="en-US" smtClean="0"/>
+              <a:rPr lang="en-US"/>
               <a:t>Click to edit Master text styles</a:t>
             </a:r>
           </a:p>
@@ -10302,10 +10234,9 @@
           </a:lstStyle>
           <a:p>
             <a:r>
-              <a:rPr lang="en-US" smtClean="0"/>
+              <a:rPr lang="en-US"/>
               <a:t>Click to edit Master title style</a:t>
             </a:r>
-            <a:endParaRPr lang="en-US"/>
           </a:p>
         </p:txBody>
       </p:sp>
@@ -10368,10 +10299,9 @@
           <a:p>
             <a:pPr lvl="0"/>
             <a:r>
-              <a:rPr lang="en-US" noProof="0" smtClean="0"/>
+              <a:rPr lang="en-US" noProof="0"/>
               <a:t>Click icon to add picture</a:t>
             </a:r>
-            <a:endParaRPr lang="en-US" noProof="0"/>
           </a:p>
         </p:txBody>
       </p:sp>
@@ -10434,7 +10364,7 @@
           <a:p>
             <a:pPr lvl="0"/>
             <a:r>
-              <a:rPr lang="en-US" smtClean="0"/>
+              <a:rPr lang="en-US"/>
               <a:t>Click to edit Master text styles</a:t>
             </a:r>
           </a:p>
@@ -10514,38 +10444,38 @@
           <a:p>
             <a:pPr lvl="0"/>
             <a:r>
-              <a:rPr lang="en-US" smtClean="0"/>
+              <a:rPr lang="en-US"/>
               <a:t>Click to edit Master text styles</a:t>
             </a:r>
           </a:p>
           <a:p>
             <a:pPr lvl="1"/>
             <a:r>
-              <a:rPr lang="en-US" smtClean="0"/>
+              <a:rPr lang="en-US"/>
               <a:t>Second level</a:t>
             </a:r>
           </a:p>
           <a:p>
             <a:pPr lvl="2"/>
             <a:r>
-              <a:rPr lang="en-US" smtClean="0"/>
+              <a:rPr lang="en-US"/>
               <a:t>Third level</a:t>
             </a:r>
           </a:p>
           <a:p>
             <a:pPr lvl="3"/>
             <a:r>
-              <a:rPr lang="en-US" smtClean="0"/>
+              <a:rPr lang="en-US"/>
               <a:t>Fourth level</a:t>
             </a:r>
           </a:p>
           <a:p>
             <a:pPr lvl="4"/>
             <a:r>
-              <a:rPr lang="en-US" smtClean="0"/>
+              <a:rPr lang="en-US"/>
               <a:t>Fifth level</a:t>
             </a:r>
-            <a:endParaRPr lang="en-CA" smtClean="0"/>
+            <a:endParaRPr lang="en-CA"/>
           </a:p>
         </p:txBody>
       </p:sp>
@@ -10705,10 +10635,10 @@
           <a:p>
             <a:pPr lvl="0"/>
             <a:r>
-              <a:rPr lang="en-US" smtClean="0"/>
+              <a:rPr lang="en-US"/>
               <a:t>Click to edit Master title style</a:t>
             </a:r>
-            <a:endParaRPr lang="en-CA" smtClean="0"/>
+            <a:endParaRPr lang="en-CA"/>
           </a:p>
         </p:txBody>
       </p:sp>
@@ -10819,7 +10749,7 @@
               <a:defRPr/>
             </a:pPr>
             <a:r>
-              <a:rPr lang="en-CA" sz="1400" i="1" dirty="0" smtClean="0">
+              <a:rPr lang="en-CA" sz="1400" i="1" dirty="0">
                 <a:solidFill>
                   <a:srgbClr val="333399">
                     <a:lumMod val="50000"/>
@@ -10829,18 +10759,8 @@
               </a:rPr>
               <a:t>– Software Project Concepts –</a:t>
             </a:r>
-            <a:r>
-              <a:rPr lang="en-CA" sz="2800" i="1" dirty="0" smtClean="0">
-                <a:solidFill>
-                  <a:srgbClr val="333399">
-                    <a:lumMod val="50000"/>
-                  </a:srgbClr>
-                </a:solidFill>
-              </a:rPr>
-              <a:t/>
-            </a:r>
             <a:br>
-              <a:rPr lang="en-CA" sz="2800" i="1" dirty="0" smtClean="0">
+              <a:rPr lang="en-CA" sz="2800" i="1" dirty="0">
                 <a:solidFill>
                   <a:srgbClr val="333399">
                     <a:lumMod val="50000"/>
@@ -10849,7 +10769,7 @@
               </a:rPr>
             </a:br>
             <a:r>
-              <a:rPr lang="en-CA" sz="2000" dirty="0" smtClean="0">
+              <a:rPr lang="en-CA" sz="2000" dirty="0">
                 <a:solidFill>
                   <a:srgbClr val="333399">
                     <a:lumMod val="50000"/>
@@ -11323,38 +11243,38 @@
           <a:p>
             <a:pPr lvl="0"/>
             <a:r>
-              <a:rPr lang="en-US" smtClean="0"/>
+              <a:rPr lang="en-US"/>
               <a:t>Click to edit Master text styles</a:t>
             </a:r>
           </a:p>
           <a:p>
             <a:pPr lvl="1"/>
             <a:r>
-              <a:rPr lang="en-US" smtClean="0"/>
+              <a:rPr lang="en-US"/>
               <a:t>Second level</a:t>
             </a:r>
           </a:p>
           <a:p>
             <a:pPr lvl="2"/>
             <a:r>
-              <a:rPr lang="en-US" smtClean="0"/>
+              <a:rPr lang="en-US"/>
               <a:t>Third level</a:t>
             </a:r>
           </a:p>
           <a:p>
             <a:pPr lvl="3"/>
             <a:r>
-              <a:rPr lang="en-US" smtClean="0"/>
+              <a:rPr lang="en-US"/>
               <a:t>Fourth level</a:t>
             </a:r>
           </a:p>
           <a:p>
             <a:pPr lvl="4"/>
             <a:r>
-              <a:rPr lang="en-US" smtClean="0"/>
+              <a:rPr lang="en-US"/>
               <a:t>Fifth level</a:t>
             </a:r>
-            <a:endParaRPr lang="en-CA" smtClean="0"/>
+            <a:endParaRPr lang="en-CA"/>
           </a:p>
         </p:txBody>
       </p:sp>
@@ -11514,10 +11434,10 @@
           <a:p>
             <a:pPr lvl="0"/>
             <a:r>
-              <a:rPr lang="en-US" smtClean="0"/>
+              <a:rPr lang="en-US"/>
               <a:t>Click to edit Master title style</a:t>
             </a:r>
-            <a:endParaRPr lang="en-CA" smtClean="0"/>
+            <a:endParaRPr lang="en-CA"/>
           </a:p>
         </p:txBody>
       </p:sp>
@@ -11628,7 +11548,7 @@
               <a:defRPr/>
             </a:pPr>
             <a:r>
-              <a:rPr lang="en-CA" sz="1400" i="1" dirty="0" smtClean="0">
+              <a:rPr lang="en-CA" sz="1400" i="1" dirty="0">
                 <a:solidFill>
                   <a:srgbClr val="333399">
                     <a:lumMod val="50000"/>
@@ -11638,18 +11558,8 @@
               </a:rPr>
               <a:t>– Software Project Concepts –</a:t>
             </a:r>
-            <a:r>
-              <a:rPr lang="en-CA" sz="2800" i="1" dirty="0" smtClean="0">
-                <a:solidFill>
-                  <a:srgbClr val="333399">
-                    <a:lumMod val="50000"/>
-                  </a:srgbClr>
-                </a:solidFill>
-              </a:rPr>
-              <a:t/>
-            </a:r>
             <a:br>
-              <a:rPr lang="en-CA" sz="2800" i="1" dirty="0" smtClean="0">
+              <a:rPr lang="en-CA" sz="2800" i="1" dirty="0">
                 <a:solidFill>
                   <a:srgbClr val="333399">
                     <a:lumMod val="50000"/>
@@ -11658,7 +11568,7 @@
               </a:rPr>
             </a:br>
             <a:r>
-              <a:rPr lang="en-CA" sz="2000" dirty="0" smtClean="0">
+              <a:rPr lang="en-CA" sz="2000" dirty="0">
                 <a:solidFill>
                   <a:srgbClr val="333399">
                     <a:lumMod val="50000"/>
@@ -12720,7 +12630,7 @@
           <a:lstStyle/>
           <a:p>
             <a:r>
-              <a:rPr lang="en-US" smtClean="0"/>
+              <a:rPr lang="en-US"/>
               <a:t>Click to edit Master title style</a:t>
             </a:r>
             <a:endParaRPr lang="en-US" dirty="0"/>
@@ -12754,35 +12664,35 @@
           <a:p>
             <a:pPr lvl="0"/>
             <a:r>
-              <a:rPr lang="en-US" smtClean="0"/>
+              <a:rPr lang="en-US"/>
               <a:t>Edit Master text styles</a:t>
             </a:r>
           </a:p>
           <a:p>
             <a:pPr lvl="1"/>
             <a:r>
-              <a:rPr lang="en-US" smtClean="0"/>
+              <a:rPr lang="en-US"/>
               <a:t>Second level</a:t>
             </a:r>
           </a:p>
           <a:p>
             <a:pPr lvl="2"/>
             <a:r>
-              <a:rPr lang="en-US" smtClean="0"/>
+              <a:rPr lang="en-US"/>
               <a:t>Third level</a:t>
             </a:r>
           </a:p>
           <a:p>
             <a:pPr lvl="3"/>
             <a:r>
-              <a:rPr lang="en-US" smtClean="0"/>
+              <a:rPr lang="en-US"/>
               <a:t>Fourth level</a:t>
             </a:r>
           </a:p>
           <a:p>
             <a:pPr lvl="4"/>
             <a:r>
-              <a:rPr lang="en-US" smtClean="0"/>
+              <a:rPr lang="en-US"/>
               <a:t>Fifth level</a:t>
             </a:r>
             <a:endParaRPr lang="en-US" dirty="0"/>
@@ -12825,7 +12735,7 @@
             <a:fld id="{B61BEF0D-F0BB-DE4B-95CE-6DB70DBA9567}" type="datetimeFigureOut">
               <a:rPr lang="en-US" dirty="0"/>
               <a:pPr/>
-              <a:t>2/8/2019</a:t>
+              <a:t>2/11/2019</a:t>
             </a:fld>
             <a:endParaRPr lang="en-US" dirty="0"/>
           </a:p>
@@ -13368,29 +13278,25 @@
           <a:p>
             <a:pPr eaLnBrk="1" hangingPunct="1"/>
             <a:r>
-              <a:rPr lang="en-US" dirty="0" smtClean="0"/>
+              <a:rPr lang="en-US" dirty="0"/>
               <a:t>PROJ 216</a:t>
             </a:r>
-            <a:r>
-              <a:rPr lang="en-US" b="0" dirty="0" smtClean="0"/>
-              <a:t/>
-            </a:r>
             <a:br>
-              <a:rPr lang="en-US" b="0" dirty="0" smtClean="0"/>
+              <a:rPr lang="en-US" b="0" dirty="0"/>
             </a:br>
             <a:r>
-              <a:rPr lang="en-US" dirty="0" smtClean="0"/>
+              <a:rPr lang="en-US" dirty="0"/>
               <a:t>Software Project Concepts</a:t>
             </a:r>
           </a:p>
           <a:p>
             <a:pPr eaLnBrk="1" hangingPunct="1"/>
-            <a:endParaRPr lang="en-US" dirty="0" smtClean="0"/>
+            <a:endParaRPr lang="en-US" dirty="0"/>
           </a:p>
           <a:p>
             <a:pPr eaLnBrk="1" hangingPunct="1"/>
             <a:r>
-              <a:rPr lang="en-CA" dirty="0" smtClean="0"/>
+              <a:rPr lang="en-CA" dirty="0"/>
               <a:t>Day 2</a:t>
             </a:r>
           </a:p>
@@ -13401,13 +13307,6 @@
   <p:clrMapOvr>
     <a:masterClrMapping/>
   </p:clrMapOvr>
-  <p:timing>
-    <p:tnLst>
-      <p:par>
-        <p:cTn id="1" dur="indefinite" restart="never" nodeType="tmRoot"/>
-      </p:par>
-    </p:tnLst>
-  </p:timing>
 </p:sld>
 </file>
 
@@ -13450,7 +13349,7 @@
           <a:p>
             <a:pPr eaLnBrk="1" hangingPunct="1"/>
             <a:r>
-              <a:rPr lang="en-CA" smtClean="0"/>
+              <a:rPr lang="en-CA"/>
               <a:t>The Project Plan</a:t>
             </a:r>
           </a:p>
@@ -13480,7 +13379,7 @@
               <a:defRPr/>
             </a:pPr>
             <a:r>
-              <a:rPr lang="en-US" dirty="0" smtClean="0"/>
+              <a:rPr lang="en-US" dirty="0"/>
               <a:t>Blueprint for the project</a:t>
             </a:r>
           </a:p>
@@ -13489,16 +13388,8 @@
               <a:defRPr/>
             </a:pPr>
             <a:r>
-              <a:rPr lang="en-US" dirty="0" smtClean="0"/>
-              <a:t>Starts to take </a:t>
-            </a:r>
-            <a:r>
-              <a:rPr lang="en-US" dirty="0" smtClean="0"/>
-              <a:t>from </a:t>
-            </a:r>
-            <a:r>
-              <a:rPr lang="en-US" dirty="0" smtClean="0"/>
-              <a:t>early in the project</a:t>
+              <a:rPr lang="en-US" dirty="0"/>
+              <a:t>Starts to take from early in the project</a:t>
             </a:r>
           </a:p>
           <a:p>
@@ -13506,17 +13397,16 @@
               <a:defRPr/>
             </a:pPr>
             <a:r>
-              <a:rPr lang="en-US" dirty="0" smtClean="0"/>
+              <a:rPr lang="en-US" dirty="0"/>
               <a:t>Is updated and revised throughout the project</a:t>
             </a:r>
           </a:p>
           <a:p>
             <a:pPr marL="571500" indent="-457200" eaLnBrk="1" hangingPunct="1"/>
             <a:r>
-              <a:rPr lang="en-US" dirty="0" smtClean="0"/>
+              <a:rPr lang="en-US" dirty="0"/>
               <a:t>Initial Project Plan defines:</a:t>
             </a:r>
-            <a:endParaRPr lang="en-US" dirty="0"/>
           </a:p>
           <a:p>
             <a:pPr marL="895350" lvl="1" indent="-381000" eaLnBrk="1" hangingPunct="1"/>
@@ -13607,7 +13497,7 @@
             <a:pPr marL="590550" indent="-533400" eaLnBrk="1" hangingPunct="1">
               <a:defRPr/>
             </a:pPr>
-            <a:endParaRPr lang="en-US" dirty="0" smtClean="0"/>
+            <a:endParaRPr lang="en-US" dirty="0"/>
           </a:p>
           <a:p>
             <a:pPr eaLnBrk="1" hangingPunct="1">
@@ -13615,7 +13505,7 @@
               <a:buChar char="z"/>
               <a:defRPr/>
             </a:pPr>
-            <a:endParaRPr lang="en-CA" dirty="0" smtClean="0"/>
+            <a:endParaRPr lang="en-CA" dirty="0"/>
           </a:p>
         </p:txBody>
       </p:sp>
@@ -14246,13 +14136,13 @@
           <a:p>
             <a:pPr eaLnBrk="1" hangingPunct="1"/>
             <a:r>
-              <a:rPr lang="en-US" sz="3600" dirty="0" smtClean="0"/>
+              <a:rPr lang="en-US" sz="3600" dirty="0"/>
               <a:t>Initial Project Plan </a:t>
             </a:r>
             <a:br>
-              <a:rPr lang="en-US" sz="3600" dirty="0" smtClean="0"/>
+              <a:rPr lang="en-US" sz="3600" dirty="0"/>
             </a:br>
-            <a:endParaRPr lang="en-US" sz="3600" dirty="0" smtClean="0"/>
+            <a:endParaRPr lang="en-US" sz="3600" dirty="0"/>
           </a:p>
         </p:txBody>
       </p:sp>
@@ -14278,56 +14168,56 @@
           <a:p>
             <a:pPr marL="495300" indent="-381000" eaLnBrk="1" hangingPunct="1"/>
             <a:r>
-              <a:rPr lang="en-US" dirty="0" smtClean="0"/>
+              <a:rPr lang="en-US" dirty="0"/>
               <a:t>Assumptions</a:t>
             </a:r>
           </a:p>
           <a:p>
             <a:pPr marL="895350" lvl="1" indent="-381000" eaLnBrk="1" hangingPunct="1"/>
             <a:r>
-              <a:rPr lang="en-US" dirty="0" smtClean="0"/>
+              <a:rPr lang="en-US" dirty="0"/>
               <a:t>Must be documented to avoid problems later</a:t>
             </a:r>
           </a:p>
           <a:p>
             <a:pPr marL="495300" indent="-381000" eaLnBrk="1" hangingPunct="1"/>
             <a:r>
-              <a:rPr lang="en-US" dirty="0" smtClean="0"/>
+              <a:rPr lang="en-US" dirty="0"/>
               <a:t>Contingency plans</a:t>
             </a:r>
           </a:p>
           <a:p>
             <a:pPr marL="895350" lvl="1" indent="-381000" eaLnBrk="1" hangingPunct="1"/>
             <a:r>
-              <a:rPr lang="en-US" dirty="0" smtClean="0"/>
+              <a:rPr lang="en-US" dirty="0"/>
               <a:t>One for each assumption</a:t>
             </a:r>
           </a:p>
           <a:p>
             <a:pPr marL="895350" lvl="1" indent="-381000" eaLnBrk="1" hangingPunct="1"/>
             <a:r>
-              <a:rPr lang="en-US" dirty="0" smtClean="0"/>
+              <a:rPr lang="en-US" dirty="0"/>
               <a:t>Plan for possible problems –probability and impact</a:t>
             </a:r>
           </a:p>
           <a:p>
             <a:pPr marL="495300" indent="-381000" eaLnBrk="1" hangingPunct="1"/>
             <a:r>
-              <a:rPr lang="en-US" dirty="0" smtClean="0"/>
+              <a:rPr lang="en-US" dirty="0"/>
               <a:t>Scope</a:t>
             </a:r>
           </a:p>
           <a:p>
             <a:pPr marL="895350" lvl="1" indent="-381000" eaLnBrk="1" hangingPunct="1"/>
             <a:r>
-              <a:rPr lang="en-US" dirty="0" smtClean="0"/>
+              <a:rPr lang="en-US" dirty="0"/>
               <a:t>Based on all of the above</a:t>
             </a:r>
           </a:p>
           <a:p>
             <a:pPr marL="895350" lvl="1" indent="-381000" eaLnBrk="1" hangingPunct="1"/>
             <a:r>
-              <a:rPr lang="en-US" dirty="0" smtClean="0"/>
+              <a:rPr lang="en-US" dirty="0"/>
               <a:t>Includes what we will be doing in the project as well as specifying anything that we are not doing</a:t>
             </a:r>
           </a:p>
@@ -14338,13 +14228,6 @@
   <p:clrMapOvr>
     <a:masterClrMapping/>
   </p:clrMapOvr>
-  <p:timing>
-    <p:tnLst>
-      <p:par>
-        <p:cTn id="1" dur="indefinite" restart="never" nodeType="tmRoot"/>
-      </p:par>
-    </p:tnLst>
-  </p:timing>
 </p:sld>
 </file>
 
@@ -14389,13 +14272,13 @@
           <a:p>
             <a:pPr eaLnBrk="1" hangingPunct="1"/>
             <a:r>
-              <a:rPr lang="en-US" sz="3600" dirty="0" smtClean="0"/>
+              <a:rPr lang="en-US" sz="3600" dirty="0"/>
               <a:t>Initial Project Plan – cont.</a:t>
             </a:r>
             <a:br>
-              <a:rPr lang="en-US" sz="3600" dirty="0" smtClean="0"/>
+              <a:rPr lang="en-US" sz="3600" dirty="0"/>
             </a:br>
-            <a:endParaRPr lang="en-US" sz="3600" dirty="0" smtClean="0"/>
+            <a:endParaRPr lang="en-US" sz="3600" dirty="0"/>
           </a:p>
         </p:txBody>
       </p:sp>
@@ -14421,40 +14304,57 @@
           <a:p>
             <a:pPr marL="571500" indent="-457200" eaLnBrk="1" hangingPunct="1"/>
             <a:r>
-              <a:rPr lang="en-US" dirty="0" smtClean="0"/>
+              <a:rPr lang="en-US" dirty="0"/>
               <a:t>Define Phases, Milestones and End Products</a:t>
             </a:r>
           </a:p>
           <a:p>
             <a:pPr marL="571500" indent="-457200" eaLnBrk="1" hangingPunct="1"/>
             <a:r>
-              <a:rPr lang="en-US" dirty="0" smtClean="0"/>
+              <a:rPr lang="en-US" dirty="0"/>
               <a:t>Define the Tasks </a:t>
             </a:r>
           </a:p>
           <a:p>
             <a:pPr marL="571500" indent="-457200" eaLnBrk="1" hangingPunct="1"/>
             <a:r>
-              <a:rPr lang="en-US" dirty="0" smtClean="0"/>
+              <a:rPr lang="en-US" dirty="0"/>
               <a:t>Establish the Task Relationships</a:t>
             </a:r>
           </a:p>
           <a:p>
             <a:pPr marL="571500" indent="-457200" eaLnBrk="1" hangingPunct="1"/>
             <a:r>
-              <a:rPr lang="en-US" dirty="0" smtClean="0"/>
+              <a:rPr lang="en-US" dirty="0"/>
               <a:t>Assign Resources and Costs</a:t>
             </a:r>
           </a:p>
           <a:p>
             <a:pPr marL="571500" indent="-457200" eaLnBrk="1" hangingPunct="1"/>
             <a:r>
-              <a:rPr lang="en-US" dirty="0" smtClean="0"/>
+              <a:rPr lang="en-US" dirty="0"/>
               <a:t>Establish the Initial Plan as Your Project </a:t>
             </a:r>
             <a:r>
-              <a:rPr lang="en-US" b="1" dirty="0" smtClean="0"/>
+              <a:rPr lang="en-US" b="1" dirty="0"/>
               <a:t>Baseline</a:t>
+            </a:r>
+          </a:p>
+          <a:p>
+            <a:pPr marL="571500" indent="-457200" eaLnBrk="1" hangingPunct="1"/>
+            <a:endParaRPr lang="en-US" b="1" dirty="0"/>
+          </a:p>
+          <a:p>
+            <a:pPr marL="571500" indent="-457200" eaLnBrk="1" hangingPunct="1"/>
+            <a:endParaRPr lang="en-US" b="1" dirty="0"/>
+          </a:p>
+          <a:p>
+            <a:pPr marL="114300" indent="0" eaLnBrk="1" hangingPunct="1">
+              <a:buNone/>
+            </a:pPr>
+            <a:r>
+              <a:rPr lang="en-US" b="1" dirty="0"/>
+              <a:t>Gantt Chart</a:t>
             </a:r>
           </a:p>
         </p:txBody>
@@ -14464,13 +14364,6 @@
   <p:clrMapOvr>
     <a:masterClrMapping/>
   </p:clrMapOvr>
-  <p:timing>
-    <p:tnLst>
-      <p:par>
-        <p:cTn id="1" dur="indefinite" restart="never" nodeType="tmRoot"/>
-      </p:par>
-    </p:tnLst>
-  </p:timing>
 </p:sld>
 </file>
 
@@ -14515,13 +14408,13 @@
           <a:p>
             <a:pPr eaLnBrk="1" hangingPunct="1"/>
             <a:r>
-              <a:rPr lang="en-US" sz="3600" smtClean="0"/>
+              <a:rPr lang="en-US" sz="3600"/>
               <a:t>Project Plan </a:t>
             </a:r>
             <a:br>
-              <a:rPr lang="en-US" sz="3600" smtClean="0"/>
+              <a:rPr lang="en-US" sz="3600"/>
             </a:br>
-            <a:endParaRPr lang="en-US" sz="3600" smtClean="0"/>
+            <a:endParaRPr lang="en-US" sz="3600"/>
           </a:p>
         </p:txBody>
       </p:sp>
@@ -14549,7 +14442,7 @@
               <a:defRPr/>
             </a:pPr>
             <a:r>
-              <a:rPr lang="en-US" dirty="0" smtClean="0"/>
+              <a:rPr lang="en-US" dirty="0"/>
               <a:t>Beyond the Initial Project Plan</a:t>
             </a:r>
           </a:p>
@@ -14558,7 +14451,7 @@
               <a:defRPr/>
             </a:pPr>
             <a:r>
-              <a:rPr lang="en-US" dirty="0" smtClean="0"/>
+              <a:rPr lang="en-US" dirty="0"/>
               <a:t>Roles &amp; Responsibilities</a:t>
             </a:r>
           </a:p>
@@ -14567,7 +14460,7 @@
               <a:defRPr/>
             </a:pPr>
             <a:r>
-              <a:rPr lang="en-US" dirty="0" smtClean="0"/>
+              <a:rPr lang="en-US" dirty="0"/>
               <a:t>Organization chart</a:t>
             </a:r>
           </a:p>
@@ -14576,7 +14469,7 @@
               <a:defRPr/>
             </a:pPr>
             <a:r>
-              <a:rPr lang="en-US" dirty="0" smtClean="0"/>
+              <a:rPr lang="en-US" dirty="0"/>
               <a:t>Reporting</a:t>
             </a:r>
           </a:p>
@@ -14585,7 +14478,7 @@
               <a:defRPr/>
             </a:pPr>
             <a:r>
-              <a:rPr lang="en-US" dirty="0" smtClean="0"/>
+              <a:rPr lang="en-US" dirty="0"/>
               <a:t>Status reports</a:t>
             </a:r>
           </a:p>
@@ -14594,7 +14487,7 @@
               <a:defRPr/>
             </a:pPr>
             <a:r>
-              <a:rPr lang="en-US" dirty="0" smtClean="0"/>
+              <a:rPr lang="en-US" dirty="0"/>
               <a:t>Status meeting schedule</a:t>
             </a:r>
           </a:p>
@@ -14603,7 +14496,7 @@
               <a:defRPr/>
             </a:pPr>
             <a:r>
-              <a:rPr lang="en-US" dirty="0" smtClean="0"/>
+              <a:rPr lang="en-US" dirty="0"/>
               <a:t>Change control plan</a:t>
             </a:r>
           </a:p>
@@ -14612,7 +14505,7 @@
               <a:defRPr/>
             </a:pPr>
             <a:r>
-              <a:rPr lang="en-US" dirty="0" smtClean="0"/>
+              <a:rPr lang="en-US" dirty="0"/>
               <a:t>Acceptance procedure</a:t>
             </a:r>
           </a:p>
@@ -14621,7 +14514,7 @@
               <a:defRPr/>
             </a:pPr>
             <a:r>
-              <a:rPr lang="en-US" dirty="0" smtClean="0"/>
+              <a:rPr lang="en-US" dirty="0"/>
               <a:t>Cost estimate</a:t>
             </a:r>
           </a:p>
@@ -14630,7 +14523,7 @@
               <a:defRPr/>
             </a:pPr>
             <a:r>
-              <a:rPr lang="en-US" dirty="0" smtClean="0"/>
+              <a:rPr lang="en-US" dirty="0"/>
               <a:t>Tasks &amp; Schedule (Gantt chart)</a:t>
             </a:r>
           </a:p>
@@ -14638,7 +14531,7 @@
             <a:pPr marL="1371600" lvl="2" indent="-457200" eaLnBrk="1" hangingPunct="1">
               <a:defRPr/>
             </a:pPr>
-            <a:endParaRPr lang="en-US" dirty="0" smtClean="0"/>
+            <a:endParaRPr lang="en-US" dirty="0"/>
           </a:p>
         </p:txBody>
       </p:sp>
@@ -14647,13 +14540,6 @@
   <p:clrMapOvr>
     <a:masterClrMapping/>
   </p:clrMapOvr>
-  <p:timing>
-    <p:tnLst>
-      <p:par>
-        <p:cTn id="1" dur="indefinite" restart="never" nodeType="tmRoot"/>
-      </p:par>
-    </p:tnLst>
-  </p:timing>
 </p:sld>
 </file>
 
@@ -14698,13 +14584,13 @@
           <a:p>
             <a:pPr eaLnBrk="1" hangingPunct="1"/>
             <a:r>
-              <a:rPr lang="en-US" sz="3600" smtClean="0"/>
+              <a:rPr lang="en-US" sz="3600"/>
               <a:t>Group Exercise </a:t>
             </a:r>
             <a:br>
-              <a:rPr lang="en-US" sz="3600" smtClean="0"/>
+              <a:rPr lang="en-US" sz="3600"/>
             </a:br>
-            <a:endParaRPr lang="en-US" sz="3600" smtClean="0"/>
+            <a:endParaRPr lang="en-US" sz="3600"/>
           </a:p>
         </p:txBody>
       </p:sp>
@@ -14730,28 +14616,12 @@
           <a:p>
             <a:pPr marL="590550" indent="-533400" eaLnBrk="1" hangingPunct="1"/>
             <a:r>
-              <a:rPr lang="en-US" dirty="0" smtClean="0">
-                <a:solidFill>
-                  <a:srgbClr val="002060"/>
-                </a:solidFill>
-              </a:rPr>
-              <a:t>Working in your workshop groups for approximately 30 minutes, come up with a statement of goals, a list of objectives, assumptions, contingencies, and a scope definition for the Threaded </a:t>
-            </a:r>
-            <a:r>
               <a:rPr lang="en-US" dirty="0">
                 <a:solidFill>
                   <a:srgbClr val="002060"/>
                 </a:solidFill>
               </a:rPr>
-              <a:t>W</a:t>
-            </a:r>
-            <a:r>
-              <a:rPr lang="en-US" dirty="0" smtClean="0">
-                <a:solidFill>
-                  <a:srgbClr val="002060"/>
-                </a:solidFill>
-              </a:rPr>
-              <a:t>orkshop</a:t>
+              <a:t>Working in your workshop groups for approximately 30 minutes, come up with a statement of goals, a list of objectives, assumptions, contingencies, and a scope definition for the Threaded Workshop</a:t>
             </a:r>
           </a:p>
         </p:txBody>
@@ -14761,13 +14631,6 @@
   <p:clrMapOvr>
     <a:masterClrMapping/>
   </p:clrMapOvr>
-  <p:timing>
-    <p:tnLst>
-      <p:par>
-        <p:cTn id="1" dur="indefinite" restart="never" nodeType="tmRoot"/>
-      </p:par>
-    </p:tnLst>
-  </p:timing>
 </p:sld>
 </file>
 
@@ -14810,7 +14673,7 @@
           <a:p>
             <a:pPr eaLnBrk="1" hangingPunct="1"/>
             <a:r>
-              <a:rPr lang="en-US" smtClean="0"/>
+              <a:rPr lang="en-US"/>
               <a:t>Software Development Lifecycle</a:t>
             </a:r>
           </a:p>
@@ -14832,7 +14695,7 @@
           <a:graphicData uri="http://schemas.openxmlformats.org/presentationml/2006/ole">
             <mc:AlternateContent xmlns:mc="http://schemas.openxmlformats.org/markup-compatibility/2006">
               <mc:Choice xmlns:v="urn:schemas-microsoft-com:vml" Requires="v">
-                <p:oleObj spid="_x0000_s1057" name="Visio" r:id="rId3" imgW="4784289" imgH="3984041" progId="Visio.Drawing.11">
+                <p:oleObj spid="_x0000_s1061" name="Visio" r:id="rId3" imgW="4784289" imgH="3984041" progId="Visio.Drawing.11">
                   <p:embed/>
                 </p:oleObj>
               </mc:Choice>
@@ -14914,13 +14777,6 @@
   <p:clrMapOvr>
     <a:masterClrMapping/>
   </p:clrMapOvr>
-  <p:timing>
-    <p:tnLst>
-      <p:par>
-        <p:cTn id="1" dur="indefinite" restart="never" nodeType="tmRoot"/>
-      </p:par>
-    </p:tnLst>
-  </p:timing>
 </p:sld>
 </file>
 
@@ -14963,7 +14819,7 @@
           <a:p>
             <a:pPr eaLnBrk="1" hangingPunct="1"/>
             <a:r>
-              <a:rPr lang="en-US" smtClean="0"/>
+              <a:rPr lang="en-US"/>
               <a:t>Software Development Lifecycle -- Phases</a:t>
             </a:r>
           </a:p>
@@ -14991,72 +14847,72 @@
           <a:p>
             <a:pPr eaLnBrk="1" hangingPunct="1"/>
             <a:r>
-              <a:rPr lang="en-US" dirty="0" smtClean="0"/>
+              <a:rPr lang="en-US" dirty="0"/>
               <a:t>Analysis Phases</a:t>
             </a:r>
-            <a:endParaRPr lang="en-US" u="sng" dirty="0" smtClean="0"/>
+            <a:endParaRPr lang="en-US" u="sng" dirty="0"/>
           </a:p>
           <a:p>
             <a:pPr lvl="1" eaLnBrk="1" hangingPunct="1"/>
             <a:r>
-              <a:rPr lang="en-US" dirty="0" smtClean="0"/>
+              <a:rPr lang="en-US" dirty="0"/>
               <a:t>Feasibility Study</a:t>
             </a:r>
           </a:p>
           <a:p>
             <a:pPr lvl="1" eaLnBrk="1" hangingPunct="1"/>
             <a:r>
-              <a:rPr lang="en-US" dirty="0" smtClean="0"/>
+              <a:rPr lang="en-US" dirty="0"/>
               <a:t>Analysis of the Current System</a:t>
             </a:r>
           </a:p>
           <a:p>
             <a:pPr lvl="1" eaLnBrk="1" hangingPunct="1"/>
             <a:r>
-              <a:rPr lang="en-US" dirty="0" smtClean="0"/>
+              <a:rPr lang="en-US" dirty="0"/>
               <a:t>Analysis of User Requirements </a:t>
             </a:r>
           </a:p>
           <a:p>
             <a:pPr lvl="1" eaLnBrk="1" hangingPunct="1"/>
             <a:r>
-              <a:rPr lang="en-US" dirty="0" smtClean="0"/>
+              <a:rPr lang="en-US" dirty="0"/>
               <a:t>Selection of a Solution (Hardware and Software)</a:t>
             </a:r>
           </a:p>
           <a:p>
             <a:pPr lvl="1" eaLnBrk="1" hangingPunct="1"/>
             <a:r>
-              <a:rPr lang="en-US" dirty="0" smtClean="0"/>
+              <a:rPr lang="en-US" dirty="0"/>
               <a:t>Hardware and Software Acquisition</a:t>
             </a:r>
           </a:p>
           <a:p>
             <a:pPr eaLnBrk="1" hangingPunct="1"/>
             <a:r>
-              <a:rPr lang="en-US" dirty="0" smtClean="0"/>
+              <a:rPr lang="en-US" dirty="0"/>
               <a:t>System Design Phase</a:t>
             </a:r>
           </a:p>
           <a:p>
             <a:pPr lvl="1" eaLnBrk="1" hangingPunct="1"/>
             <a:r>
-              <a:rPr lang="en-US" dirty="0" smtClean="0"/>
+              <a:rPr lang="en-US" dirty="0"/>
               <a:t>Detailed Design</a:t>
             </a:r>
           </a:p>
           <a:p>
             <a:pPr eaLnBrk="1" hangingPunct="1"/>
             <a:r>
-              <a:rPr lang="en-US" dirty="0" smtClean="0"/>
+              <a:rPr lang="en-US" dirty="0"/>
               <a:t>System Implementation</a:t>
             </a:r>
-            <a:endParaRPr lang="en-US" u="sng" dirty="0" smtClean="0"/>
+            <a:endParaRPr lang="en-US" u="sng" dirty="0"/>
           </a:p>
           <a:p>
             <a:pPr eaLnBrk="1" hangingPunct="1"/>
             <a:r>
-              <a:rPr lang="en-US" dirty="0" smtClean="0"/>
+              <a:rPr lang="en-US" dirty="0"/>
               <a:t>System Maintenance</a:t>
             </a:r>
           </a:p>
@@ -15067,13 +14923,6 @@
   <p:clrMapOvr>
     <a:masterClrMapping/>
   </p:clrMapOvr>
-  <p:timing>
-    <p:tnLst>
-      <p:par>
-        <p:cTn id="1" dur="indefinite" restart="never" nodeType="tmRoot"/>
-      </p:par>
-    </p:tnLst>
-  </p:timing>
 </p:sld>
 </file>
 
@@ -15111,13 +14960,14 @@
           </a:xfrm>
         </p:spPr>
         <p:txBody>
-          <a:bodyPr/>
+          <a:bodyPr>
+            <a:normAutofit/>
+          </a:bodyPr>
           <a:lstStyle/>
           <a:p>
-            <a:pPr eaLnBrk="1" hangingPunct="1"/>
-            <a:r>
-              <a:rPr lang="en-US" smtClean="0"/>
-              <a:t>Research</a:t>
+            <a:r>
+              <a:rPr lang="en-US" dirty="0"/>
+              <a:t>Research (Analysis Phases)</a:t>
             </a:r>
           </a:p>
         </p:txBody>
@@ -15144,11 +14994,11 @@
           <a:p>
             <a:pPr marL="609600" indent="-609600" eaLnBrk="1" hangingPunct="1"/>
             <a:r>
-              <a:rPr lang="en-US" dirty="0" smtClean="0"/>
+              <a:rPr lang="en-US" dirty="0"/>
               <a:t>Also known as </a:t>
             </a:r>
             <a:r>
-              <a:rPr lang="en-US" b="1" dirty="0" smtClean="0">
+              <a:rPr lang="en-US" b="1" dirty="0">
                 <a:solidFill>
                   <a:srgbClr val="002060"/>
                 </a:solidFill>
@@ -15156,7 +15006,7 @@
               <a:t>Analysis</a:t>
             </a:r>
             <a:r>
-              <a:rPr lang="en-US" dirty="0" smtClean="0">
+              <a:rPr lang="en-US" dirty="0">
                 <a:solidFill>
                   <a:srgbClr val="002060"/>
                 </a:solidFill>
@@ -15164,28 +15014,28 @@
               <a:t> </a:t>
             </a:r>
             <a:r>
-              <a:rPr lang="en-US" dirty="0" smtClean="0"/>
+              <a:rPr lang="en-US" dirty="0"/>
               <a:t>phase</a:t>
             </a:r>
           </a:p>
           <a:p>
             <a:pPr marL="990600" lvl="1" indent="-533400" eaLnBrk="1" hangingPunct="1"/>
             <a:r>
-              <a:rPr lang="en-US" dirty="0" smtClean="0"/>
+              <a:rPr lang="en-US" dirty="0"/>
               <a:t>Inspect existing software implementation features</a:t>
             </a:r>
           </a:p>
           <a:p>
             <a:pPr marL="990600" lvl="1" indent="-533400" eaLnBrk="1" hangingPunct="1"/>
             <a:r>
-              <a:rPr lang="en-US" dirty="0" smtClean="0"/>
+              <a:rPr lang="en-US" dirty="0"/>
               <a:t>Evaluate existing software based on businesses needs</a:t>
             </a:r>
           </a:p>
           <a:p>
             <a:pPr marL="990600" lvl="1" indent="-533400" eaLnBrk="1" hangingPunct="1"/>
             <a:r>
-              <a:rPr lang="en-US" dirty="0" smtClean="0"/>
+              <a:rPr lang="en-US" dirty="0"/>
               <a:t>Propose enhancements to improve software performance</a:t>
             </a:r>
           </a:p>
@@ -15196,13 +15046,6 @@
   <p:clrMapOvr>
     <a:masterClrMapping/>
   </p:clrMapOvr>
-  <p:timing>
-    <p:tnLst>
-      <p:par>
-        <p:cTn id="1" dur="indefinite" restart="never" nodeType="tmRoot"/>
-      </p:par>
-    </p:tnLst>
-  </p:timing>
 </p:sld>
 </file>
 
@@ -15245,7 +15088,7 @@
           <a:p>
             <a:pPr eaLnBrk="1" hangingPunct="1"/>
             <a:r>
-              <a:rPr lang="en-US" smtClean="0"/>
+              <a:rPr lang="en-US"/>
               <a:t>Feasibility Study</a:t>
             </a:r>
           </a:p>
@@ -15273,70 +15116,70 @@
           <a:p>
             <a:pPr eaLnBrk="1" hangingPunct="1"/>
             <a:r>
-              <a:rPr lang="en-US" smtClean="0"/>
+              <a:rPr lang="en-US"/>
               <a:t>An attempt to determine whether or not the benefits of a new system are worth the cost</a:t>
             </a:r>
           </a:p>
           <a:p>
             <a:pPr eaLnBrk="1" hangingPunct="1"/>
             <a:r>
-              <a:rPr lang="en-US" smtClean="0"/>
+              <a:rPr lang="en-US"/>
               <a:t>Standard Activities</a:t>
             </a:r>
           </a:p>
           <a:p>
             <a:pPr lvl="1" eaLnBrk="1" hangingPunct="1"/>
             <a:r>
-              <a:rPr lang="en-US" smtClean="0"/>
+              <a:rPr lang="en-US"/>
               <a:t>Review of the current system</a:t>
             </a:r>
           </a:p>
           <a:p>
             <a:pPr lvl="1" eaLnBrk="1" hangingPunct="1"/>
             <a:r>
-              <a:rPr lang="en-US" smtClean="0"/>
+              <a:rPr lang="en-US"/>
               <a:t>Determine Preliminary User Requirements</a:t>
             </a:r>
           </a:p>
           <a:p>
             <a:pPr lvl="1" eaLnBrk="1" hangingPunct="1"/>
             <a:r>
-              <a:rPr lang="en-US" smtClean="0"/>
+              <a:rPr lang="en-US"/>
               <a:t>Selection of Solution (Hardware and Software)</a:t>
             </a:r>
           </a:p>
           <a:p>
             <a:pPr lvl="1" eaLnBrk="1" hangingPunct="1"/>
             <a:r>
-              <a:rPr lang="en-US" smtClean="0"/>
+              <a:rPr lang="en-US"/>
               <a:t>Project Plan</a:t>
             </a:r>
           </a:p>
           <a:p>
             <a:pPr lvl="1" eaLnBrk="1" hangingPunct="1"/>
             <a:r>
-              <a:rPr lang="en-US" smtClean="0"/>
+              <a:rPr lang="en-US"/>
               <a:t>Economic evaluation (Cost/Benefit)</a:t>
             </a:r>
           </a:p>
           <a:p>
             <a:pPr lvl="1" eaLnBrk="1" hangingPunct="1"/>
             <a:r>
-              <a:rPr lang="en-US" smtClean="0"/>
+              <a:rPr lang="en-US"/>
               <a:t>Activities common to every phase</a:t>
             </a:r>
           </a:p>
           <a:p>
             <a:pPr eaLnBrk="1" hangingPunct="1"/>
             <a:r>
-              <a:rPr lang="en-US" smtClean="0"/>
+              <a:rPr lang="en-US"/>
               <a:t>End Product(s)</a:t>
             </a:r>
           </a:p>
           <a:p>
             <a:pPr lvl="1" eaLnBrk="1" hangingPunct="1"/>
             <a:r>
-              <a:rPr lang="en-US" smtClean="0"/>
+              <a:rPr lang="en-US"/>
               <a:t>Feasibility Assessment  (Cost/Benefit Analysis)</a:t>
             </a:r>
           </a:p>
@@ -15347,13 +15190,6 @@
   <p:clrMapOvr>
     <a:masterClrMapping/>
   </p:clrMapOvr>
-  <p:timing>
-    <p:tnLst>
-      <p:par>
-        <p:cTn id="1" dur="indefinite" restart="never" nodeType="tmRoot"/>
-      </p:par>
-    </p:tnLst>
-  </p:timing>
 </p:sld>
 </file>
 
@@ -15396,7 +15232,7 @@
           <a:p>
             <a:pPr eaLnBrk="1" hangingPunct="1"/>
             <a:r>
-              <a:rPr lang="en-US" smtClean="0"/>
+              <a:rPr lang="en-US"/>
               <a:t>Current System Study</a:t>
             </a:r>
           </a:p>
@@ -15424,56 +15260,56 @@
           <a:p>
             <a:pPr eaLnBrk="1" hangingPunct="1"/>
             <a:r>
-              <a:rPr lang="en-US" smtClean="0"/>
+              <a:rPr lang="en-US"/>
               <a:t>An assessment of the current situation to determine the strengths as well as the problems</a:t>
             </a:r>
           </a:p>
           <a:p>
             <a:pPr eaLnBrk="1" hangingPunct="1"/>
             <a:r>
-              <a:rPr lang="en-US" smtClean="0"/>
+              <a:rPr lang="en-US"/>
               <a:t>Standard Activities</a:t>
             </a:r>
           </a:p>
           <a:p>
             <a:pPr lvl="1" eaLnBrk="1" hangingPunct="1"/>
             <a:r>
-              <a:rPr lang="en-US" smtClean="0"/>
+              <a:rPr lang="en-US"/>
               <a:t>Document organization with end-users (Org. Chart)</a:t>
             </a:r>
           </a:p>
           <a:p>
             <a:pPr lvl="1" eaLnBrk="1" hangingPunct="1"/>
             <a:r>
-              <a:rPr lang="en-US" smtClean="0"/>
+              <a:rPr lang="en-US"/>
               <a:t>Perform fact finding  (interviews, observation, questionnaires)</a:t>
             </a:r>
           </a:p>
           <a:p>
             <a:pPr lvl="1" eaLnBrk="1" hangingPunct="1"/>
             <a:r>
-              <a:rPr lang="en-US" smtClean="0"/>
+              <a:rPr lang="en-US"/>
               <a:t>Document everything  (What, Where, When , Why, How and by Whom)</a:t>
             </a:r>
           </a:p>
           <a:p>
             <a:pPr lvl="1" eaLnBrk="1" hangingPunct="1"/>
             <a:r>
-              <a:rPr lang="en-US" smtClean="0"/>
+              <a:rPr lang="en-US"/>
               <a:t>Activities common to every phase</a:t>
             </a:r>
           </a:p>
           <a:p>
             <a:pPr eaLnBrk="1" hangingPunct="1"/>
             <a:r>
-              <a:rPr lang="en-US" smtClean="0"/>
+              <a:rPr lang="en-US"/>
               <a:t>End Product(s)</a:t>
             </a:r>
           </a:p>
           <a:p>
             <a:pPr lvl="1" eaLnBrk="1" hangingPunct="1"/>
             <a:r>
-              <a:rPr lang="en-US" smtClean="0"/>
+              <a:rPr lang="en-US"/>
               <a:t>Current System Analysis Report (Problem Statement)</a:t>
             </a:r>
           </a:p>
@@ -15484,13 +15320,6 @@
   <p:clrMapOvr>
     <a:masterClrMapping/>
   </p:clrMapOvr>
-  <p:timing>
-    <p:tnLst>
-      <p:par>
-        <p:cTn id="1" dur="indefinite" restart="never" nodeType="tmRoot"/>
-      </p:par>
-    </p:tnLst>
-  </p:timing>
 </p:sld>
 </file>
 
@@ -15534,15 +15363,11 @@
           <a:lstStyle/>
           <a:p>
             <a:pPr eaLnBrk="1" hangingPunct="1"/>
-            <a:r>
-              <a:rPr lang="en-US" dirty="0" smtClean="0"/>
-              <a:t/>
-            </a:r>
             <a:br>
-              <a:rPr lang="en-US" dirty="0" smtClean="0"/>
+              <a:rPr lang="en-US" dirty="0"/>
             </a:br>
             <a:r>
-              <a:rPr lang="en-US" dirty="0" smtClean="0"/>
+              <a:rPr lang="en-US" dirty="0"/>
               <a:t>Day 2 Agenda</a:t>
             </a:r>
           </a:p>
@@ -15570,21 +15395,21 @@
           <a:p>
             <a:pPr eaLnBrk="1" hangingPunct="1"/>
             <a:r>
-              <a:rPr lang="en-US" dirty="0" smtClean="0"/>
+              <a:rPr lang="en-US" dirty="0"/>
               <a:t>Project Definition</a:t>
             </a:r>
           </a:p>
           <a:p>
             <a:pPr eaLnBrk="1" hangingPunct="1"/>
             <a:r>
-              <a:rPr lang="en-US" dirty="0" smtClean="0"/>
+              <a:rPr lang="en-US" dirty="0"/>
               <a:t>Project Plan</a:t>
             </a:r>
           </a:p>
           <a:p>
             <a:pPr eaLnBrk="1" hangingPunct="1"/>
             <a:r>
-              <a:rPr lang="en-US" dirty="0" smtClean="0"/>
+              <a:rPr lang="en-US" dirty="0"/>
               <a:t>Software Development Lifecycle</a:t>
             </a:r>
           </a:p>
@@ -15592,11 +15417,7 @@
             <a:pPr eaLnBrk="1" hangingPunct="1"/>
             <a:r>
               <a:rPr lang="en-US" dirty="0"/>
-              <a:t>Modern Software Development </a:t>
-            </a:r>
-            <a:r>
-              <a:rPr lang="en-US" dirty="0" smtClean="0"/>
-              <a:t>Approaches</a:t>
+              <a:t>Modern Software Development Approaches</a:t>
             </a:r>
           </a:p>
           <a:p>
@@ -15604,11 +15425,11 @@
               <a:buFont typeface="Monotype Sorts"/>
               <a:buNone/>
             </a:pPr>
-            <a:endParaRPr lang="en-US" dirty="0" smtClean="0"/>
-          </a:p>
-          <a:p>
-            <a:r>
-              <a:rPr lang="en-US" dirty="0" smtClean="0">
+            <a:endParaRPr lang="en-US" dirty="0"/>
+          </a:p>
+          <a:p>
+            <a:r>
+              <a:rPr lang="en-US" dirty="0">
                 <a:solidFill>
                   <a:srgbClr val="0070C0"/>
                 </a:solidFill>
@@ -15623,13 +15444,6 @@
   <p:clrMapOvr>
     <a:masterClrMapping/>
   </p:clrMapOvr>
-  <p:timing>
-    <p:tnLst>
-      <p:par>
-        <p:cTn id="1" dur="indefinite" restart="never" nodeType="tmRoot"/>
-      </p:par>
-    </p:tnLst>
-  </p:timing>
 </p:sld>
 </file>
 
@@ -15672,7 +15486,7 @@
           <a:p>
             <a:pPr eaLnBrk="1" hangingPunct="1"/>
             <a:r>
-              <a:rPr lang="en-US" smtClean="0"/>
+              <a:rPr lang="en-US"/>
               <a:t>Requirements Study</a:t>
             </a:r>
           </a:p>
@@ -15700,62 +15514,62 @@
           <a:p>
             <a:pPr eaLnBrk="1" hangingPunct="1"/>
             <a:r>
-              <a:rPr lang="en-US" dirty="0" smtClean="0"/>
+              <a:rPr lang="en-US" dirty="0"/>
               <a:t>A definition of  the requirements for the new system</a:t>
             </a:r>
           </a:p>
           <a:p>
             <a:pPr lvl="1" eaLnBrk="1" hangingPunct="1"/>
             <a:r>
-              <a:rPr lang="en-US" dirty="0" smtClean="0"/>
+              <a:rPr lang="en-US" dirty="0"/>
               <a:t>Based on the Current System</a:t>
             </a:r>
           </a:p>
           <a:p>
             <a:pPr lvl="2" eaLnBrk="1" hangingPunct="1"/>
             <a:r>
-              <a:rPr lang="en-US" dirty="0" smtClean="0"/>
+              <a:rPr lang="en-US" dirty="0"/>
               <a:t>Should reflect its essential strengths and resolve its shortcomings</a:t>
             </a:r>
           </a:p>
           <a:p>
             <a:pPr lvl="1" eaLnBrk="1" hangingPunct="1"/>
             <a:r>
-              <a:rPr lang="en-US" dirty="0" smtClean="0"/>
+              <a:rPr lang="en-US" dirty="0"/>
               <a:t>Includes Joint Application Design  (JAD) sessions</a:t>
             </a:r>
           </a:p>
           <a:p>
             <a:pPr lvl="2" eaLnBrk="1" hangingPunct="1"/>
             <a:r>
-              <a:rPr lang="en-US" dirty="0" smtClean="0">
+              <a:rPr lang="en-US" dirty="0">
                 <a:hlinkClick r:id="rId2"/>
               </a:rPr>
               <a:t>http://www.umsl.edu/~sauterv/analysis/JAD.html</a:t>
             </a:r>
             <a:r>
-              <a:rPr lang="en-US" dirty="0" smtClean="0"/>
+              <a:rPr lang="en-US" dirty="0"/>
               <a:t> </a:t>
             </a:r>
           </a:p>
           <a:p>
             <a:pPr lvl="1" eaLnBrk="1" hangingPunct="1"/>
             <a:r>
-              <a:rPr lang="en-US" dirty="0" smtClean="0"/>
+              <a:rPr lang="en-US" dirty="0"/>
               <a:t>The findings indicate </a:t>
             </a:r>
             <a:r>
-              <a:rPr lang="en-US" u="sng" dirty="0" smtClean="0"/>
+              <a:rPr lang="en-US" u="sng" dirty="0"/>
               <a:t>what</a:t>
             </a:r>
             <a:r>
-              <a:rPr lang="en-US" dirty="0" smtClean="0"/>
+              <a:rPr lang="en-US" dirty="0"/>
               <a:t> is to be done (logical)</a:t>
             </a:r>
           </a:p>
           <a:p>
             <a:pPr eaLnBrk="1" hangingPunct="1"/>
-            <a:endParaRPr lang="en-US" dirty="0" smtClean="0"/>
+            <a:endParaRPr lang="en-US" dirty="0"/>
           </a:p>
         </p:txBody>
       </p:sp>
@@ -15764,13 +15578,6 @@
   <p:clrMapOvr>
     <a:masterClrMapping/>
   </p:clrMapOvr>
-  <p:timing>
-    <p:tnLst>
-      <p:par>
-        <p:cTn id="1" dur="indefinite" restart="never" nodeType="tmRoot"/>
-      </p:par>
-    </p:tnLst>
-  </p:timing>
 </p:sld>
 </file>
 
@@ -15813,7 +15620,7 @@
           <a:p>
             <a:pPr eaLnBrk="1" hangingPunct="1"/>
             <a:r>
-              <a:rPr lang="en-US" smtClean="0"/>
+              <a:rPr lang="en-US"/>
               <a:t>Hardware/Software Selection</a:t>
             </a:r>
           </a:p>
@@ -15841,77 +15648,77 @@
           <a:p>
             <a:pPr eaLnBrk="1" hangingPunct="1"/>
             <a:r>
-              <a:rPr lang="en-US" smtClean="0"/>
+              <a:rPr lang="en-US"/>
               <a:t>Determine hardware and software to use in the new system.  </a:t>
             </a:r>
           </a:p>
           <a:p>
             <a:pPr eaLnBrk="1" hangingPunct="1"/>
             <a:r>
-              <a:rPr lang="en-US" smtClean="0"/>
+              <a:rPr lang="en-US"/>
               <a:t>Standard Activities</a:t>
             </a:r>
           </a:p>
           <a:p>
             <a:pPr lvl="1" eaLnBrk="1" hangingPunct="1"/>
             <a:r>
-              <a:rPr lang="en-US" smtClean="0"/>
+              <a:rPr lang="en-US"/>
               <a:t>Evaluate hardware and software alternatives</a:t>
             </a:r>
           </a:p>
           <a:p>
             <a:pPr lvl="1" eaLnBrk="1" hangingPunct="1"/>
             <a:r>
-              <a:rPr lang="en-US" smtClean="0"/>
+              <a:rPr lang="en-US"/>
               <a:t>System Proposal</a:t>
             </a:r>
           </a:p>
           <a:p>
             <a:pPr lvl="1" eaLnBrk="1" hangingPunct="1"/>
             <a:r>
-              <a:rPr lang="en-US" smtClean="0"/>
+              <a:rPr lang="en-US"/>
               <a:t>Develop Requests for Proposal  (RFP) if applicable</a:t>
             </a:r>
           </a:p>
           <a:p>
             <a:pPr lvl="1" eaLnBrk="1" hangingPunct="1"/>
             <a:r>
-              <a:rPr lang="en-US" smtClean="0"/>
+              <a:rPr lang="en-US"/>
               <a:t>Update the Project Plan</a:t>
             </a:r>
           </a:p>
           <a:p>
             <a:pPr lvl="1" eaLnBrk="1" hangingPunct="1"/>
             <a:r>
-              <a:rPr lang="en-US" smtClean="0"/>
+              <a:rPr lang="en-US"/>
               <a:t>Activities common to every phase</a:t>
             </a:r>
           </a:p>
           <a:p>
             <a:pPr eaLnBrk="1" hangingPunct="1"/>
             <a:r>
-              <a:rPr lang="en-US" smtClean="0"/>
+              <a:rPr lang="en-US"/>
               <a:t>End Product(s)</a:t>
             </a:r>
           </a:p>
           <a:p>
             <a:pPr lvl="1" eaLnBrk="1" hangingPunct="1"/>
             <a:r>
-              <a:rPr lang="en-US" smtClean="0"/>
+              <a:rPr lang="en-US"/>
               <a:t>System Proposal  (with proposed system configuration)</a:t>
             </a:r>
           </a:p>
           <a:p>
             <a:pPr lvl="1" eaLnBrk="1" hangingPunct="1"/>
             <a:r>
-              <a:rPr lang="en-US" smtClean="0"/>
+              <a:rPr lang="en-US"/>
               <a:t>Request for Proposal (RFP)</a:t>
             </a:r>
           </a:p>
           <a:p>
             <a:pPr lvl="1" eaLnBrk="1" hangingPunct="1"/>
             <a:r>
-              <a:rPr lang="en-US" smtClean="0"/>
+              <a:rPr lang="en-US"/>
               <a:t>Updated Project Plan</a:t>
             </a:r>
           </a:p>
@@ -15922,13 +15729,6 @@
   <p:clrMapOvr>
     <a:masterClrMapping/>
   </p:clrMapOvr>
-  <p:timing>
-    <p:tnLst>
-      <p:par>
-        <p:cTn id="1" dur="indefinite" restart="never" nodeType="tmRoot"/>
-      </p:par>
-    </p:tnLst>
-  </p:timing>
 </p:sld>
 </file>
 
@@ -15971,7 +15771,7 @@
           <a:p>
             <a:pPr eaLnBrk="1" hangingPunct="1"/>
             <a:r>
-              <a:rPr lang="en-US" smtClean="0"/>
+              <a:rPr lang="en-US"/>
               <a:t>Detail Design</a:t>
             </a:r>
           </a:p>
@@ -15999,78 +15799,78 @@
           <a:p>
             <a:pPr eaLnBrk="1" hangingPunct="1"/>
             <a:r>
-              <a:rPr lang="en-US" smtClean="0"/>
+              <a:rPr lang="en-US"/>
               <a:t>Determine </a:t>
             </a:r>
             <a:r>
-              <a:rPr lang="en-US" u="sng" smtClean="0"/>
+              <a:rPr lang="en-US" u="sng"/>
               <a:t>how</a:t>
             </a:r>
             <a:r>
-              <a:rPr lang="en-US" smtClean="0"/>
+              <a:rPr lang="en-US"/>
               <a:t> the new system is going to work on the software and hardware to be used </a:t>
             </a:r>
           </a:p>
           <a:p>
             <a:pPr eaLnBrk="1" hangingPunct="1"/>
             <a:r>
-              <a:rPr lang="en-US" smtClean="0"/>
+              <a:rPr lang="en-US"/>
               <a:t>Standard Activities</a:t>
             </a:r>
           </a:p>
           <a:p>
             <a:pPr lvl="1" eaLnBrk="1" hangingPunct="1"/>
             <a:r>
-              <a:rPr lang="en-US" smtClean="0"/>
+              <a:rPr lang="en-US"/>
               <a:t>Design specifications</a:t>
             </a:r>
           </a:p>
           <a:p>
             <a:pPr lvl="1" eaLnBrk="1" hangingPunct="1"/>
             <a:r>
-              <a:rPr lang="en-US" smtClean="0"/>
+              <a:rPr lang="en-US"/>
               <a:t>Database design</a:t>
             </a:r>
           </a:p>
           <a:p>
             <a:pPr lvl="1" eaLnBrk="1" hangingPunct="1"/>
             <a:r>
-              <a:rPr lang="en-US" smtClean="0"/>
+              <a:rPr lang="en-US"/>
               <a:t>Design walk-throughs</a:t>
             </a:r>
           </a:p>
           <a:p>
             <a:pPr lvl="1" eaLnBrk="1" hangingPunct="1"/>
             <a:r>
-              <a:rPr lang="en-US" smtClean="0"/>
+              <a:rPr lang="en-US"/>
               <a:t>Test plan for all testing update Project </a:t>
             </a:r>
           </a:p>
           <a:p>
             <a:pPr lvl="1" eaLnBrk="1" hangingPunct="1"/>
             <a:r>
-              <a:rPr lang="en-US" smtClean="0"/>
+              <a:rPr lang="en-US"/>
               <a:t>Activities common to every phase</a:t>
             </a:r>
           </a:p>
           <a:p>
             <a:pPr eaLnBrk="1" hangingPunct="1"/>
             <a:r>
-              <a:rPr lang="en-US" smtClean="0"/>
+              <a:rPr lang="en-US"/>
               <a:t>End Product(s)</a:t>
             </a:r>
           </a:p>
           <a:p>
             <a:pPr lvl="1" eaLnBrk="1" hangingPunct="1"/>
             <a:r>
-              <a:rPr lang="en-US" smtClean="0"/>
+              <a:rPr lang="en-US"/>
               <a:t>Detail Design Specification</a:t>
             </a:r>
           </a:p>
           <a:p>
             <a:pPr lvl="1" eaLnBrk="1" hangingPunct="1"/>
             <a:r>
-              <a:rPr lang="en-US" smtClean="0"/>
+              <a:rPr lang="en-US"/>
               <a:t>Test Plan</a:t>
             </a:r>
           </a:p>
@@ -16081,13 +15881,6 @@
   <p:clrMapOvr>
     <a:masterClrMapping/>
   </p:clrMapOvr>
-  <p:timing>
-    <p:tnLst>
-      <p:par>
-        <p:cTn id="1" dur="indefinite" restart="never" nodeType="tmRoot"/>
-      </p:par>
-    </p:tnLst>
-  </p:timing>
 </p:sld>
 </file>
 
@@ -16130,7 +15923,7 @@
           <a:p>
             <a:pPr eaLnBrk="1" hangingPunct="1"/>
             <a:r>
-              <a:rPr lang="en-US" smtClean="0"/>
+              <a:rPr lang="en-US"/>
               <a:t>Construction</a:t>
             </a:r>
           </a:p>
@@ -16158,67 +15951,67 @@
           <a:p>
             <a:pPr eaLnBrk="1" hangingPunct="1"/>
             <a:r>
-              <a:rPr lang="en-US" smtClean="0"/>
+              <a:rPr lang="en-US"/>
               <a:t>Programming, testing and documentation of the applications based on the requirements specifications</a:t>
             </a:r>
             <a:r>
-              <a:rPr lang="en-US" sz="2400" smtClean="0"/>
+              <a:rPr lang="en-US" sz="2400"/>
               <a:t> </a:t>
             </a:r>
           </a:p>
           <a:p>
             <a:pPr eaLnBrk="1" hangingPunct="1"/>
             <a:r>
-              <a:rPr lang="en-US" smtClean="0"/>
+              <a:rPr lang="en-US"/>
               <a:t>Standard Activities</a:t>
             </a:r>
           </a:p>
           <a:p>
             <a:pPr lvl="1" eaLnBrk="1" hangingPunct="1"/>
             <a:r>
-              <a:rPr lang="en-US" smtClean="0"/>
+              <a:rPr lang="en-US"/>
               <a:t>Programming, Testing, Documentation</a:t>
             </a:r>
           </a:p>
           <a:p>
             <a:pPr lvl="1" eaLnBrk="1" hangingPunct="1"/>
             <a:r>
-              <a:rPr lang="en-US" smtClean="0"/>
+              <a:rPr lang="en-US"/>
               <a:t>Activities common to every phase</a:t>
             </a:r>
           </a:p>
           <a:p>
             <a:pPr eaLnBrk="1" hangingPunct="1"/>
             <a:r>
-              <a:rPr lang="en-US" smtClean="0"/>
+              <a:rPr lang="en-US"/>
               <a:t>End Product(s)</a:t>
             </a:r>
           </a:p>
           <a:p>
             <a:pPr lvl="1" eaLnBrk="1" hangingPunct="1"/>
             <a:r>
-              <a:rPr lang="en-US" smtClean="0"/>
+              <a:rPr lang="en-US"/>
               <a:t>Documented Source Programs</a:t>
             </a:r>
           </a:p>
           <a:p>
             <a:pPr lvl="1" eaLnBrk="1" hangingPunct="1"/>
             <a:r>
-              <a:rPr lang="en-US" smtClean="0"/>
+              <a:rPr lang="en-US"/>
               <a:t>User and Operations Guides</a:t>
             </a:r>
           </a:p>
           <a:p>
             <a:pPr lvl="1" eaLnBrk="1" hangingPunct="1"/>
             <a:r>
-              <a:rPr lang="en-US" smtClean="0"/>
+              <a:rPr lang="en-US"/>
               <a:t>Test Results</a:t>
             </a:r>
           </a:p>
           <a:p>
             <a:pPr lvl="1" eaLnBrk="1" hangingPunct="1"/>
             <a:r>
-              <a:rPr lang="en-US" smtClean="0"/>
+              <a:rPr lang="en-US"/>
               <a:t>Training Materials</a:t>
             </a:r>
           </a:p>
@@ -16229,13 +16022,6 @@
   <p:clrMapOvr>
     <a:masterClrMapping/>
   </p:clrMapOvr>
-  <p:timing>
-    <p:tnLst>
-      <p:par>
-        <p:cTn id="1" dur="indefinite" restart="never" nodeType="tmRoot"/>
-      </p:par>
-    </p:tnLst>
-  </p:timing>
 </p:sld>
 </file>
 
@@ -16278,7 +16064,7 @@
           <a:p>
             <a:pPr eaLnBrk="1" hangingPunct="1"/>
             <a:r>
-              <a:rPr lang="en-US" dirty="0" smtClean="0"/>
+              <a:rPr lang="en-US" dirty="0"/>
               <a:t>Deployment</a:t>
             </a:r>
           </a:p>
@@ -16306,70 +16092,70 @@
           <a:p>
             <a:pPr eaLnBrk="1" hangingPunct="1"/>
             <a:r>
-              <a:rPr lang="en-US" smtClean="0"/>
+              <a:rPr lang="en-US"/>
               <a:t>Correct environment is set up at the user/client site so that the system can be installed  </a:t>
             </a:r>
           </a:p>
           <a:p>
             <a:pPr eaLnBrk="1" hangingPunct="1"/>
             <a:r>
-              <a:rPr lang="en-US" smtClean="0"/>
+              <a:rPr lang="en-US"/>
               <a:t>Standard Activities</a:t>
             </a:r>
           </a:p>
           <a:p>
             <a:pPr lvl="1" eaLnBrk="1" hangingPunct="1"/>
             <a:r>
-              <a:rPr lang="en-US" smtClean="0"/>
+              <a:rPr lang="en-US"/>
               <a:t>Install and test the system to ensure it is workable</a:t>
             </a:r>
           </a:p>
           <a:p>
             <a:pPr lvl="1" eaLnBrk="1" hangingPunct="1"/>
             <a:r>
-              <a:rPr lang="en-US" smtClean="0"/>
+              <a:rPr lang="en-US"/>
               <a:t>Convert user data</a:t>
             </a:r>
           </a:p>
           <a:p>
             <a:pPr lvl="1" eaLnBrk="1" hangingPunct="1"/>
             <a:r>
-              <a:rPr lang="en-US" smtClean="0"/>
+              <a:rPr lang="en-US"/>
               <a:t>Train the users</a:t>
             </a:r>
           </a:p>
           <a:p>
             <a:pPr lvl="1" eaLnBrk="1" hangingPunct="1"/>
             <a:r>
-              <a:rPr lang="en-US" smtClean="0"/>
+              <a:rPr lang="en-US"/>
               <a:t>Activities common to every phase</a:t>
             </a:r>
           </a:p>
           <a:p>
             <a:pPr eaLnBrk="1" hangingPunct="1"/>
             <a:r>
-              <a:rPr lang="en-US" smtClean="0"/>
+              <a:rPr lang="en-US"/>
               <a:t>End Product(s)</a:t>
             </a:r>
           </a:p>
           <a:p>
             <a:pPr lvl="1" eaLnBrk="1" hangingPunct="1"/>
             <a:r>
-              <a:rPr lang="en-US" smtClean="0"/>
+              <a:rPr lang="en-US"/>
               <a:t>Updated user and operations guides</a:t>
             </a:r>
           </a:p>
           <a:p>
             <a:pPr lvl="1" eaLnBrk="1" hangingPunct="1"/>
             <a:r>
-              <a:rPr lang="en-US" smtClean="0"/>
+              <a:rPr lang="en-US"/>
               <a:t>Enhancement/change requests</a:t>
             </a:r>
           </a:p>
           <a:p>
             <a:pPr lvl="1" eaLnBrk="1" hangingPunct="1"/>
             <a:r>
-              <a:rPr lang="en-US" smtClean="0"/>
+              <a:rPr lang="en-US"/>
               <a:t>Corrected source programs</a:t>
             </a:r>
           </a:p>
@@ -16380,13 +16166,6 @@
   <p:clrMapOvr>
     <a:masterClrMapping/>
   </p:clrMapOvr>
-  <p:timing>
-    <p:tnLst>
-      <p:par>
-        <p:cTn id="1" dur="indefinite" restart="never" nodeType="tmRoot"/>
-      </p:par>
-    </p:tnLst>
-  </p:timing>
 </p:sld>
 </file>
 
@@ -16429,7 +16208,7 @@
           <a:p>
             <a:pPr eaLnBrk="1" hangingPunct="1"/>
             <a:r>
-              <a:rPr lang="en-US" smtClean="0"/>
+              <a:rPr lang="en-US"/>
               <a:t>Maintenance</a:t>
             </a:r>
           </a:p>
@@ -16457,7 +16236,7 @@
           <a:p>
             <a:pPr eaLnBrk="1" hangingPunct="1"/>
             <a:r>
-              <a:rPr lang="en-US" smtClean="0"/>
+              <a:rPr lang="en-US"/>
               <a:t>Two main activities:</a:t>
             </a:r>
           </a:p>
@@ -16467,7 +16246,7 @@
               <a:buAutoNum type="arabicPeriod"/>
             </a:pPr>
             <a:r>
-              <a:rPr lang="en-US" smtClean="0"/>
+              <a:rPr lang="en-US"/>
               <a:t>To correct any "bugs" which arise as the result of ongoing system use  </a:t>
             </a:r>
           </a:p>
@@ -16477,21 +16256,21 @@
               <a:buAutoNum type="arabicPeriod"/>
             </a:pPr>
             <a:r>
-              <a:rPr lang="en-US" smtClean="0"/>
+              <a:rPr lang="en-US"/>
               <a:t>To deal with requested user enhancements, or necessary changes based on new needs, for example, changed government regulations</a:t>
             </a:r>
           </a:p>
           <a:p>
             <a:pPr eaLnBrk="1" hangingPunct="1"/>
             <a:r>
-              <a:rPr lang="en-US" smtClean="0"/>
+              <a:rPr lang="en-US"/>
               <a:t>Change must be requested in writing, and the full SDLC process must follow  </a:t>
             </a:r>
           </a:p>
           <a:p>
             <a:pPr eaLnBrk="1" hangingPunct="1"/>
             <a:r>
-              <a:rPr lang="en-US" smtClean="0"/>
+              <a:rPr lang="en-US"/>
               <a:t>End Products include any program or documentation updates</a:t>
             </a:r>
           </a:p>
@@ -16502,13 +16281,6 @@
   <p:clrMapOvr>
     <a:masterClrMapping/>
   </p:clrMapOvr>
-  <p:timing>
-    <p:tnLst>
-      <p:par>
-        <p:cTn id="1" dur="indefinite" restart="never" nodeType="tmRoot"/>
-      </p:par>
-    </p:tnLst>
-  </p:timing>
 </p:sld>
 </file>
 
@@ -16551,7 +16323,7 @@
           <a:p>
             <a:pPr eaLnBrk="1" hangingPunct="1"/>
             <a:r>
-              <a:rPr lang="en-US" dirty="0" smtClean="0"/>
+              <a:rPr lang="en-US" dirty="0"/>
               <a:t>Software Development Methodologies</a:t>
             </a:r>
           </a:p>
@@ -16579,23 +16351,23 @@
           <a:p>
             <a:pPr eaLnBrk="1" hangingPunct="1"/>
             <a:r>
-              <a:rPr lang="en-US" dirty="0" smtClean="0"/>
+              <a:rPr lang="en-US" dirty="0"/>
               <a:t>Systems Analysis &amp; Design with UML version 2.0: An Object-Oriented Approach, Denis, Wixom, </a:t>
             </a:r>
             <a:r>
-              <a:rPr lang="en-US" dirty="0" err="1" smtClean="0"/>
+              <a:rPr lang="en-US" dirty="0" err="1"/>
               <a:t>Tegarden</a:t>
             </a:r>
             <a:r>
-              <a:rPr lang="en-US" dirty="0" smtClean="0"/>
+              <a:rPr lang="en-US" dirty="0"/>
               <a:t>, 3</a:t>
             </a:r>
             <a:r>
-              <a:rPr lang="en-US" baseline="30000" dirty="0" smtClean="0"/>
+              <a:rPr lang="en-US" baseline="30000" dirty="0"/>
               <a:t>rd</a:t>
             </a:r>
             <a:r>
-              <a:rPr lang="en-US" dirty="0" smtClean="0"/>
+              <a:rPr lang="en-US" dirty="0"/>
               <a:t> Edition, John Wiley &amp; Sons, 2009 </a:t>
             </a:r>
           </a:p>
@@ -16607,30 +16379,22 @@
                   <a:srgbClr val="0070C0"/>
                 </a:solidFill>
               </a:rPr>
-              <a:t>The subsequent blue-background slides are from this </a:t>
-            </a:r>
-            <a:r>
-              <a:rPr lang="en-US" dirty="0" smtClean="0">
-                <a:solidFill>
-                  <a:srgbClr val="0070C0"/>
-                </a:solidFill>
-              </a:rPr>
-              <a:t>book</a:t>
-            </a:r>
-            <a:endParaRPr lang="en-US" dirty="0" smtClean="0"/>
+              <a:t>The subsequent blue-background slides are from this book</a:t>
+            </a:r>
+            <a:endParaRPr lang="en-US" dirty="0"/>
           </a:p>
           <a:p>
             <a:pPr eaLnBrk="1" hangingPunct="1"/>
             <a:r>
-              <a:rPr lang="en-US" dirty="0" smtClean="0"/>
+              <a:rPr lang="en-US" dirty="0"/>
               <a:t>4</a:t>
             </a:r>
             <a:r>
-              <a:rPr lang="en-US" baseline="30000" dirty="0" smtClean="0"/>
+              <a:rPr lang="en-US" baseline="30000" dirty="0"/>
               <a:t>th</a:t>
             </a:r>
             <a:r>
-              <a:rPr lang="en-US" dirty="0" smtClean="0"/>
+              <a:rPr lang="en-US" dirty="0"/>
               <a:t> edition is available, 2012</a:t>
             </a:r>
           </a:p>
@@ -16642,21 +16406,15 @@
               <a:rPr lang="en-US" dirty="0">
                 <a:hlinkClick r:id="rId2"/>
               </a:rPr>
-              <a:t>http://</a:t>
-            </a:r>
-            <a:r>
-              <a:rPr lang="en-US" dirty="0" smtClean="0">
-                <a:hlinkClick r:id="rId2"/>
-              </a:rPr>
-              <a:t>ca.wiley.com/WileyCDA/Section/id-302478.html?query=dennis&amp;field=AUTHOR_LASTNAMES</a:t>
-            </a:r>
-            <a:endParaRPr lang="en-US" dirty="0" smtClean="0"/>
+              <a:t>http://ca.wiley.com/WileyCDA/Section/id-302478.html?query=dennis&amp;field=AUTHOR_LASTNAMES</a:t>
+            </a:r>
+            <a:endParaRPr lang="en-US" dirty="0"/>
           </a:p>
           <a:p>
             <a:pPr marL="457200" lvl="1" indent="0" eaLnBrk="1" hangingPunct="1">
               <a:buNone/>
             </a:pPr>
-            <a:endParaRPr lang="en-US" dirty="0" smtClean="0"/>
+            <a:endParaRPr lang="en-US" dirty="0"/>
           </a:p>
         </p:txBody>
       </p:sp>
@@ -16665,13 +16423,6 @@
   <p:clrMapOvr>
     <a:masterClrMapping/>
   </p:clrMapOvr>
-  <p:timing>
-    <p:tnLst>
-      <p:par>
-        <p:cTn id="1" dur="indefinite" restart="never" nodeType="tmRoot"/>
-      </p:par>
-    </p:tnLst>
-  </p:timing>
 </p:sld>
 </file>
 
@@ -16708,7 +16459,7 @@
           <a:lstStyle/>
           <a:p>
             <a:r>
-              <a:rPr lang="en-US" altLang="en-US" smtClean="0"/>
+              <a:rPr lang="en-US" altLang="en-US"/>
               <a:t>Categories of Methodologies</a:t>
             </a:r>
           </a:p>
@@ -16740,7 +16491,7 @@
               <a:defRPr/>
             </a:pPr>
             <a:r>
-              <a:rPr lang="en-US" dirty="0" smtClean="0"/>
+              <a:rPr lang="en-US" dirty="0"/>
               <a:t>Structured Design</a:t>
             </a:r>
           </a:p>
@@ -16754,7 +16505,7 @@
               <a:defRPr/>
             </a:pPr>
             <a:r>
-              <a:rPr lang="en-US" dirty="0" smtClean="0"/>
+              <a:rPr lang="en-US" dirty="0"/>
               <a:t>Waterfall Development</a:t>
             </a:r>
           </a:p>
@@ -16768,7 +16519,7 @@
               <a:defRPr/>
             </a:pPr>
             <a:r>
-              <a:rPr lang="en-US" dirty="0" smtClean="0"/>
+              <a:rPr lang="en-US" dirty="0"/>
               <a:t>Parallel Development</a:t>
             </a:r>
           </a:p>
@@ -16782,7 +16533,7 @@
               <a:defRPr/>
             </a:pPr>
             <a:r>
-              <a:rPr lang="en-US" dirty="0" smtClean="0"/>
+              <a:rPr lang="en-US" dirty="0"/>
               <a:t>Rapid Application Development</a:t>
             </a:r>
           </a:p>
@@ -16796,7 +16547,7 @@
               <a:defRPr/>
             </a:pPr>
             <a:r>
-              <a:rPr lang="en-US" dirty="0" smtClean="0"/>
+              <a:rPr lang="en-US" dirty="0"/>
               <a:t>Phased</a:t>
             </a:r>
           </a:p>
@@ -16810,7 +16561,7 @@
               <a:defRPr/>
             </a:pPr>
             <a:r>
-              <a:rPr lang="en-US" dirty="0" smtClean="0"/>
+              <a:rPr lang="en-US" dirty="0"/>
               <a:t>Prototyping</a:t>
             </a:r>
           </a:p>
@@ -16824,7 +16575,7 @@
               <a:defRPr/>
             </a:pPr>
             <a:r>
-              <a:rPr lang="en-US" dirty="0" smtClean="0"/>
+              <a:rPr lang="en-US" dirty="0"/>
               <a:t>Throwaway Prototyping</a:t>
             </a:r>
           </a:p>
@@ -16838,7 +16589,7 @@
               <a:defRPr/>
             </a:pPr>
             <a:r>
-              <a:rPr lang="en-US" dirty="0" smtClean="0"/>
+              <a:rPr lang="en-US" dirty="0"/>
               <a:t>Agile Development</a:t>
             </a:r>
           </a:p>
@@ -16852,7 +16603,7 @@
               <a:defRPr/>
             </a:pPr>
             <a:r>
-              <a:rPr lang="en-US" dirty="0" smtClean="0"/>
+              <a:rPr lang="en-US" dirty="0"/>
               <a:t>eXtreme Programming</a:t>
             </a:r>
           </a:p>
@@ -16879,13 +16630,6 @@
   <p:clrMapOvr>
     <a:masterClrMapping/>
   </p:clrMapOvr>
-  <p:timing>
-    <p:tnLst>
-      <p:par>
-        <p:cTn id="1" dur="indefinite" restart="never" nodeType="tmRoot"/>
-      </p:par>
-    </p:tnLst>
-  </p:timing>
 </p:sld>
 </file>
 
@@ -16922,7 +16666,7 @@
           <a:lstStyle/>
           <a:p>
             <a:r>
-              <a:rPr lang="en-US" altLang="en-US" smtClean="0"/>
+              <a:rPr lang="en-US" altLang="en-US"/>
               <a:t>Structured Design 1</a:t>
             </a:r>
           </a:p>
@@ -17114,7 +16858,7 @@
           <a:p>
             <a:pPr eaLnBrk="1" hangingPunct="1"/>
             <a:r>
-              <a:rPr kumimoji="0" lang="en-US" altLang="en-US" sz="2800" smtClean="0">
+              <a:rPr kumimoji="0" lang="en-US" altLang="en-US" sz="2800">
                 <a:solidFill>
                   <a:srgbClr val="1F497D"/>
                 </a:solidFill>
@@ -17134,13 +16878,6 @@
   <p:clrMapOvr>
     <a:masterClrMapping/>
   </p:clrMapOvr>
-  <p:timing>
-    <p:tnLst>
-      <p:par>
-        <p:cTn id="1" dur="indefinite" restart="never" nodeType="tmRoot"/>
-      </p:par>
-    </p:tnLst>
-  </p:timing>
 </p:sld>
 </file>
 
@@ -17183,7 +16920,7 @@
           <a:p>
             <a:pPr eaLnBrk="1" hangingPunct="1"/>
             <a:r>
-              <a:rPr lang="en-US" dirty="0" smtClean="0"/>
+              <a:rPr lang="en-US" dirty="0"/>
               <a:t>Waterfall Development</a:t>
             </a:r>
           </a:p>
@@ -17211,42 +16948,42 @@
           <a:p>
             <a:pPr eaLnBrk="1" hangingPunct="1"/>
             <a:r>
-              <a:rPr lang="en-US" dirty="0" smtClean="0"/>
+              <a:rPr lang="en-US" dirty="0"/>
               <a:t>Original structured design methodology</a:t>
             </a:r>
           </a:p>
           <a:p>
             <a:pPr eaLnBrk="1" hangingPunct="1"/>
             <a:r>
-              <a:rPr lang="en-US" dirty="0" smtClean="0"/>
+              <a:rPr lang="en-US" dirty="0"/>
               <a:t>Each phase must be complete before the next one starts</a:t>
             </a:r>
           </a:p>
           <a:p>
             <a:pPr eaLnBrk="1" hangingPunct="1"/>
             <a:r>
-              <a:rPr lang="en-US" dirty="0" smtClean="0"/>
+              <a:rPr lang="en-US" dirty="0"/>
               <a:t>Client must sign-off</a:t>
             </a:r>
           </a:p>
           <a:p>
             <a:pPr lvl="1" eaLnBrk="1" hangingPunct="1"/>
             <a:r>
-              <a:rPr lang="en-US" dirty="0" smtClean="0"/>
+              <a:rPr lang="en-US" dirty="0"/>
               <a:t>  Any further changes done as maintenance</a:t>
             </a:r>
           </a:p>
           <a:p>
             <a:pPr eaLnBrk="1" hangingPunct="1"/>
             <a:r>
-              <a:rPr lang="en-US" dirty="0" smtClean="0"/>
+              <a:rPr lang="en-US" dirty="0"/>
               <a:t>QA must approve deliverables</a:t>
             </a:r>
           </a:p>
           <a:p>
             <a:pPr eaLnBrk="1" hangingPunct="1"/>
             <a:r>
-              <a:rPr lang="en-US" dirty="0" smtClean="0"/>
+              <a:rPr lang="en-US" dirty="0"/>
               <a:t>Documentation must be complete</a:t>
             </a:r>
           </a:p>
@@ -17257,7 +16994,7 @@
           <a:p>
             <a:pPr eaLnBrk="1" hangingPunct="1"/>
             <a:r>
-              <a:rPr lang="en-US" dirty="0" smtClean="0">
+              <a:rPr lang="en-US" dirty="0">
                 <a:solidFill>
                   <a:srgbClr val="0070C0"/>
                 </a:solidFill>
@@ -17272,13 +17009,6 @@
   <p:clrMapOvr>
     <a:masterClrMapping/>
   </p:clrMapOvr>
-  <p:timing>
-    <p:tnLst>
-      <p:par>
-        <p:cTn id="1" dur="indefinite" restart="never" nodeType="tmRoot"/>
-      </p:par>
-    </p:tnLst>
-  </p:timing>
 </p:sld>
 </file>
 
@@ -17315,10 +17045,9 @@
           <a:lstStyle/>
           <a:p>
             <a:r>
-              <a:rPr lang="en-CA" dirty="0" smtClean="0"/>
+              <a:rPr lang="en-CA" dirty="0"/>
               <a:t>Project Definition – Required Elements</a:t>
             </a:r>
-            <a:endParaRPr lang="en-CA" dirty="0"/>
           </a:p>
         </p:txBody>
       </p:sp>
@@ -17343,73 +17072,73 @@
           <a:lstStyle/>
           <a:p>
             <a:r>
-              <a:rPr lang="en-CA" b="1" dirty="0" smtClean="0"/>
+              <a:rPr lang="en-CA" b="1" dirty="0"/>
               <a:t>Purpose </a:t>
             </a:r>
             <a:r>
-              <a:rPr lang="en-CA" dirty="0" smtClean="0"/>
+              <a:rPr lang="en-CA" dirty="0"/>
               <a:t>– Why? (organizational objective, problem being solved, priority level)</a:t>
             </a:r>
           </a:p>
           <a:p>
             <a:r>
-              <a:rPr lang="en-CA" b="1" dirty="0" smtClean="0"/>
+              <a:rPr lang="en-CA" b="1" dirty="0"/>
               <a:t>Goals &amp; Objectives</a:t>
             </a:r>
           </a:p>
           <a:p>
             <a:r>
-              <a:rPr lang="en-CA" b="1" dirty="0" smtClean="0"/>
+              <a:rPr lang="en-CA" b="1" dirty="0"/>
               <a:t>Success Criteria</a:t>
             </a:r>
           </a:p>
           <a:p>
             <a:r>
-              <a:rPr lang="en-CA" b="1" dirty="0" smtClean="0"/>
+              <a:rPr lang="en-CA" b="1" dirty="0"/>
               <a:t>Project Context</a:t>
             </a:r>
             <a:r>
-              <a:rPr lang="en-CA" dirty="0" smtClean="0"/>
+              <a:rPr lang="en-CA" dirty="0"/>
               <a:t> – relation to the organization, relation to other projects</a:t>
             </a:r>
           </a:p>
           <a:p>
             <a:r>
-              <a:rPr lang="en-CA" b="1" dirty="0" smtClean="0"/>
+              <a:rPr lang="en-CA" b="1" dirty="0"/>
               <a:t>Scope Specification </a:t>
             </a:r>
             <a:r>
-              <a:rPr lang="en-CA" dirty="0" smtClean="0"/>
+              <a:rPr lang="en-CA" dirty="0"/>
               <a:t>– defines boundaries</a:t>
             </a:r>
           </a:p>
           <a:p>
             <a:r>
-              <a:rPr lang="en-CA" b="1" dirty="0" smtClean="0"/>
+              <a:rPr lang="en-CA" b="1" dirty="0"/>
               <a:t>Out-of-Scope Specifications </a:t>
             </a:r>
           </a:p>
           <a:p>
             <a:r>
-              <a:rPr lang="en-CA" b="1" dirty="0" smtClean="0"/>
+              <a:rPr lang="en-CA" b="1" dirty="0"/>
               <a:t>Assumptions</a:t>
             </a:r>
           </a:p>
           <a:p>
             <a:r>
-              <a:rPr lang="en-CA" b="1" dirty="0" smtClean="0"/>
+              <a:rPr lang="en-CA" b="1" dirty="0"/>
               <a:t>Constraints </a:t>
             </a:r>
             <a:r>
-              <a:rPr lang="en-CA" dirty="0" smtClean="0"/>
+              <a:rPr lang="en-CA" dirty="0"/>
               <a:t>– any business event, schedule, budget, resource, technology constraints</a:t>
             </a:r>
           </a:p>
           <a:p>
-            <a:endParaRPr lang="en-CA" dirty="0" smtClean="0"/>
-          </a:p>
-          <a:p>
-            <a:endParaRPr lang="en-CA" dirty="0" smtClean="0"/>
+            <a:endParaRPr lang="en-CA" dirty="0"/>
+          </a:p>
+          <a:p>
+            <a:endParaRPr lang="en-CA" dirty="0"/>
           </a:p>
           <a:p>
             <a:endParaRPr lang="en-CA" dirty="0"/>
@@ -17421,13 +17150,6 @@
   <p:clrMapOvr>
     <a:masterClrMapping/>
   </p:clrMapOvr>
-  <p:timing>
-    <p:tnLst>
-      <p:par>
-        <p:cTn id="1" dur="indefinite" restart="never" nodeType="tmRoot"/>
-      </p:par>
-    </p:tnLst>
-  </p:timing>
 </p:sld>
 </file>
 
@@ -17464,7 +17186,7 @@
           <a:lstStyle/>
           <a:p>
             <a:r>
-              <a:rPr lang="en-US" altLang="en-US" smtClean="0"/>
+              <a:rPr lang="en-US" altLang="en-US"/>
               <a:t>Structured Design 2</a:t>
             </a:r>
           </a:p>
@@ -17656,7 +17378,7 @@
           <a:p>
             <a:pPr eaLnBrk="1" hangingPunct="1"/>
             <a:r>
-              <a:rPr kumimoji="0" lang="en-US" altLang="en-US" sz="2800" smtClean="0">
+              <a:rPr kumimoji="0" lang="en-US" altLang="en-US" sz="2800">
                 <a:solidFill>
                   <a:srgbClr val="1F497D"/>
                 </a:solidFill>
@@ -17676,13 +17398,6 @@
   <p:clrMapOvr>
     <a:masterClrMapping/>
   </p:clrMapOvr>
-  <p:timing>
-    <p:tnLst>
-      <p:par>
-        <p:cTn id="1" dur="indefinite" restart="never" nodeType="tmRoot"/>
-      </p:par>
-    </p:tnLst>
-  </p:timing>
 </p:sld>
 </file>
 
@@ -17726,11 +17441,7 @@
             <a:pPr eaLnBrk="1" hangingPunct="1"/>
             <a:r>
               <a:rPr lang="en-US" dirty="0"/>
-              <a:t>P</a:t>
-            </a:r>
-            <a:r>
-              <a:rPr lang="en-US" dirty="0" smtClean="0"/>
-              <a:t>arallel Development</a:t>
+              <a:t>Parallel Development</a:t>
             </a:r>
           </a:p>
         </p:txBody>
@@ -17757,7 +17468,7 @@
           <a:p>
             <a:pPr eaLnBrk="1" hangingPunct="1"/>
             <a:r>
-              <a:rPr lang="en-US" dirty="0" smtClean="0"/>
+              <a:rPr lang="en-US" dirty="0"/>
               <a:t>Planning, analysis, and general design up front</a:t>
             </a:r>
           </a:p>
@@ -17765,24 +17476,15 @@
             <a:pPr eaLnBrk="1" hangingPunct="1"/>
             <a:r>
               <a:rPr lang="en-US" dirty="0"/>
-              <a:t>Independent parts developed at the same </a:t>
-            </a:r>
-            <a:r>
-              <a:rPr lang="en-US" dirty="0" smtClean="0"/>
-              <a:t>time (design, implementation)</a:t>
+              <a:t>Independent parts developed at the same time (design, implementation)</a:t>
             </a:r>
           </a:p>
           <a:p>
             <a:pPr eaLnBrk="1" hangingPunct="1"/>
             <a:r>
-              <a:rPr lang="en-US" dirty="0" smtClean="0"/>
+              <a:rPr lang="en-US" dirty="0"/>
               <a:t>Integration needed once parts are developed</a:t>
             </a:r>
-            <a:endParaRPr lang="en-US" dirty="0"/>
-          </a:p>
-          <a:p>
-            <a:pPr eaLnBrk="1" hangingPunct="1"/>
-            <a:endParaRPr lang="en-US" dirty="0" smtClean="0"/>
           </a:p>
           <a:p>
             <a:pPr eaLnBrk="1" hangingPunct="1"/>
@@ -17790,8 +17492,12 @@
           </a:p>
           <a:p>
             <a:pPr eaLnBrk="1" hangingPunct="1"/>
-            <a:r>
-              <a:rPr lang="en-US" dirty="0" smtClean="0">
+            <a:endParaRPr lang="en-US" dirty="0"/>
+          </a:p>
+          <a:p>
+            <a:pPr eaLnBrk="1" hangingPunct="1"/>
+            <a:r>
+              <a:rPr lang="en-US" dirty="0">
                 <a:solidFill>
                   <a:srgbClr val="0070C0"/>
                 </a:solidFill>
@@ -17811,13 +17517,6 @@
   <p:clrMapOvr>
     <a:masterClrMapping/>
   </p:clrMapOvr>
-  <p:timing>
-    <p:tnLst>
-      <p:par>
-        <p:cTn id="1" dur="indefinite" restart="never" nodeType="tmRoot"/>
-      </p:par>
-    </p:tnLst>
-  </p:timing>
 </p:sld>
 </file>
 
@@ -17848,13 +17547,18 @@
             <p:ph type="title"/>
           </p:nvPr>
         </p:nvSpPr>
-        <p:spPr/>
+        <p:spPr>
+          <a:xfrm>
+            <a:off x="515336" y="381000"/>
+            <a:ext cx="6347713" cy="1320800"/>
+          </a:xfrm>
+        </p:spPr>
         <p:txBody>
           <a:bodyPr/>
           <a:lstStyle/>
           <a:p>
             <a:r>
-              <a:rPr lang="en-US" altLang="en-US" smtClean="0"/>
+              <a:rPr lang="en-US" altLang="en-US" dirty="0"/>
               <a:t>Rapid Application Development 1</a:t>
             </a:r>
           </a:p>
@@ -18046,7 +17750,7 @@
           <a:p>
             <a:pPr eaLnBrk="1" hangingPunct="1"/>
             <a:r>
-              <a:rPr kumimoji="0" lang="en-US" altLang="en-US" sz="2800" smtClean="0">
+              <a:rPr kumimoji="0" lang="en-US" altLang="en-US" sz="2800">
                 <a:solidFill>
                   <a:srgbClr val="1F497D"/>
                 </a:solidFill>
@@ -18066,13 +17770,6 @@
   <p:clrMapOvr>
     <a:masterClrMapping/>
   </p:clrMapOvr>
-  <p:timing>
-    <p:tnLst>
-      <p:par>
-        <p:cTn id="1" dur="indefinite" restart="never" nodeType="tmRoot"/>
-      </p:par>
-    </p:tnLst>
-  </p:timing>
 </p:sld>
 </file>
 
@@ -18115,7 +17812,7 @@
           <a:p>
             <a:pPr eaLnBrk="1" hangingPunct="1"/>
             <a:r>
-              <a:rPr lang="en-US" dirty="0" smtClean="0"/>
+              <a:rPr lang="en-US" dirty="0"/>
               <a:t>RAD Phased Development</a:t>
             </a:r>
           </a:p>
@@ -18143,17 +17840,16 @@
           <a:p>
             <a:pPr eaLnBrk="1" hangingPunct="1"/>
             <a:r>
-              <a:rPr lang="en-US" dirty="0" smtClean="0"/>
+              <a:rPr lang="en-US" dirty="0"/>
               <a:t>The idea of Rapid Application Development is to get part of the system developed quickly and delivered to the users</a:t>
             </a:r>
           </a:p>
           <a:p>
             <a:pPr eaLnBrk="1" hangingPunct="1"/>
             <a:r>
-              <a:rPr lang="en-US" dirty="0" smtClean="0"/>
+              <a:rPr lang="en-US" dirty="0"/>
               <a:t>In phased development, system is developed in phases (versions) sequentially</a:t>
             </a:r>
-            <a:endParaRPr lang="en-US" dirty="0"/>
           </a:p>
           <a:p>
             <a:pPr marL="0" indent="0" eaLnBrk="1" hangingPunct="1">
@@ -18164,7 +17860,7 @@
           <a:p>
             <a:pPr eaLnBrk="1" hangingPunct="1"/>
             <a:r>
-              <a:rPr lang="en-US" dirty="0" smtClean="0">
+              <a:rPr lang="en-US" dirty="0">
                 <a:solidFill>
                   <a:srgbClr val="0070C0"/>
                 </a:solidFill>
@@ -18184,13 +17880,6 @@
   <p:clrMapOvr>
     <a:masterClrMapping/>
   </p:clrMapOvr>
-  <p:timing>
-    <p:tnLst>
-      <p:par>
-        <p:cTn id="1" dur="indefinite" restart="never" nodeType="tmRoot"/>
-      </p:par>
-    </p:tnLst>
-  </p:timing>
 </p:sld>
 </file>
 
@@ -18232,7 +17921,7 @@
           <a:lstStyle/>
           <a:p>
             <a:r>
-              <a:rPr lang="en-US" altLang="en-US" dirty="0" smtClean="0"/>
+              <a:rPr lang="en-US" altLang="en-US" dirty="0"/>
               <a:t>Rapid Application Development 2</a:t>
             </a:r>
           </a:p>
@@ -18424,7 +18113,7 @@
           <a:p>
             <a:pPr eaLnBrk="1" hangingPunct="1"/>
             <a:r>
-              <a:rPr kumimoji="0" lang="en-US" altLang="en-US" sz="2800" smtClean="0">
+              <a:rPr kumimoji="0" lang="en-US" altLang="en-US" sz="2800">
                 <a:solidFill>
                   <a:srgbClr val="1F497D"/>
                 </a:solidFill>
@@ -18444,13 +18133,6 @@
   <p:clrMapOvr>
     <a:masterClrMapping/>
   </p:clrMapOvr>
-  <p:timing>
-    <p:tnLst>
-      <p:par>
-        <p:cTn id="1" dur="indefinite" restart="never" nodeType="tmRoot"/>
-      </p:par>
-    </p:tnLst>
-  </p:timing>
 </p:sld>
 </file>
 
@@ -18493,7 +18175,7 @@
           <a:p>
             <a:pPr eaLnBrk="1" hangingPunct="1"/>
             <a:r>
-              <a:rPr lang="en-US" dirty="0" smtClean="0"/>
+              <a:rPr lang="en-US" dirty="0"/>
               <a:t>Prototyping Methodology</a:t>
             </a:r>
           </a:p>
@@ -18521,28 +18203,28 @@
           <a:p>
             <a:pPr eaLnBrk="1" hangingPunct="1"/>
             <a:r>
-              <a:rPr lang="en-US" dirty="0" smtClean="0"/>
+              <a:rPr lang="en-US" dirty="0"/>
               <a:t>Starts with a “quick and dirty” program that provides minimal features; features added to it iteratively after obtaining users’ feedback</a:t>
             </a:r>
           </a:p>
           <a:p>
             <a:pPr eaLnBrk="1" hangingPunct="1"/>
             <a:r>
-              <a:rPr lang="en-US" dirty="0" smtClean="0"/>
+              <a:rPr lang="en-US" dirty="0"/>
               <a:t>Users involved in the development process</a:t>
             </a:r>
           </a:p>
           <a:p>
             <a:pPr eaLnBrk="1" hangingPunct="1"/>
             <a:r>
-              <a:rPr lang="en-US" dirty="0" smtClean="0"/>
+              <a:rPr lang="en-US" dirty="0"/>
               <a:t>Challenge with careful methodological analysis</a:t>
             </a:r>
           </a:p>
           <a:p>
             <a:pPr eaLnBrk="1" hangingPunct="1"/>
             <a:r>
-              <a:rPr lang="en-US" dirty="0" smtClean="0"/>
+              <a:rPr lang="en-US" dirty="0"/>
               <a:t>Also known as Iterative Model or Spiral Model</a:t>
             </a:r>
           </a:p>
@@ -18553,13 +18235,6 @@
   <p:clrMapOvr>
     <a:masterClrMapping/>
   </p:clrMapOvr>
-  <p:timing>
-    <p:tnLst>
-      <p:par>
-        <p:cTn id="1" dur="indefinite" restart="never" nodeType="tmRoot"/>
-      </p:par>
-    </p:tnLst>
-  </p:timing>
 </p:sld>
 </file>
 
@@ -18601,7 +18276,7 @@
           <a:lstStyle/>
           <a:p>
             <a:r>
-              <a:rPr lang="en-US" altLang="en-US" dirty="0" smtClean="0"/>
+              <a:rPr lang="en-US" altLang="en-US" dirty="0"/>
               <a:t>Rapid Application Development 3</a:t>
             </a:r>
           </a:p>
@@ -18793,7 +18468,7 @@
           <a:p>
             <a:pPr eaLnBrk="1" hangingPunct="1"/>
             <a:r>
-              <a:rPr kumimoji="0" lang="en-US" altLang="en-US" sz="2800" smtClean="0">
+              <a:rPr kumimoji="0" lang="en-US" altLang="en-US" sz="2800">
                 <a:solidFill>
                   <a:srgbClr val="1F497D"/>
                 </a:solidFill>
@@ -18813,13 +18488,6 @@
   <p:clrMapOvr>
     <a:masterClrMapping/>
   </p:clrMapOvr>
-  <p:timing>
-    <p:tnLst>
-      <p:par>
-        <p:cTn id="1" dur="indefinite" restart="never" nodeType="tmRoot"/>
-      </p:par>
-    </p:tnLst>
-  </p:timing>
 </p:sld>
 </file>
 
@@ -18862,7 +18530,7 @@
           <a:p>
             <a:pPr eaLnBrk="1" hangingPunct="1"/>
             <a:r>
-              <a:rPr lang="en-US" dirty="0" smtClean="0"/>
+              <a:rPr lang="en-US" dirty="0"/>
               <a:t>Throwaway Prototyping</a:t>
             </a:r>
           </a:p>
@@ -18892,24 +18560,23 @@
           <a:p>
             <a:pPr eaLnBrk="1" hangingPunct="1"/>
             <a:r>
-              <a:rPr lang="en-US" dirty="0" smtClean="0"/>
+              <a:rPr lang="en-US" dirty="0"/>
               <a:t>Refines key issues BEFORE the system is built</a:t>
             </a:r>
           </a:p>
           <a:p>
             <a:pPr eaLnBrk="1" hangingPunct="1"/>
             <a:r>
-              <a:rPr lang="en-US" dirty="0" smtClean="0"/>
+              <a:rPr lang="en-US" dirty="0"/>
               <a:t>Experience gained in creating the prototype facilitates development of the “real” system</a:t>
             </a:r>
           </a:p>
           <a:p>
             <a:pPr eaLnBrk="1" hangingPunct="1"/>
             <a:r>
-              <a:rPr lang="en-US" dirty="0" smtClean="0"/>
+              <a:rPr lang="en-US" dirty="0"/>
               <a:t>Produces more stable and reliable systems</a:t>
             </a:r>
-            <a:endParaRPr lang="en-US" dirty="0"/>
           </a:p>
           <a:p>
             <a:pPr marL="0" indent="0" eaLnBrk="1" hangingPunct="1">
@@ -18929,13 +18596,6 @@
   <p:clrMapOvr>
     <a:masterClrMapping/>
   </p:clrMapOvr>
-  <p:timing>
-    <p:tnLst>
-      <p:par>
-        <p:cTn id="1" dur="indefinite" restart="never" nodeType="tmRoot"/>
-      </p:par>
-    </p:tnLst>
-  </p:timing>
 </p:sld>
 </file>
 
@@ -18977,7 +18637,7 @@
           <a:lstStyle/>
           <a:p>
             <a:r>
-              <a:rPr lang="en-US" altLang="en-US" dirty="0" smtClean="0"/>
+              <a:rPr lang="en-US" altLang="en-US" dirty="0"/>
               <a:t>Selecting the Right Methodology*</a:t>
             </a:r>
           </a:p>
@@ -19059,11 +18719,11 @@
                     <a:lstStyle/>
                     <a:p>
                       <a:r>
-                        <a:rPr lang="en-US" sz="1800" dirty="0" smtClean="0"/>
+                        <a:rPr lang="en-US" sz="1800" dirty="0"/>
                         <a:t>Usefulness</a:t>
                       </a:r>
                       <a:r>
-                        <a:rPr lang="en-US" sz="1800" baseline="0" dirty="0" smtClean="0"/>
+                        <a:rPr lang="en-US" sz="1800" baseline="0" dirty="0"/>
                         <a:t> for</a:t>
                       </a:r>
                       <a:endParaRPr lang="en-US" sz="1800" dirty="0"/>
@@ -19077,10 +18737,9 @@
                     <a:lstStyle/>
                     <a:p>
                       <a:r>
-                        <a:rPr lang="en-US" sz="1400" dirty="0" smtClean="0"/>
+                        <a:rPr lang="en-US" sz="1400" dirty="0"/>
                         <a:t>Waterfall</a:t>
                       </a:r>
-                      <a:endParaRPr lang="en-US" sz="1400" dirty="0"/>
                     </a:p>
                   </a:txBody>
                   <a:tcPr marT="45714" marB="45714"/>
@@ -19091,10 +18750,9 @@
                     <a:lstStyle/>
                     <a:p>
                       <a:r>
-                        <a:rPr lang="en-US" sz="1400" dirty="0" smtClean="0"/>
+                        <a:rPr lang="en-US" sz="1400" dirty="0"/>
                         <a:t>Parallel</a:t>
                       </a:r>
-                      <a:endParaRPr lang="en-US" sz="1400" dirty="0"/>
                     </a:p>
                   </a:txBody>
                   <a:tcPr marT="45714" marB="45714"/>
@@ -19105,10 +18763,9 @@
                     <a:lstStyle/>
                     <a:p>
                       <a:r>
-                        <a:rPr lang="en-US" sz="1400" dirty="0" smtClean="0"/>
+                        <a:rPr lang="en-US" sz="1400" dirty="0"/>
                         <a:t>Phased</a:t>
                       </a:r>
-                      <a:endParaRPr lang="en-US" sz="1400" dirty="0"/>
                     </a:p>
                   </a:txBody>
                   <a:tcPr marT="45714" marB="45714"/>
@@ -19119,10 +18776,9 @@
                     <a:lstStyle/>
                     <a:p>
                       <a:r>
-                        <a:rPr lang="en-US" sz="1400" dirty="0" smtClean="0"/>
+                        <a:rPr lang="en-US" sz="1400" dirty="0"/>
                         <a:t>Prototyping</a:t>
                       </a:r>
-                      <a:endParaRPr lang="en-US" sz="1400" dirty="0"/>
                     </a:p>
                   </a:txBody>
                   <a:tcPr marT="45714" marB="45714"/>
@@ -19133,10 +18789,9 @@
                     <a:lstStyle/>
                     <a:p>
                       <a:r>
-                        <a:rPr lang="en-US" sz="1400" dirty="0" smtClean="0"/>
+                        <a:rPr lang="en-US" sz="1400" dirty="0"/>
                         <a:t>Throwaway Prototyping</a:t>
                       </a:r>
-                      <a:endParaRPr lang="en-US" sz="1400" dirty="0"/>
                     </a:p>
                   </a:txBody>
                   <a:tcPr marT="45714" marB="45714"/>
@@ -19154,10 +18809,9 @@
                     <a:lstStyle/>
                     <a:p>
                       <a:r>
-                        <a:rPr lang="en-US" sz="1800" dirty="0" smtClean="0"/>
+                        <a:rPr lang="en-US" sz="1800" dirty="0"/>
                         <a:t>Unclear user requirements</a:t>
                       </a:r>
-                      <a:endParaRPr lang="en-US" sz="1800" dirty="0"/>
                     </a:p>
                   </a:txBody>
                   <a:tcPr marT="45714" marB="45714"/>
@@ -19168,18 +18822,13 @@
                     <a:lstStyle/>
                     <a:p>
                       <a:r>
-                        <a:rPr lang="en-US" sz="1600" dirty="0" smtClean="0">
+                        <a:rPr lang="en-US" sz="1600" dirty="0">
                           <a:solidFill>
                             <a:srgbClr val="C00000"/>
                           </a:solidFill>
                         </a:rPr>
                         <a:t>Poor</a:t>
                       </a:r>
-                      <a:endParaRPr lang="en-US" sz="1600" dirty="0">
-                        <a:solidFill>
-                          <a:srgbClr val="C00000"/>
-                        </a:solidFill>
-                      </a:endParaRPr>
                     </a:p>
                   </a:txBody>
                   <a:tcPr marT="45714" marB="45714"/>
@@ -19190,18 +18839,13 @@
                     <a:lstStyle/>
                     <a:p>
                       <a:r>
-                        <a:rPr lang="en-US" sz="1600" dirty="0" smtClean="0">
+                        <a:rPr lang="en-US" sz="1600" dirty="0">
                           <a:solidFill>
                             <a:srgbClr val="C00000"/>
                           </a:solidFill>
                         </a:rPr>
                         <a:t>Poor</a:t>
                       </a:r>
-                      <a:endParaRPr lang="en-US" sz="1600" dirty="0">
-                        <a:solidFill>
-                          <a:srgbClr val="C00000"/>
-                        </a:solidFill>
-                      </a:endParaRPr>
                     </a:p>
                   </a:txBody>
                   <a:tcPr marT="45714" marB="45714"/>
@@ -19212,10 +18856,9 @@
                     <a:lstStyle/>
                     <a:p>
                       <a:r>
-                        <a:rPr lang="en-US" sz="1600" dirty="0" smtClean="0"/>
+                        <a:rPr lang="en-US" sz="1600" dirty="0"/>
                         <a:t>Good</a:t>
                       </a:r>
-                      <a:endParaRPr lang="en-US" sz="1600" dirty="0"/>
                     </a:p>
                   </a:txBody>
                   <a:tcPr marT="45714" marB="45714"/>
@@ -19226,18 +18869,13 @@
                     <a:lstStyle/>
                     <a:p>
                       <a:r>
-                        <a:rPr lang="en-US" sz="1600" dirty="0" smtClean="0">
+                        <a:rPr lang="en-US" sz="1600" dirty="0">
                           <a:solidFill>
                             <a:srgbClr val="008A3E"/>
                           </a:solidFill>
                         </a:rPr>
                         <a:t>Excellent</a:t>
                       </a:r>
-                      <a:endParaRPr lang="en-US" sz="1600" dirty="0">
-                        <a:solidFill>
-                          <a:srgbClr val="008A3E"/>
-                        </a:solidFill>
-                      </a:endParaRPr>
                     </a:p>
                   </a:txBody>
                   <a:tcPr marT="45714" marB="45714"/>
@@ -19248,18 +18886,13 @@
                     <a:lstStyle/>
                     <a:p>
                       <a:r>
-                        <a:rPr lang="en-US" sz="1600" dirty="0" smtClean="0">
+                        <a:rPr lang="en-US" sz="1600" dirty="0">
                           <a:solidFill>
                             <a:srgbClr val="008A3E"/>
                           </a:solidFill>
                         </a:rPr>
                         <a:t>Excellent</a:t>
                       </a:r>
-                      <a:endParaRPr lang="en-US" sz="1600" dirty="0">
-                        <a:solidFill>
-                          <a:srgbClr val="008A3E"/>
-                        </a:solidFill>
-                      </a:endParaRPr>
                     </a:p>
                   </a:txBody>
                   <a:tcPr marT="45714" marB="45714"/>
@@ -19277,7 +18910,7 @@
                     <a:lstStyle/>
                     <a:p>
                       <a:r>
-                        <a:rPr lang="en-US" sz="1800" dirty="0" smtClean="0"/>
+                        <a:rPr lang="en-US" sz="1800" dirty="0"/>
                         <a:t>Unfamiliar technology</a:t>
                       </a:r>
                     </a:p>
@@ -19290,18 +18923,13 @@
                     <a:lstStyle/>
                     <a:p>
                       <a:r>
-                        <a:rPr lang="en-US" sz="1600" dirty="0" smtClean="0">
+                        <a:rPr lang="en-US" sz="1600" dirty="0">
                           <a:solidFill>
                             <a:srgbClr val="C00000"/>
                           </a:solidFill>
                         </a:rPr>
                         <a:t>Poor</a:t>
                       </a:r>
-                      <a:endParaRPr lang="en-US" sz="1600" dirty="0">
-                        <a:solidFill>
-                          <a:srgbClr val="C00000"/>
-                        </a:solidFill>
-                      </a:endParaRPr>
                     </a:p>
                   </a:txBody>
                   <a:tcPr marT="45714" marB="45714"/>
@@ -19312,18 +18940,13 @@
                     <a:lstStyle/>
                     <a:p>
                       <a:r>
-                        <a:rPr lang="en-US" sz="1600" dirty="0" smtClean="0">
+                        <a:rPr lang="en-US" sz="1600" dirty="0">
                           <a:solidFill>
                             <a:srgbClr val="C00000"/>
                           </a:solidFill>
                         </a:rPr>
                         <a:t>Poor</a:t>
                       </a:r>
-                      <a:endParaRPr lang="en-US" sz="1600" dirty="0">
-                        <a:solidFill>
-                          <a:srgbClr val="C00000"/>
-                        </a:solidFill>
-                      </a:endParaRPr>
                     </a:p>
                   </a:txBody>
                   <a:tcPr marT="45714" marB="45714"/>
@@ -19351,7 +18974,7 @@
                         <a:defRPr/>
                       </a:pPr>
                       <a:r>
-                        <a:rPr lang="en-US" sz="1600" dirty="0" smtClean="0"/>
+                        <a:rPr lang="en-US" sz="1600" dirty="0"/>
                         <a:t>Good</a:t>
                       </a:r>
                     </a:p>
@@ -19364,18 +18987,13 @@
                     <a:lstStyle/>
                     <a:p>
                       <a:r>
-                        <a:rPr lang="en-US" sz="1600" dirty="0" smtClean="0">
+                        <a:rPr lang="en-US" sz="1600" dirty="0">
                           <a:solidFill>
                             <a:srgbClr val="C00000"/>
                           </a:solidFill>
                         </a:rPr>
                         <a:t>Poor</a:t>
                       </a:r>
-                      <a:endParaRPr lang="en-US" sz="1600" dirty="0">
-                        <a:solidFill>
-                          <a:srgbClr val="C00000"/>
-                        </a:solidFill>
-                      </a:endParaRPr>
                     </a:p>
                   </a:txBody>
                   <a:tcPr marT="45714" marB="45714"/>
@@ -19386,18 +19004,13 @@
                     <a:lstStyle/>
                     <a:p>
                       <a:r>
-                        <a:rPr lang="en-US" sz="1600" dirty="0" smtClean="0">
+                        <a:rPr lang="en-US" sz="1600" dirty="0">
                           <a:solidFill>
                             <a:srgbClr val="008A3E"/>
                           </a:solidFill>
                         </a:rPr>
                         <a:t>Excellent</a:t>
                       </a:r>
-                      <a:endParaRPr lang="en-US" sz="1600" dirty="0">
-                        <a:solidFill>
-                          <a:srgbClr val="008A3E"/>
-                        </a:solidFill>
-                      </a:endParaRPr>
                     </a:p>
                   </a:txBody>
                   <a:tcPr marT="45714" marB="45714"/>
@@ -19415,11 +19028,11 @@
                     <a:lstStyle/>
                     <a:p>
                       <a:r>
-                        <a:rPr lang="en-US" sz="1800" dirty="0" smtClean="0"/>
+                        <a:rPr lang="en-US" sz="1800" dirty="0"/>
                         <a:t>Complex</a:t>
                       </a:r>
                       <a:r>
-                        <a:rPr lang="en-US" sz="1800" baseline="0" dirty="0" smtClean="0"/>
+                        <a:rPr lang="en-US" sz="1800" baseline="0" dirty="0"/>
                         <a:t> systems</a:t>
                       </a:r>
                       <a:endParaRPr lang="en-US" sz="1800" dirty="0"/>
@@ -19433,10 +19046,9 @@
                     <a:lstStyle/>
                     <a:p>
                       <a:r>
-                        <a:rPr lang="en-US" sz="1600" dirty="0" smtClean="0"/>
+                        <a:rPr lang="en-US" sz="1600" dirty="0"/>
                         <a:t>Good</a:t>
                       </a:r>
-                      <a:endParaRPr lang="en-US" sz="1600" dirty="0"/>
                     </a:p>
                   </a:txBody>
                   <a:tcPr marT="45714" marB="45714"/>
@@ -19447,10 +19059,9 @@
                     <a:lstStyle/>
                     <a:p>
                       <a:r>
-                        <a:rPr lang="en-US" sz="1600" dirty="0" smtClean="0"/>
+                        <a:rPr lang="en-US" sz="1600" dirty="0"/>
                         <a:t>Good</a:t>
                       </a:r>
-                      <a:endParaRPr lang="en-US" sz="1600" dirty="0"/>
                     </a:p>
                   </a:txBody>
                   <a:tcPr marT="45714" marB="45714"/>
@@ -19478,7 +19089,7 @@
                         <a:defRPr/>
                       </a:pPr>
                       <a:r>
-                        <a:rPr lang="en-US" sz="1600" dirty="0" smtClean="0"/>
+                        <a:rPr lang="en-US" sz="1600" dirty="0"/>
                         <a:t>Good</a:t>
                       </a:r>
                     </a:p>
@@ -19491,18 +19102,13 @@
                     <a:lstStyle/>
                     <a:p>
                       <a:r>
-                        <a:rPr lang="en-US" sz="1600" dirty="0" smtClean="0">
+                        <a:rPr lang="en-US" sz="1600" dirty="0">
                           <a:solidFill>
                             <a:srgbClr val="C00000"/>
                           </a:solidFill>
                         </a:rPr>
                         <a:t>Poor</a:t>
                       </a:r>
-                      <a:endParaRPr lang="en-US" sz="1600" dirty="0">
-                        <a:solidFill>
-                          <a:srgbClr val="C00000"/>
-                        </a:solidFill>
-                      </a:endParaRPr>
                     </a:p>
                   </a:txBody>
                   <a:tcPr marT="45714" marB="45714"/>
@@ -19513,18 +19119,13 @@
                     <a:lstStyle/>
                     <a:p>
                       <a:r>
-                        <a:rPr lang="en-US" sz="1600" dirty="0" smtClean="0">
+                        <a:rPr lang="en-US" sz="1600" dirty="0">
                           <a:solidFill>
                             <a:srgbClr val="008A3E"/>
                           </a:solidFill>
                         </a:rPr>
                         <a:t>Excellent</a:t>
                       </a:r>
-                      <a:endParaRPr lang="en-US" sz="1600" dirty="0">
-                        <a:solidFill>
-                          <a:srgbClr val="008A3E"/>
-                        </a:solidFill>
-                      </a:endParaRPr>
                     </a:p>
                   </a:txBody>
                   <a:tcPr marT="45714" marB="45714"/>
@@ -19542,11 +19143,11 @@
                     <a:lstStyle/>
                     <a:p>
                       <a:r>
-                        <a:rPr lang="en-US" sz="1800" dirty="0" smtClean="0"/>
+                        <a:rPr lang="en-US" sz="1800" dirty="0"/>
                         <a:t>Reliable</a:t>
                       </a:r>
                       <a:r>
-                        <a:rPr lang="en-US" sz="1800" baseline="0" dirty="0" smtClean="0"/>
+                        <a:rPr lang="en-US" sz="1800" baseline="0" dirty="0"/>
                         <a:t> systems</a:t>
                       </a:r>
                       <a:endParaRPr lang="en-US" sz="1800" dirty="0"/>
@@ -19560,10 +19161,9 @@
                     <a:lstStyle/>
                     <a:p>
                       <a:r>
-                        <a:rPr lang="en-US" sz="1600" dirty="0" smtClean="0"/>
+                        <a:rPr lang="en-US" sz="1600" dirty="0"/>
                         <a:t>Good</a:t>
                       </a:r>
-                      <a:endParaRPr lang="en-US" sz="1600" dirty="0"/>
                     </a:p>
                   </a:txBody>
                   <a:tcPr marT="45714" marB="45714"/>
@@ -19574,10 +19174,9 @@
                     <a:lstStyle/>
                     <a:p>
                       <a:r>
-                        <a:rPr lang="en-US" sz="1600" dirty="0" smtClean="0"/>
+                        <a:rPr lang="en-US" sz="1600" dirty="0"/>
                         <a:t>Good</a:t>
                       </a:r>
-                      <a:endParaRPr lang="en-US" sz="1600" dirty="0"/>
                     </a:p>
                   </a:txBody>
                   <a:tcPr marT="45714" marB="45714"/>
@@ -19605,7 +19204,7 @@
                         <a:defRPr/>
                       </a:pPr>
                       <a:r>
-                        <a:rPr lang="en-US" sz="1600" dirty="0" smtClean="0"/>
+                        <a:rPr lang="en-US" sz="1600" dirty="0"/>
                         <a:t>Good</a:t>
                       </a:r>
                     </a:p>
@@ -19618,18 +19217,13 @@
                     <a:lstStyle/>
                     <a:p>
                       <a:r>
-                        <a:rPr lang="en-US" sz="1600" dirty="0" smtClean="0">
+                        <a:rPr lang="en-US" sz="1600" dirty="0">
                           <a:solidFill>
                             <a:srgbClr val="C00000"/>
                           </a:solidFill>
                         </a:rPr>
                         <a:t>Poor</a:t>
                       </a:r>
-                      <a:endParaRPr lang="en-US" sz="1600" dirty="0">
-                        <a:solidFill>
-                          <a:srgbClr val="C00000"/>
-                        </a:solidFill>
-                      </a:endParaRPr>
                     </a:p>
                   </a:txBody>
                   <a:tcPr marT="45714" marB="45714"/>
@@ -19640,18 +19234,13 @@
                     <a:lstStyle/>
                     <a:p>
                       <a:r>
-                        <a:rPr lang="en-US" sz="1600" dirty="0" smtClean="0">
+                        <a:rPr lang="en-US" sz="1600" dirty="0">
                           <a:solidFill>
                             <a:srgbClr val="008A3E"/>
                           </a:solidFill>
                         </a:rPr>
                         <a:t>Excellent</a:t>
                       </a:r>
-                      <a:endParaRPr lang="en-US" sz="1600" dirty="0">
-                        <a:solidFill>
-                          <a:srgbClr val="008A3E"/>
-                        </a:solidFill>
-                      </a:endParaRPr>
                     </a:p>
                   </a:txBody>
                   <a:tcPr marT="45714" marB="45714"/>
@@ -19669,10 +19258,9 @@
                     <a:lstStyle/>
                     <a:p>
                       <a:r>
-                        <a:rPr lang="en-US" sz="1800" dirty="0" smtClean="0"/>
+                        <a:rPr lang="en-US" sz="1800" dirty="0"/>
                         <a:t>Short time schedule</a:t>
                       </a:r>
-                      <a:endParaRPr lang="en-US" sz="1800" dirty="0"/>
                     </a:p>
                   </a:txBody>
                   <a:tcPr marT="45714" marB="45714"/>
@@ -19683,18 +19271,13 @@
                     <a:lstStyle/>
                     <a:p>
                       <a:r>
-                        <a:rPr lang="en-US" sz="1600" dirty="0" smtClean="0">
+                        <a:rPr lang="en-US" sz="1600" dirty="0">
                           <a:solidFill>
                             <a:srgbClr val="C00000"/>
                           </a:solidFill>
                         </a:rPr>
                         <a:t>Poor</a:t>
                       </a:r>
-                      <a:endParaRPr lang="en-US" sz="1600" dirty="0">
-                        <a:solidFill>
-                          <a:srgbClr val="C00000"/>
-                        </a:solidFill>
-                      </a:endParaRPr>
                     </a:p>
                   </a:txBody>
                   <a:tcPr marT="45714" marB="45714"/>
@@ -19705,10 +19288,9 @@
                     <a:lstStyle/>
                     <a:p>
                       <a:r>
-                        <a:rPr lang="en-US" sz="1600" dirty="0" smtClean="0"/>
+                        <a:rPr lang="en-US" sz="1600" dirty="0"/>
                         <a:t>Good</a:t>
                       </a:r>
-                      <a:endParaRPr lang="en-US" sz="1600" dirty="0"/>
                     </a:p>
                   </a:txBody>
                   <a:tcPr marT="45714" marB="45714"/>
@@ -19719,18 +19301,13 @@
                     <a:lstStyle/>
                     <a:p>
                       <a:r>
-                        <a:rPr lang="en-US" sz="1600" dirty="0" smtClean="0">
+                        <a:rPr lang="en-US" sz="1600" dirty="0">
                           <a:solidFill>
                             <a:srgbClr val="008A3E"/>
                           </a:solidFill>
                         </a:rPr>
                         <a:t>Excellent</a:t>
                       </a:r>
-                      <a:endParaRPr lang="en-US" sz="1600" dirty="0">
-                        <a:solidFill>
-                          <a:srgbClr val="008A3E"/>
-                        </a:solidFill>
-                      </a:endParaRPr>
                     </a:p>
                   </a:txBody>
                   <a:tcPr marT="45714" marB="45714"/>
@@ -19741,18 +19318,13 @@
                     <a:lstStyle/>
                     <a:p>
                       <a:r>
-                        <a:rPr lang="en-US" sz="1600" dirty="0" smtClean="0">
+                        <a:rPr lang="en-US" sz="1600" dirty="0">
                           <a:solidFill>
                             <a:srgbClr val="008A3E"/>
                           </a:solidFill>
                         </a:rPr>
                         <a:t>Excellent</a:t>
                       </a:r>
-                      <a:endParaRPr lang="en-US" sz="1600" dirty="0">
-                        <a:solidFill>
-                          <a:srgbClr val="008A3E"/>
-                        </a:solidFill>
-                      </a:endParaRPr>
                     </a:p>
                   </a:txBody>
                   <a:tcPr marT="45714" marB="45714"/>
@@ -19780,7 +19352,7 @@
                         <a:defRPr/>
                       </a:pPr>
                       <a:r>
-                        <a:rPr lang="en-US" sz="1600" dirty="0" smtClean="0"/>
+                        <a:rPr lang="en-US" sz="1600" dirty="0"/>
                         <a:t>Good</a:t>
                       </a:r>
                     </a:p>
@@ -19820,11 +19392,11 @@
           <a:lstStyle/>
           <a:p>
             <a:r>
-              <a:rPr lang="en-US" dirty="0" smtClean="0"/>
+              <a:rPr lang="en-US" dirty="0"/>
               <a:t>* </a:t>
             </a:r>
             <a:r>
-              <a:rPr lang="en-US" smtClean="0"/>
+              <a:rPr lang="en-US"/>
               <a:t>- simplified</a:t>
             </a:r>
             <a:endParaRPr lang="en-CA" dirty="0"/>
@@ -19841,13 +19413,6 @@
   <p:clrMapOvr>
     <a:masterClrMapping/>
   </p:clrMapOvr>
-  <p:timing>
-    <p:tnLst>
-      <p:par>
-        <p:cTn id="1" dur="indefinite" restart="never" nodeType="tmRoot"/>
-      </p:par>
-    </p:tnLst>
-  </p:timing>
 </p:sld>
 </file>
 
@@ -19890,7 +19455,7 @@
           <a:p>
             <a:pPr eaLnBrk="1" hangingPunct="1"/>
             <a:r>
-              <a:rPr lang="en-US" dirty="0" smtClean="0"/>
+              <a:rPr lang="en-US" dirty="0"/>
               <a:t>Selecting a Methodology: Discussion</a:t>
             </a:r>
           </a:p>
@@ -19918,47 +19483,47 @@
           <a:p>
             <a:pPr eaLnBrk="1" hangingPunct="1"/>
             <a:r>
-              <a:rPr lang="en-US" dirty="0" err="1" smtClean="0"/>
+              <a:rPr lang="en-US" dirty="0" err="1"/>
               <a:t>Roanake</a:t>
             </a:r>
             <a:r>
-              <a:rPr lang="en-US" dirty="0" smtClean="0"/>
+              <a:rPr lang="en-US" dirty="0"/>
               <a:t> Software Consulting Company (RSCC) is  a large consulting firm with offices around the world. The company wants to build a new knowledge management system that can identify and track the expertise of individual consultants anywhere in the world based on their education and prior experience</a:t>
             </a:r>
           </a:p>
           <a:p>
             <a:pPr eaLnBrk="1" hangingPunct="1"/>
             <a:r>
-              <a:rPr lang="en-US" dirty="0" smtClean="0"/>
+              <a:rPr lang="en-US" dirty="0"/>
               <a:t>Assume this </a:t>
             </a:r>
             <a:r>
-              <a:rPr lang="en-US" smtClean="0"/>
+              <a:rPr lang="en-US"/>
               <a:t>is  a new </a:t>
             </a:r>
             <a:r>
-              <a:rPr lang="en-US" dirty="0" smtClean="0"/>
+              <a:rPr lang="en-US" dirty="0"/>
               <a:t>idea that has never been attempted</a:t>
             </a:r>
           </a:p>
           <a:p>
             <a:pPr eaLnBrk="1" hangingPunct="1"/>
             <a:r>
-              <a:rPr lang="en-US" dirty="0" smtClean="0"/>
+              <a:rPr lang="en-US" dirty="0"/>
               <a:t>RSCC has an international network, but the offices in each country may use somewhat different hardware and software</a:t>
             </a:r>
           </a:p>
           <a:p>
             <a:pPr eaLnBrk="1" hangingPunct="1"/>
             <a:r>
-              <a:rPr lang="en-US" dirty="0" smtClean="0"/>
+              <a:rPr lang="en-US" dirty="0"/>
               <a:t>RSCC management wants the system up an d running within a year.</a:t>
             </a:r>
           </a:p>
           <a:p>
             <a:pPr eaLnBrk="1" hangingPunct="1"/>
             <a:r>
-              <a:rPr lang="en-US" dirty="0" smtClean="0">
+              <a:rPr lang="en-US" dirty="0">
                 <a:solidFill>
                   <a:srgbClr val="0070C0"/>
                 </a:solidFill>
@@ -19969,7 +19534,7 @@
           <a:p>
             <a:pPr eaLnBrk="1" hangingPunct="1"/>
             <a:r>
-              <a:rPr lang="en-US" dirty="0" smtClean="0">
+              <a:rPr lang="en-US" dirty="0">
                 <a:solidFill>
                   <a:srgbClr val="0070C0"/>
                 </a:solidFill>
@@ -19989,13 +19554,6 @@
   <p:clrMapOvr>
     <a:masterClrMapping/>
   </p:clrMapOvr>
-  <p:timing>
-    <p:tnLst>
-      <p:par>
-        <p:cTn id="1" dur="indefinite" restart="never" nodeType="tmRoot"/>
-      </p:par>
-    </p:tnLst>
-  </p:timing>
 </p:sld>
 </file>
 
@@ -20033,21 +19591,8 @@
           <a:p>
             <a:r>
               <a:rPr lang="en-CA" dirty="0"/>
-              <a:t>Project </a:t>
-            </a:r>
-            <a:r>
-              <a:rPr lang="en-CA" dirty="0" smtClean="0"/>
-              <a:t>Definition - </a:t>
-            </a:r>
-            <a:r>
-              <a:rPr lang="en-CA" dirty="0"/>
-              <a:t>Required </a:t>
-            </a:r>
-            <a:r>
-              <a:rPr lang="en-CA" dirty="0" smtClean="0"/>
-              <a:t>Elements Continued</a:t>
-            </a:r>
-            <a:endParaRPr lang="en-CA" dirty="0"/>
+              <a:t>Project Definition - Required Elements Continued</a:t>
+            </a:r>
           </a:p>
         </p:txBody>
       </p:sp>
@@ -20072,61 +19617,53 @@
           <a:lstStyle/>
           <a:p>
             <a:r>
-              <a:rPr lang="en-CA" b="1" dirty="0" smtClean="0"/>
+              <a:rPr lang="en-CA" b="1" dirty="0"/>
               <a:t>Risks </a:t>
             </a:r>
             <a:r>
-              <a:rPr lang="en-CA" dirty="0" smtClean="0"/>
+              <a:rPr lang="en-CA" dirty="0"/>
               <a:t>– any uncertain event or condition (risk) that, if occurs, could have a negative effect on the project</a:t>
             </a:r>
           </a:p>
           <a:p>
             <a:r>
-              <a:rPr lang="en-CA" b="1" dirty="0" smtClean="0"/>
+              <a:rPr lang="en-CA" b="1" dirty="0"/>
               <a:t>Stakeholders</a:t>
             </a:r>
             <a:r>
-              <a:rPr lang="en-CA" dirty="0" smtClean="0"/>
-              <a:t> – all individuals, business unites and organizations involved </a:t>
-            </a:r>
-            <a:r>
-              <a:rPr lang="en-CA" dirty="0" smtClean="0"/>
-              <a:t>in </a:t>
-            </a:r>
-            <a:r>
-              <a:rPr lang="en-CA" dirty="0" smtClean="0"/>
-              <a:t>the project, their roles, and mutual relationships</a:t>
+              <a:rPr lang="en-CA" dirty="0"/>
+              <a:t> – all individuals, business unites and organizations involved in the project, their roles, and mutual relationships</a:t>
             </a:r>
           </a:p>
           <a:p>
             <a:pPr lvl="1"/>
             <a:r>
-              <a:rPr lang="en-CA" dirty="0" smtClean="0"/>
+              <a:rPr lang="en-CA" dirty="0"/>
               <a:t>All stakeholders must be identified</a:t>
             </a:r>
           </a:p>
           <a:p>
             <a:pPr lvl="1"/>
             <a:r>
-              <a:rPr lang="en-CA" dirty="0" smtClean="0"/>
+              <a:rPr lang="en-CA" dirty="0"/>
               <a:t>All major stakeholders must approve the Project Definition document</a:t>
             </a:r>
           </a:p>
           <a:p>
             <a:r>
-              <a:rPr lang="en-CA" b="1" dirty="0" smtClean="0"/>
+              <a:rPr lang="en-CA" b="1" dirty="0"/>
               <a:t>Recommended Project Approach </a:t>
             </a:r>
             <a:r>
-              <a:rPr lang="en-CA" dirty="0" smtClean="0"/>
+              <a:rPr lang="en-CA" dirty="0"/>
               <a:t>– recommended approach to getting the work done and why it was selected over any other options (key strategies, methodologies and technologies to be used)</a:t>
             </a:r>
           </a:p>
           <a:p>
-            <a:endParaRPr lang="en-CA" dirty="0" smtClean="0"/>
-          </a:p>
-          <a:p>
-            <a:endParaRPr lang="en-CA" dirty="0" smtClean="0"/>
+            <a:endParaRPr lang="en-CA" dirty="0"/>
+          </a:p>
+          <a:p>
+            <a:endParaRPr lang="en-CA" dirty="0"/>
           </a:p>
           <a:p>
             <a:endParaRPr lang="en-CA" dirty="0"/>
@@ -20138,13 +19675,6 @@
   <p:clrMapOvr>
     <a:masterClrMapping/>
   </p:clrMapOvr>
-  <p:timing>
-    <p:tnLst>
-      <p:par>
-        <p:cTn id="1" dur="indefinite" restart="never" nodeType="tmRoot"/>
-      </p:par>
-    </p:tnLst>
-  </p:timing>
 </p:sld>
 </file>
 
@@ -20187,10 +19717,10 @@
           <a:p>
             <a:pPr eaLnBrk="1" hangingPunct="1"/>
             <a:r>
-              <a:rPr lang="en-US" dirty="0" smtClean="0"/>
+              <a:rPr lang="en-US" dirty="0"/>
               <a:t>Modern Development Methods</a:t>
             </a:r>
-            <a:endParaRPr lang="en-CA" dirty="0" smtClean="0"/>
+            <a:endParaRPr lang="en-CA" dirty="0"/>
           </a:p>
         </p:txBody>
       </p:sp>
@@ -20216,68 +19746,68 @@
           <a:p>
             <a:pPr eaLnBrk="1" hangingPunct="1"/>
             <a:r>
-              <a:rPr lang="en-CA" dirty="0" smtClean="0"/>
+              <a:rPr lang="en-CA" dirty="0"/>
               <a:t>Many approaches</a:t>
             </a:r>
           </a:p>
           <a:p>
             <a:pPr lvl="1" eaLnBrk="1" hangingPunct="1"/>
             <a:r>
-              <a:rPr lang="en-CA" dirty="0" smtClean="0">
+              <a:rPr lang="en-CA" dirty="0">
                 <a:hlinkClick r:id="rId2"/>
               </a:rPr>
               <a:t>http://en.wikipedia.org/wiki/List_of_software_development_philosophies</a:t>
             </a:r>
-            <a:endParaRPr lang="en-CA" dirty="0" smtClean="0"/>
+            <a:endParaRPr lang="en-CA" dirty="0"/>
           </a:p>
           <a:p>
             <a:pPr eaLnBrk="1" hangingPunct="1"/>
             <a:r>
-              <a:rPr lang="en-CA" dirty="0" smtClean="0"/>
+              <a:rPr lang="en-CA" dirty="0"/>
               <a:t>Agile Development</a:t>
             </a:r>
           </a:p>
           <a:p>
             <a:pPr lvl="1"/>
             <a:r>
-              <a:rPr lang="en-CA" dirty="0" smtClean="0">
+              <a:rPr lang="en-CA" dirty="0">
                 <a:hlinkClick r:id="rId3"/>
               </a:rPr>
               <a:t>http://en.wikipedia.org/wiki/Agile_software_development</a:t>
             </a:r>
-            <a:endParaRPr lang="en-CA" dirty="0" smtClean="0"/>
+            <a:endParaRPr lang="en-CA" dirty="0"/>
           </a:p>
           <a:p>
             <a:pPr lvl="1"/>
             <a:r>
-              <a:rPr lang="en-CA" dirty="0" smtClean="0"/>
+              <a:rPr lang="en-CA" dirty="0"/>
               <a:t>Many techniques and methodologies</a:t>
             </a:r>
           </a:p>
           <a:p>
             <a:pPr lvl="2"/>
             <a:r>
-              <a:rPr lang="en-CA" dirty="0" smtClean="0">
+              <a:rPr lang="en-CA" dirty="0">
                 <a:hlinkClick r:id="rId4"/>
               </a:rPr>
               <a:t>http://en.wikipedia.org/wiki/Scrum_(development)</a:t>
             </a:r>
-            <a:endParaRPr lang="en-CA" dirty="0" smtClean="0"/>
+            <a:endParaRPr lang="en-CA" dirty="0"/>
           </a:p>
           <a:p>
             <a:pPr lvl="2" eaLnBrk="1" hangingPunct="1"/>
             <a:r>
-              <a:rPr lang="en-CA" dirty="0" smtClean="0">
+              <a:rPr lang="en-CA" dirty="0">
                 <a:hlinkClick r:id="rId5"/>
               </a:rPr>
               <a:t>http://en.wikipedia.org/wiki/Extreme_Programming</a:t>
             </a:r>
-            <a:endParaRPr lang="en-CA" dirty="0" smtClean="0"/>
+            <a:endParaRPr lang="en-CA" dirty="0"/>
           </a:p>
           <a:p>
             <a:pPr lvl="2" eaLnBrk="1" hangingPunct="1"/>
             <a:r>
-              <a:rPr lang="en-CA" dirty="0" smtClean="0"/>
+              <a:rPr lang="en-CA" dirty="0"/>
               <a:t>…</a:t>
             </a:r>
           </a:p>
@@ -20293,13 +19823,6 @@
   <p:clrMapOvr>
     <a:masterClrMapping/>
   </p:clrMapOvr>
-  <p:timing>
-    <p:tnLst>
-      <p:par>
-        <p:cTn id="1" dur="indefinite" restart="never" nodeType="tmRoot"/>
-      </p:par>
-    </p:tnLst>
-  </p:timing>
 </p:sld>
 </file>
 
@@ -20342,7 +19865,7 @@
           <a:p>
             <a:pPr eaLnBrk="1" hangingPunct="1"/>
             <a:r>
-              <a:rPr lang="en-CA" smtClean="0"/>
+              <a:rPr lang="en-CA"/>
               <a:t>Agile Development</a:t>
             </a:r>
           </a:p>
@@ -20370,35 +19893,35 @@
           <a:p>
             <a:pPr eaLnBrk="1" hangingPunct="1"/>
             <a:r>
-              <a:rPr lang="en-CA" dirty="0" smtClean="0"/>
+              <a:rPr lang="en-CA" dirty="0"/>
               <a:t>Encourages frequent inspection and adaptation</a:t>
             </a:r>
           </a:p>
           <a:p>
             <a:pPr eaLnBrk="1" hangingPunct="1"/>
             <a:r>
-              <a:rPr lang="en-CA" dirty="0" smtClean="0"/>
+              <a:rPr lang="en-CA" dirty="0"/>
               <a:t>Leadership philosophy that encourages team work, self-organization and accountability</a:t>
             </a:r>
           </a:p>
           <a:p>
             <a:pPr eaLnBrk="1" hangingPunct="1"/>
             <a:r>
-              <a:rPr lang="en-CA" dirty="0" smtClean="0"/>
+              <a:rPr lang="en-CA" dirty="0"/>
               <a:t>Allows for rapid delivery of high-quality software</a:t>
             </a:r>
           </a:p>
           <a:p>
             <a:pPr eaLnBrk="1" hangingPunct="1"/>
             <a:r>
-              <a:rPr lang="en-CA" dirty="0" smtClean="0"/>
+              <a:rPr lang="en-CA" dirty="0"/>
               <a:t>Aligns development with customer needs</a:t>
             </a:r>
           </a:p>
           <a:p>
             <a:pPr eaLnBrk="1" hangingPunct="1"/>
             <a:r>
-              <a:rPr lang="en-CA" dirty="0" smtClean="0"/>
+              <a:rPr lang="en-CA" dirty="0"/>
               <a:t>Iterations</a:t>
             </a:r>
           </a:p>
@@ -20414,13 +19937,6 @@
   <p:clrMapOvr>
     <a:masterClrMapping/>
   </p:clrMapOvr>
-  <p:timing>
-    <p:tnLst>
-      <p:par>
-        <p:cTn id="1" dur="indefinite" restart="never" nodeType="tmRoot"/>
-      </p:par>
-    </p:tnLst>
-  </p:timing>
 </p:sld>
 </file>
 
@@ -20463,7 +19979,7 @@
           <a:p>
             <a:pPr eaLnBrk="1" hangingPunct="1"/>
             <a:r>
-              <a:rPr lang="en-CA" smtClean="0"/>
+              <a:rPr lang="en-CA"/>
               <a:t>Agile Principles</a:t>
             </a:r>
           </a:p>
@@ -20491,47 +20007,47 @@
           <a:p>
             <a:pPr eaLnBrk="1" hangingPunct="1"/>
             <a:r>
-              <a:rPr lang="en-CA" dirty="0" smtClean="0"/>
+              <a:rPr lang="en-CA" dirty="0"/>
               <a:t>Individuals and interactions over processes and tools </a:t>
             </a:r>
           </a:p>
           <a:p>
             <a:pPr eaLnBrk="1" hangingPunct="1"/>
             <a:r>
-              <a:rPr lang="en-CA" dirty="0" smtClean="0"/>
+              <a:rPr lang="en-CA" dirty="0"/>
               <a:t>Working software over comprehensive documentation </a:t>
             </a:r>
           </a:p>
           <a:p>
             <a:pPr eaLnBrk="1" hangingPunct="1"/>
             <a:r>
-              <a:rPr lang="en-CA" dirty="0" smtClean="0"/>
+              <a:rPr lang="en-CA" dirty="0"/>
               <a:t>Customer collaboration over contract negotiation </a:t>
             </a:r>
           </a:p>
           <a:p>
             <a:pPr eaLnBrk="1" hangingPunct="1"/>
             <a:r>
-              <a:rPr lang="en-CA" dirty="0" smtClean="0"/>
+              <a:rPr lang="en-CA" dirty="0"/>
               <a:t>Responding to change over following a plan </a:t>
             </a:r>
           </a:p>
           <a:p>
             <a:pPr lvl="1" eaLnBrk="1" hangingPunct="1"/>
             <a:r>
-              <a:rPr lang="en-US" dirty="0" smtClean="0">
+              <a:rPr lang="en-US" dirty="0">
                 <a:hlinkClick r:id="rId2"/>
               </a:rPr>
               <a:t>http://agilemanifesto.org/</a:t>
             </a:r>
             <a:r>
-              <a:rPr lang="en-US" dirty="0" smtClean="0"/>
+              <a:rPr lang="en-US" dirty="0"/>
               <a:t> </a:t>
             </a:r>
           </a:p>
           <a:p>
             <a:pPr eaLnBrk="1" hangingPunct="1"/>
-            <a:endParaRPr lang="en-CA" dirty="0" smtClean="0"/>
+            <a:endParaRPr lang="en-CA" dirty="0"/>
           </a:p>
         </p:txBody>
       </p:sp>
@@ -20545,13 +20061,6 @@
   <p:clrMapOvr>
     <a:masterClrMapping/>
   </p:clrMapOvr>
-  <p:timing>
-    <p:tnLst>
-      <p:par>
-        <p:cTn id="1" dur="indefinite" restart="never" nodeType="tmRoot"/>
-      </p:par>
-    </p:tnLst>
-  </p:timing>
 </p:sld>
 </file>
 
@@ -20594,7 +20103,7 @@
           <a:p>
             <a:pPr eaLnBrk="1" hangingPunct="1"/>
             <a:r>
-              <a:rPr lang="en-US" smtClean="0">
+              <a:rPr lang="en-US">
                 <a:solidFill>
                   <a:schemeClr val="tx1"/>
                 </a:solidFill>
@@ -20626,56 +20135,56 @@
           <a:p>
             <a:pPr eaLnBrk="1" hangingPunct="1"/>
             <a:r>
-              <a:rPr lang="en-US" smtClean="0"/>
+              <a:rPr lang="en-US"/>
               <a:t>Phases</a:t>
             </a:r>
           </a:p>
           <a:p>
             <a:pPr lvl="1" eaLnBrk="1" hangingPunct="1"/>
             <a:r>
-              <a:rPr lang="en-US" smtClean="0"/>
+              <a:rPr lang="en-US"/>
               <a:t>IRUF - Initial Requirements Up Front</a:t>
             </a:r>
           </a:p>
           <a:p>
             <a:pPr lvl="1" eaLnBrk="1" hangingPunct="1"/>
             <a:r>
-              <a:rPr lang="en-US" smtClean="0"/>
+              <a:rPr lang="en-US"/>
               <a:t>Initial Architecture</a:t>
             </a:r>
           </a:p>
           <a:p>
             <a:pPr lvl="1" eaLnBrk="1" hangingPunct="1"/>
             <a:r>
-              <a:rPr lang="en-US" smtClean="0"/>
+              <a:rPr lang="en-US"/>
               <a:t>Construction</a:t>
             </a:r>
           </a:p>
           <a:p>
             <a:pPr lvl="2" eaLnBrk="1" hangingPunct="1"/>
             <a:r>
-              <a:rPr lang="en-US" smtClean="0"/>
+              <a:rPr lang="en-US"/>
               <a:t>Iterations between 2 &amp; 6 weeks in length</a:t>
             </a:r>
           </a:p>
           <a:p>
             <a:pPr lvl="2" eaLnBrk="1" hangingPunct="1"/>
             <a:r>
-              <a:rPr lang="en-US" smtClean="0"/>
+              <a:rPr lang="en-US"/>
               <a:t>Detailed modeling -- requirements, analysis, design, and system integration</a:t>
             </a:r>
           </a:p>
           <a:p>
             <a:pPr lvl="1" eaLnBrk="1" hangingPunct="1"/>
             <a:r>
-              <a:rPr lang="en-US" smtClean="0"/>
+              <a:rPr lang="en-US"/>
               <a:t>Deployment (Implementation)</a:t>
             </a:r>
           </a:p>
           <a:p>
             <a:pPr lvl="1" eaLnBrk="1" hangingPunct="1"/>
             <a:r>
-              <a:rPr lang="en-US" smtClean="0"/>
+              <a:rPr lang="en-US"/>
               <a:t>Production</a:t>
             </a:r>
           </a:p>
@@ -20691,13 +20200,6 @@
   <p:clrMapOvr>
     <a:masterClrMapping/>
   </p:clrMapOvr>
-  <p:timing>
-    <p:tnLst>
-      <p:par>
-        <p:cTn id="1" dur="indefinite" restart="never" nodeType="tmRoot"/>
-      </p:par>
-    </p:tnLst>
-  </p:timing>
 </p:sld>
 </file>
 
@@ -20740,7 +20242,7 @@
           <a:p>
             <a:pPr eaLnBrk="1" hangingPunct="1"/>
             <a:r>
-              <a:rPr lang="en-US" smtClean="0">
+              <a:rPr lang="en-US">
                 <a:solidFill>
                   <a:schemeClr val="tx1"/>
                 </a:solidFill>
@@ -20772,42 +20274,42 @@
           <a:p>
             <a:pPr eaLnBrk="1" hangingPunct="1"/>
             <a:r>
-              <a:rPr lang="en-US" smtClean="0"/>
+              <a:rPr lang="en-US"/>
               <a:t>Avoid “Big Modeling Up Front” syndrome</a:t>
             </a:r>
           </a:p>
           <a:p>
             <a:pPr lvl="1" eaLnBrk="1" hangingPunct="1"/>
             <a:r>
-              <a:rPr lang="en-US" smtClean="0"/>
+              <a:rPr lang="en-US"/>
               <a:t>tendency to try to design entire application before starting to build</a:t>
             </a:r>
           </a:p>
           <a:p>
             <a:pPr lvl="1" eaLnBrk="1" hangingPunct="1"/>
             <a:r>
-              <a:rPr lang="en-US" smtClean="0"/>
+              <a:rPr lang="en-US"/>
               <a:t>comes from construction industry</a:t>
             </a:r>
           </a:p>
           <a:p>
             <a:pPr lvl="2" eaLnBrk="1" hangingPunct="1"/>
             <a:r>
-              <a:rPr lang="en-US" smtClean="0"/>
+              <a:rPr lang="en-US"/>
               <a:t>however, software is more flexible than concrete</a:t>
             </a:r>
           </a:p>
           <a:p>
             <a:pPr lvl="2" eaLnBrk="1" hangingPunct="1"/>
             <a:r>
-              <a:rPr lang="en-US" smtClean="0"/>
+              <a:rPr lang="en-US"/>
               <a:t>software is more difficult to understand at start of development</a:t>
             </a:r>
           </a:p>
           <a:p>
             <a:pPr lvl="2" eaLnBrk="1" hangingPunct="1"/>
             <a:r>
-              <a:rPr lang="en-US" smtClean="0"/>
+              <a:rPr lang="en-US"/>
               <a:t>needs to be iterative</a:t>
             </a:r>
           </a:p>
@@ -20860,7 +20362,7 @@
           <a:p>
             <a:pPr eaLnBrk="1" hangingPunct="1"/>
             <a:r>
-              <a:rPr lang="en-US" smtClean="0">
+              <a:rPr lang="en-US">
                 <a:solidFill>
                   <a:schemeClr val="tx1"/>
                 </a:solidFill>
@@ -20892,52 +20394,52 @@
           <a:p>
             <a:pPr eaLnBrk="1" hangingPunct="1"/>
             <a:r>
-              <a:rPr lang="en-US" dirty="0" smtClean="0"/>
+              <a:rPr lang="en-US" dirty="0"/>
               <a:t>Simple, elegant software is more valuable than complex (complicated) hard-to-maintain software</a:t>
             </a:r>
           </a:p>
           <a:p>
             <a:pPr eaLnBrk="1" hangingPunct="1"/>
             <a:r>
-              <a:rPr lang="en-US" dirty="0" smtClean="0"/>
+              <a:rPr lang="en-US" dirty="0"/>
               <a:t>Testing</a:t>
             </a:r>
           </a:p>
           <a:p>
             <a:pPr lvl="1" eaLnBrk="1" hangingPunct="1"/>
             <a:r>
-              <a:rPr lang="en-US" dirty="0" smtClean="0"/>
+              <a:rPr lang="en-US" dirty="0"/>
               <a:t>Automated</a:t>
             </a:r>
           </a:p>
           <a:p>
             <a:pPr lvl="1" eaLnBrk="1" hangingPunct="1"/>
             <a:r>
-              <a:rPr lang="en-US" dirty="0" smtClean="0"/>
+              <a:rPr lang="en-US" dirty="0"/>
               <a:t>Test Driven Development (TDD)</a:t>
             </a:r>
           </a:p>
           <a:p>
             <a:pPr lvl="2" eaLnBrk="1" hangingPunct="1"/>
             <a:r>
-              <a:rPr lang="en-CA" dirty="0" smtClean="0">
+              <a:rPr lang="en-CA" dirty="0">
                 <a:hlinkClick r:id="rId2"/>
               </a:rPr>
               <a:t>http://en.wikipedia.org/wiki/Test-driven_development</a:t>
             </a:r>
-            <a:endParaRPr lang="en-US" dirty="0" smtClean="0"/>
+            <a:endParaRPr lang="en-US" dirty="0"/>
           </a:p>
           <a:p>
             <a:pPr lvl="2" eaLnBrk="1" hangingPunct="1"/>
             <a:r>
-              <a:rPr lang="en-US" dirty="0" smtClean="0"/>
+              <a:rPr lang="en-US" dirty="0"/>
               <a:t>Tests created before code is written, as code is written, after code is written, after bugs are fixed</a:t>
             </a:r>
           </a:p>
           <a:p>
             <a:pPr lvl="2" eaLnBrk="1" hangingPunct="1"/>
             <a:r>
-              <a:rPr lang="en-US" dirty="0" smtClean="0"/>
+              <a:rPr lang="en-US" dirty="0"/>
               <a:t>Bugs don’t get through twice</a:t>
             </a:r>
           </a:p>
@@ -20995,7 +20497,7 @@
           <a:p>
             <a:pPr eaLnBrk="1" hangingPunct="1"/>
             <a:r>
-              <a:rPr lang="en-US" smtClean="0">
+              <a:rPr lang="en-US">
                 <a:solidFill>
                   <a:schemeClr val="tx1"/>
                 </a:solidFill>
@@ -21027,35 +20529,35 @@
           <a:p>
             <a:pPr eaLnBrk="1" hangingPunct="1"/>
             <a:r>
-              <a:rPr lang="en-US" dirty="0" smtClean="0"/>
+              <a:rPr lang="en-US" dirty="0"/>
               <a:t>When to use it:</a:t>
             </a:r>
           </a:p>
           <a:p>
             <a:pPr lvl="1" eaLnBrk="1" hangingPunct="1"/>
             <a:r>
-              <a:rPr lang="en-US" dirty="0" smtClean="0"/>
+              <a:rPr lang="en-US" dirty="0"/>
               <a:t>Customers not sure what system should do</a:t>
             </a:r>
           </a:p>
           <a:p>
             <a:pPr lvl="1" eaLnBrk="1" hangingPunct="1"/>
             <a:r>
-              <a:rPr lang="en-US" dirty="0" smtClean="0"/>
+              <a:rPr lang="en-US" dirty="0"/>
               <a:t>System functionality expected to change often</a:t>
             </a:r>
           </a:p>
           <a:p>
             <a:pPr lvl="1" eaLnBrk="1" hangingPunct="1"/>
             <a:r>
-              <a:rPr lang="en-US" dirty="0" smtClean="0"/>
+              <a:rPr lang="en-US" dirty="0"/>
               <a:t>Tight deadlines</a:t>
             </a:r>
           </a:p>
           <a:p>
             <a:pPr lvl="1" eaLnBrk="1" hangingPunct="1"/>
             <a:r>
-              <a:rPr lang="en-US" dirty="0" smtClean="0"/>
+              <a:rPr lang="en-US" dirty="0"/>
               <a:t>Small teams - 2 to 10 programmers</a:t>
             </a:r>
           </a:p>
@@ -21113,7 +20615,7 @@
           <a:p>
             <a:pPr eaLnBrk="1" hangingPunct="1"/>
             <a:r>
-              <a:rPr lang="en-US" smtClean="0">
+              <a:rPr lang="en-US">
                 <a:solidFill>
                   <a:schemeClr val="tx1"/>
                 </a:solidFill>
@@ -21145,63 +20647,63 @@
           <a:p>
             <a:pPr eaLnBrk="1" hangingPunct="1"/>
             <a:r>
-              <a:rPr lang="en-US" smtClean="0"/>
+              <a:rPr lang="en-US"/>
               <a:t>Characteristics</a:t>
             </a:r>
           </a:p>
           <a:p>
             <a:pPr lvl="1" eaLnBrk="1" hangingPunct="1"/>
             <a:r>
-              <a:rPr lang="en-US" smtClean="0"/>
+              <a:rPr lang="en-US"/>
               <a:t>Programmers, managers, customers working in close proximity</a:t>
             </a:r>
           </a:p>
           <a:p>
             <a:pPr lvl="1" eaLnBrk="1" hangingPunct="1"/>
             <a:r>
-              <a:rPr lang="en-US" smtClean="0"/>
+              <a:rPr lang="en-US"/>
               <a:t>Testing must be automated </a:t>
             </a:r>
           </a:p>
           <a:p>
             <a:pPr lvl="2" eaLnBrk="1" hangingPunct="1"/>
             <a:r>
-              <a:rPr lang="en-US" smtClean="0"/>
+              <a:rPr lang="en-US"/>
               <a:t>Acceptance tests run often, score is published</a:t>
             </a:r>
           </a:p>
           <a:p>
             <a:pPr lvl="1" eaLnBrk="1" hangingPunct="1"/>
             <a:r>
-              <a:rPr lang="en-US" smtClean="0"/>
+              <a:rPr lang="en-US"/>
               <a:t>Stand-up meeting at start of each day</a:t>
             </a:r>
           </a:p>
           <a:p>
             <a:pPr lvl="1" eaLnBrk="1" hangingPunct="1"/>
             <a:r>
-              <a:rPr lang="en-US" smtClean="0"/>
+              <a:rPr lang="en-US"/>
               <a:t>Pair Programming</a:t>
             </a:r>
           </a:p>
           <a:p>
             <a:pPr lvl="1" eaLnBrk="1" hangingPunct="1"/>
             <a:r>
-              <a:rPr lang="en-US" smtClean="0"/>
+              <a:rPr lang="en-US"/>
               <a:t>No overtime</a:t>
             </a:r>
           </a:p>
           <a:p>
             <a:pPr lvl="1" eaLnBrk="1" hangingPunct="1"/>
-            <a:endParaRPr lang="en-US" smtClean="0"/>
+            <a:endParaRPr lang="en-US"/>
           </a:p>
           <a:p>
             <a:pPr lvl="1" eaLnBrk="1" hangingPunct="1"/>
-            <a:endParaRPr lang="en-US" smtClean="0"/>
+            <a:endParaRPr lang="en-US"/>
           </a:p>
           <a:p>
             <a:pPr lvl="1" eaLnBrk="1" hangingPunct="1"/>
-            <a:endParaRPr lang="en-US" smtClean="0"/>
+            <a:endParaRPr lang="en-US"/>
           </a:p>
         </p:txBody>
       </p:sp>
@@ -21251,10 +20753,9 @@
           <a:lstStyle/>
           <a:p>
             <a:r>
-              <a:rPr lang="en-CA" dirty="0" smtClean="0"/>
+              <a:rPr lang="en-CA" dirty="0"/>
               <a:t>CAMUG</a:t>
             </a:r>
-            <a:endParaRPr lang="en-CA" dirty="0"/>
           </a:p>
         </p:txBody>
       </p:sp>
@@ -21274,37 +20775,36 @@
           <a:lstStyle/>
           <a:p>
             <a:r>
-              <a:rPr lang="en-CA" dirty="0" smtClean="0"/>
+              <a:rPr lang="en-CA" dirty="0"/>
               <a:t>Calgary Agile Methods Users’ Group</a:t>
             </a:r>
           </a:p>
           <a:p>
             <a:r>
-              <a:rPr lang="en-CA" dirty="0" err="1" smtClean="0">
+              <a:rPr lang="en-CA" dirty="0" err="1">
                 <a:hlinkClick r:id="rId2"/>
               </a:rPr>
               <a:t>www.calgaryagile.com</a:t>
             </a:r>
-            <a:endParaRPr lang="en-CA" dirty="0" smtClean="0"/>
-          </a:p>
-          <a:p>
-            <a:r>
-              <a:rPr lang="en-CA" dirty="0" smtClean="0"/>
+            <a:endParaRPr lang="en-CA" dirty="0"/>
+          </a:p>
+          <a:p>
+            <a:r>
+              <a:rPr lang="en-CA" dirty="0"/>
               <a:t>Promotes networking with Calgary’s agile community</a:t>
             </a:r>
           </a:p>
           <a:p>
             <a:r>
-              <a:rPr lang="en-CA" dirty="0" smtClean="0"/>
+              <a:rPr lang="en-CA" dirty="0"/>
               <a:t>Meetings once a month, in the evening</a:t>
             </a:r>
           </a:p>
           <a:p>
             <a:r>
-              <a:rPr lang="en-CA" dirty="0" smtClean="0"/>
+              <a:rPr lang="en-CA" dirty="0"/>
               <a:t>Starts with half an hour networking session, followed by a presentation</a:t>
             </a:r>
-            <a:endParaRPr lang="en-CA" dirty="0"/>
           </a:p>
         </p:txBody>
       </p:sp>
@@ -21360,7 +20860,7 @@
           <a:p>
             <a:pPr eaLnBrk="1" hangingPunct="1"/>
             <a:r>
-              <a:rPr lang="en-US" sz="3600" dirty="0" smtClean="0"/>
+              <a:rPr lang="en-US" sz="3600" dirty="0"/>
               <a:t>Workshop: Project Presentation</a:t>
             </a:r>
           </a:p>
@@ -21388,14 +20888,14 @@
           <a:p>
             <a:pPr eaLnBrk="1" hangingPunct="1"/>
             <a:r>
-              <a:rPr lang="en-US" dirty="0" smtClean="0"/>
+              <a:rPr lang="en-US" dirty="0"/>
               <a:t>Spend the rest of today working on your group project presentations</a:t>
             </a:r>
           </a:p>
           <a:p>
             <a:pPr eaLnBrk="1" hangingPunct="1"/>
             <a:r>
-              <a:rPr lang="en-US" dirty="0" err="1" smtClean="0">
+              <a:rPr lang="en-US" dirty="0" err="1">
                 <a:solidFill>
                   <a:srgbClr val="0070C0"/>
                 </a:solidFill>
@@ -21403,7 +20903,7 @@
               <a:t>Powerpoint</a:t>
             </a:r>
             <a:r>
-              <a:rPr lang="en-US" dirty="0" smtClean="0">
+              <a:rPr lang="en-US" dirty="0">
                 <a:solidFill>
                   <a:srgbClr val="0070C0"/>
                 </a:solidFill>
@@ -21414,15 +20914,15 @@
           <a:p>
             <a:pPr eaLnBrk="1" hangingPunct="1"/>
             <a:r>
-              <a:rPr lang="en-US" dirty="0" smtClean="0"/>
+              <a:rPr lang="en-US" dirty="0"/>
               <a:t>Submit </a:t>
             </a:r>
             <a:r>
-              <a:rPr lang="en-US" smtClean="0"/>
+              <a:rPr lang="en-US"/>
               <a:t>through learn.sait.ca </a:t>
             </a:r>
             <a:r>
-              <a:rPr lang="en-US" dirty="0" smtClean="0"/>
+              <a:rPr lang="en-US" dirty="0"/>
               <a:t>(one copy per group, but each person submits)</a:t>
             </a:r>
           </a:p>
@@ -21433,13 +20933,6 @@
   <p:clrMapOvr>
     <a:masterClrMapping/>
   </p:clrMapOvr>
-  <p:timing>
-    <p:tnLst>
-      <p:par>
-        <p:cTn id="1" dur="indefinite" restart="never" nodeType="tmRoot"/>
-      </p:par>
-    </p:tnLst>
-  </p:timing>
 </p:sld>
 </file>
 
@@ -21476,10 +20969,9 @@
           <a:lstStyle/>
           <a:p>
             <a:r>
-              <a:rPr lang="en-CA" dirty="0" smtClean="0"/>
+              <a:rPr lang="en-CA" dirty="0"/>
               <a:t>Optional Elements to Consider</a:t>
             </a:r>
-            <a:endParaRPr lang="en-CA" dirty="0"/>
           </a:p>
         </p:txBody>
       </p:sp>
@@ -21504,49 +20996,49 @@
           <a:lstStyle/>
           <a:p>
             <a:r>
-              <a:rPr lang="en-CA" b="1" dirty="0" smtClean="0"/>
+              <a:rPr lang="en-CA" b="1" dirty="0"/>
               <a:t>Alternative Project Approaches </a:t>
             </a:r>
             <a:r>
-              <a:rPr lang="en-CA" dirty="0" smtClean="0"/>
+              <a:rPr lang="en-CA" dirty="0"/>
               <a:t>– lists alternatives that were considered</a:t>
             </a:r>
-            <a:endParaRPr lang="en-CA" b="1" dirty="0" smtClean="0"/>
-          </a:p>
-          <a:p>
-            <a:r>
-              <a:rPr lang="en-CA" b="1" dirty="0" smtClean="0"/>
+            <a:endParaRPr lang="en-CA" b="1" dirty="0"/>
+          </a:p>
+          <a:p>
+            <a:r>
+              <a:rPr lang="en-CA" b="1" dirty="0"/>
               <a:t>Organizational Change Issues</a:t>
             </a:r>
             <a:r>
-              <a:rPr lang="en-CA" dirty="0" smtClean="0"/>
+              <a:rPr lang="en-CA" dirty="0"/>
               <a:t> – planning for the change impact (customers, business processes, personnel)</a:t>
             </a:r>
           </a:p>
           <a:p>
             <a:r>
-              <a:rPr lang="en-CA" b="1" dirty="0" smtClean="0"/>
+              <a:rPr lang="en-CA" b="1" dirty="0"/>
               <a:t>Policies and Standards </a:t>
             </a:r>
-            <a:endParaRPr lang="en-CA" dirty="0" smtClean="0"/>
-          </a:p>
-          <a:p>
-            <a:r>
-              <a:rPr lang="en-CA" b="1" dirty="0" smtClean="0"/>
+            <a:endParaRPr lang="en-CA" dirty="0"/>
+          </a:p>
+          <a:p>
+            <a:r>
+              <a:rPr lang="en-CA" b="1" dirty="0"/>
               <a:t>Preliminary Cost, Schedule, and Resource Estimates</a:t>
             </a:r>
           </a:p>
           <a:p>
             <a:r>
-              <a:rPr lang="en-CA" b="1" dirty="0" smtClean="0"/>
+              <a:rPr lang="en-CA" b="1" dirty="0"/>
               <a:t>Supporting Documents</a:t>
             </a:r>
           </a:p>
           <a:p>
-            <a:endParaRPr lang="en-CA" dirty="0" smtClean="0"/>
-          </a:p>
-          <a:p>
-            <a:endParaRPr lang="en-CA" dirty="0" smtClean="0"/>
+            <a:endParaRPr lang="en-CA" dirty="0"/>
+          </a:p>
+          <a:p>
+            <a:endParaRPr lang="en-CA" dirty="0"/>
           </a:p>
           <a:p>
             <a:endParaRPr lang="en-CA" dirty="0"/>
@@ -21558,13 +21050,6 @@
   <p:clrMapOvr>
     <a:masterClrMapping/>
   </p:clrMapOvr>
-  <p:timing>
-    <p:tnLst>
-      <p:par>
-        <p:cTn id="1" dur="indefinite" restart="never" nodeType="tmRoot"/>
-      </p:par>
-    </p:tnLst>
-  </p:timing>
 </p:sld>
 </file>
 
@@ -21601,10 +21086,9 @@
           <a:lstStyle/>
           <a:p>
             <a:r>
-              <a:rPr lang="en-CA" dirty="0" smtClean="0"/>
+              <a:rPr lang="en-CA" dirty="0"/>
               <a:t>7 Key Questions</a:t>
             </a:r>
-            <a:endParaRPr lang="en-CA" dirty="0"/>
           </a:p>
         </p:txBody>
       </p:sp>
@@ -21628,7 +21112,7 @@
               <a:buAutoNum type="arabicPeriod"/>
             </a:pPr>
             <a:r>
-              <a:rPr lang="en-CA" dirty="0" smtClean="0"/>
+              <a:rPr lang="en-CA" dirty="0"/>
               <a:t>Why are we doing this?</a:t>
             </a:r>
           </a:p>
@@ -21638,7 +21122,7 @@
               <a:buAutoNum type="arabicPeriod"/>
             </a:pPr>
             <a:r>
-              <a:rPr lang="en-CA" dirty="0" smtClean="0"/>
+              <a:rPr lang="en-CA" dirty="0"/>
               <a:t>What organizational level goals does this project support?</a:t>
             </a:r>
           </a:p>
@@ -21648,7 +21132,7 @@
               <a:buAutoNum type="arabicPeriod"/>
             </a:pPr>
             <a:r>
-              <a:rPr lang="en-CA" dirty="0" smtClean="0"/>
+              <a:rPr lang="en-CA" dirty="0"/>
               <a:t>How does this project fit with other projects that are going on?</a:t>
             </a:r>
           </a:p>
@@ -21658,7 +21142,7 @@
               <a:buAutoNum type="arabicPeriod"/>
             </a:pPr>
             <a:r>
-              <a:rPr lang="en-CA" dirty="0" smtClean="0"/>
+              <a:rPr lang="en-CA" dirty="0"/>
               <a:t>What is the expected benefit from this project?</a:t>
             </a:r>
           </a:p>
@@ -21668,7 +21152,7 @@
               <a:buAutoNum type="arabicPeriod"/>
             </a:pPr>
             <a:r>
-              <a:rPr lang="en-CA" dirty="0" smtClean="0"/>
+              <a:rPr lang="en-CA" dirty="0"/>
               <a:t>Who is impacted, and who must be involved?</a:t>
             </a:r>
           </a:p>
@@ -21678,7 +21162,7 @@
               <a:buAutoNum type="arabicPeriod"/>
             </a:pPr>
             <a:r>
-              <a:rPr lang="en-CA" dirty="0" smtClean="0"/>
+              <a:rPr lang="en-CA" dirty="0"/>
               <a:t>How will we know when we are done or if the project was successful?</a:t>
             </a:r>
           </a:p>
@@ -21688,10 +21172,9 @@
               <a:buAutoNum type="arabicPeriod"/>
             </a:pPr>
             <a:r>
-              <a:rPr lang="en-CA" dirty="0" smtClean="0"/>
+              <a:rPr lang="en-CA" dirty="0"/>
               <a:t>What are we going  to do?</a:t>
             </a:r>
-            <a:endParaRPr lang="en-CA" dirty="0"/>
           </a:p>
         </p:txBody>
       </p:sp>
@@ -21700,13 +21183,6 @@
   <p:clrMapOvr>
     <a:masterClrMapping/>
   </p:clrMapOvr>
-  <p:timing>
-    <p:tnLst>
-      <p:par>
-        <p:cTn id="1" dur="indefinite" restart="never" nodeType="tmRoot"/>
-      </p:par>
-    </p:tnLst>
-  </p:timing>
 </p:sld>
 </file>
 
@@ -21743,14 +21219,9 @@
           <a:lstStyle/>
           <a:p>
             <a:r>
-              <a:rPr lang="en-CA" dirty="0" smtClean="0"/>
-              <a:t>Visual </a:t>
-            </a:r>
-            <a:r>
-              <a:rPr lang="en-CA" dirty="0" smtClean="0"/>
-              <a:t>Communication(images)</a:t>
-            </a:r>
-            <a:endParaRPr lang="en-CA" dirty="0"/>
+              <a:rPr lang="en-CA" dirty="0"/>
+              <a:t>Visual Communication(images)</a:t>
+            </a:r>
           </a:p>
         </p:txBody>
       </p:sp>
@@ -21770,25 +21241,25 @@
           <a:lstStyle/>
           <a:p>
             <a:r>
-              <a:rPr lang="en-CA" dirty="0" smtClean="0"/>
+              <a:rPr lang="en-CA" dirty="0"/>
               <a:t>Project Overview Map</a:t>
             </a:r>
           </a:p>
           <a:p>
             <a:r>
-              <a:rPr lang="en-CA" dirty="0" smtClean="0"/>
+              <a:rPr lang="en-CA" dirty="0"/>
               <a:t>Project Organization Chart</a:t>
             </a:r>
           </a:p>
           <a:p>
             <a:r>
-              <a:rPr lang="en-CA" dirty="0" smtClean="0"/>
+              <a:rPr lang="en-CA" dirty="0"/>
               <a:t>Work Breakdown Structure</a:t>
             </a:r>
           </a:p>
           <a:p>
             <a:r>
-              <a:rPr lang="en-US" dirty="0" smtClean="0"/>
+              <a:rPr lang="en-US" dirty="0"/>
               <a:t>…</a:t>
             </a:r>
             <a:endParaRPr lang="en-CA" dirty="0"/>
@@ -21800,13 +21271,6 @@
   <p:clrMapOvr>
     <a:masterClrMapping/>
   </p:clrMapOvr>
-  <p:timing>
-    <p:tnLst>
-      <p:par>
-        <p:cTn id="1" dur="indefinite" restart="never" nodeType="tmRoot"/>
-      </p:par>
-    </p:tnLst>
-  </p:timing>
 </p:sld>
 </file>
 
@@ -21843,10 +21307,9 @@
           <a:lstStyle/>
           <a:p>
             <a:r>
-              <a:rPr lang="en-CA" dirty="0" smtClean="0"/>
+              <a:rPr lang="en-CA" dirty="0"/>
               <a:t>Changes to Project Definition</a:t>
             </a:r>
-            <a:endParaRPr lang="en-CA" dirty="0"/>
           </a:p>
         </p:txBody>
       </p:sp>
@@ -21866,16 +21329,15 @@
           <a:lstStyle/>
           <a:p>
             <a:r>
-              <a:rPr lang="en-CA" dirty="0" smtClean="0"/>
+              <a:rPr lang="en-CA" dirty="0"/>
               <a:t>It’s a living document</a:t>
             </a:r>
           </a:p>
           <a:p>
             <a:r>
-              <a:rPr lang="en-CA" dirty="0" smtClean="0"/>
+              <a:rPr lang="en-CA" dirty="0"/>
               <a:t>Any changes must be approved by same set of original stakeholders</a:t>
             </a:r>
-            <a:endParaRPr lang="en-CA" dirty="0"/>
           </a:p>
         </p:txBody>
       </p:sp>
@@ -21884,13 +21346,6 @@
   <p:clrMapOvr>
     <a:masterClrMapping/>
   </p:clrMapOvr>
-  <p:timing>
-    <p:tnLst>
-      <p:par>
-        <p:cTn id="1" dur="indefinite" restart="never" nodeType="tmRoot"/>
-      </p:par>
-    </p:tnLst>
-  </p:timing>
 </p:sld>
 </file>
 
@@ -21933,7 +21388,7 @@
           <a:p>
             <a:pPr eaLnBrk="1" hangingPunct="1"/>
             <a:r>
-              <a:rPr lang="en-CA" dirty="0" smtClean="0"/>
+              <a:rPr lang="en-CA" dirty="0"/>
               <a:t>Project Planning</a:t>
             </a:r>
           </a:p>
@@ -21961,7 +21416,7 @@
           <a:p>
             <a:pPr eaLnBrk="1" hangingPunct="1"/>
             <a:r>
-              <a:rPr lang="en-CA" dirty="0" smtClean="0"/>
+              <a:rPr lang="en-CA" dirty="0"/>
               <a:t>Step 2 - Planning the project</a:t>
             </a:r>
           </a:p>
@@ -21971,23 +21426,23 @@
               <a:buChar char="•"/>
             </a:pPr>
             <a:r>
-              <a:rPr lang="en-CA" dirty="0" smtClean="0"/>
+              <a:rPr lang="en-CA" dirty="0"/>
               <a:t>G. </a:t>
             </a:r>
             <a:r>
-              <a:rPr lang="en-CA" dirty="0" err="1" smtClean="0"/>
+              <a:rPr lang="en-CA" dirty="0" err="1"/>
               <a:t>Horine</a:t>
             </a:r>
             <a:r>
-              <a:rPr lang="en-CA" dirty="0" smtClean="0"/>
+              <a:rPr lang="en-CA" dirty="0"/>
               <a:t>, “Absolute Beginner’s Guide to Project Management”, 3</a:t>
             </a:r>
             <a:r>
-              <a:rPr lang="en-CA" baseline="30000" dirty="0" smtClean="0"/>
+              <a:rPr lang="en-CA" baseline="30000" dirty="0"/>
               <a:t>rd</a:t>
             </a:r>
             <a:r>
-              <a:rPr lang="en-CA" dirty="0" smtClean="0"/>
+              <a:rPr lang="en-CA" dirty="0"/>
               <a:t> edition, page 59</a:t>
             </a:r>
           </a:p>
@@ -21997,11 +21452,11 @@
               <a:buChar char="•"/>
             </a:pPr>
             <a:r>
-              <a:rPr lang="en-CA" b="1" dirty="0" smtClean="0"/>
+              <a:rPr lang="en-CA" b="1" dirty="0"/>
               <a:t>Purpose</a:t>
             </a:r>
             <a:r>
-              <a:rPr lang="en-CA" dirty="0" smtClean="0"/>
+              <a:rPr lang="en-CA" dirty="0"/>
               <a:t>: to develop a plan that enables the project to be executed and controlled</a:t>
             </a:r>
           </a:p>
@@ -22030,10 +21485,9 @@
           <a:lstStyle/>
           <a:p>
             <a:r>
-              <a:rPr lang="en-CA" dirty="0" smtClean="0"/>
+              <a:rPr lang="en-CA" dirty="0"/>
               <a:t>Planning</a:t>
             </a:r>
-            <a:endParaRPr lang="en-CA" dirty="0"/>
           </a:p>
         </p:txBody>
       </p:sp>
@@ -22060,10 +21514,9 @@
           <a:lstStyle/>
           <a:p>
             <a:r>
-              <a:rPr lang="en-CA" dirty="0" smtClean="0"/>
+              <a:rPr lang="en-CA" dirty="0"/>
               <a:t>Executing</a:t>
             </a:r>
-            <a:endParaRPr lang="en-CA" dirty="0"/>
           </a:p>
         </p:txBody>
       </p:sp>
@@ -22090,10 +21543,9 @@
           <a:lstStyle/>
           <a:p>
             <a:r>
-              <a:rPr lang="en-CA" dirty="0" smtClean="0"/>
+              <a:rPr lang="en-CA" dirty="0"/>
               <a:t>Controlling</a:t>
             </a:r>
-            <a:endParaRPr lang="en-CA" dirty="0"/>
           </a:p>
         </p:txBody>
       </p:sp>
@@ -22218,18 +21670,13 @@
           <a:lstStyle/>
           <a:p>
             <a:r>
-              <a:rPr lang="en-CA" dirty="0" smtClean="0">
+              <a:rPr lang="en-CA" dirty="0">
                 <a:solidFill>
                   <a:srgbClr val="002060"/>
                 </a:solidFill>
               </a:rPr>
               <a:t>Initiating</a:t>
             </a:r>
-            <a:endParaRPr lang="en-CA" dirty="0">
-              <a:solidFill>
-                <a:srgbClr val="002060"/>
-              </a:solidFill>
-            </a:endParaRPr>
           </a:p>
         </p:txBody>
       </p:sp>
@@ -22256,18 +21703,13 @@
           <a:lstStyle/>
           <a:p>
             <a:r>
-              <a:rPr lang="en-CA" dirty="0" smtClean="0">
+              <a:rPr lang="en-CA" dirty="0">
                 <a:solidFill>
                   <a:srgbClr val="002060"/>
                 </a:solidFill>
               </a:rPr>
               <a:t>Closing</a:t>
             </a:r>
-            <a:endParaRPr lang="en-CA" dirty="0">
-              <a:solidFill>
-                <a:srgbClr val="002060"/>
-              </a:solidFill>
-            </a:endParaRPr>
           </a:p>
         </p:txBody>
       </p:sp>
@@ -22323,7 +21765,7 @@
               <a:buNone/>
               <a:tabLst/>
             </a:pPr>
-            <a:endParaRPr kumimoji="1" lang="en-CA" sz="2800" b="0" i="0" u="none" strike="noStrike" cap="none" normalizeH="0" baseline="0" smtClean="0">
+            <a:endParaRPr kumimoji="1" lang="en-CA" sz="2800" b="0" i="0" u="none" strike="noStrike" cap="none" normalizeH="0" baseline="0">
               <a:ln>
                 <a:noFill/>
               </a:ln>
@@ -22388,7 +21830,7 @@
               <a:buNone/>
               <a:tabLst/>
             </a:pPr>
-            <a:endParaRPr kumimoji="1" lang="en-CA" sz="2800" b="0" i="0" u="none" strike="noStrike" cap="none" normalizeH="0" baseline="0" smtClean="0">
+            <a:endParaRPr kumimoji="1" lang="en-CA" sz="2800" b="0" i="0" u="none" strike="noStrike" cap="none" normalizeH="0" baseline="0">
               <a:ln>
                 <a:noFill/>
               </a:ln>
@@ -22406,13 +21848,6 @@
   <p:clrMapOvr>
     <a:masterClrMapping/>
   </p:clrMapOvr>
-  <p:timing>
-    <p:tnLst>
-      <p:par>
-        <p:cTn id="1" dur="indefinite" restart="never" nodeType="tmRoot"/>
-      </p:par>
-    </p:tnLst>
-  </p:timing>
 </p:sld>
 </file>
 
